--- a/OME/Identification of business opportunities unit 4 a.pptx
+++ b/OME/Identification of business opportunities unit 4 a.pptx
@@ -2,8 +2,11 @@
 <file path=ppt/presentation.xml><?xml version="1.0" encoding="utf-8"?>
 <p:presentation xmlns:a="http://schemas.openxmlformats.org/drawingml/2006/main" xmlns:r="http://schemas.openxmlformats.org/officeDocument/2006/relationships" xmlns:p="http://schemas.openxmlformats.org/presentationml/2006/main" saveSubsetFonts="1">
   <p:sldMasterIdLst>
-    <p:sldMasterId id="2147483792" r:id="rId1"/>
+    <p:sldMasterId id="2147483804" r:id="rId1"/>
   </p:sldMasterIdLst>
+  <p:notesMasterIdLst>
+    <p:notesMasterId r:id="rId12"/>
+  </p:notesMasterIdLst>
   <p:sldIdLst>
     <p:sldId id="256" r:id="rId2"/>
     <p:sldId id="257" r:id="rId3"/>
@@ -113,7 +116,372 @@
       </a:defRPr>
     </a:lvl9pPr>
   </p:defaultTextStyle>
+  <p:extLst>
+    <p:ext uri="{EFAFB233-063F-42B5-8137-9DF3F51BA10A}">
+      <p15:sldGuideLst xmlns:p15="http://schemas.microsoft.com/office/powerpoint/2012/main">
+        <p15:guide id="1" orient="horz" pos="2160">
+          <p15:clr>
+            <a:srgbClr val="A4A3A4"/>
+          </p15:clr>
+        </p15:guide>
+        <p15:guide id="2" pos="2880">
+          <p15:clr>
+            <a:srgbClr val="A4A3A4"/>
+          </p15:clr>
+        </p15:guide>
+      </p15:sldGuideLst>
+    </p:ext>
+  </p:extLst>
 </p:presentation>
+</file>
+
+<file path=ppt/notesMasters/notesMaster1.xml><?xml version="1.0" encoding="utf-8"?>
+<p:notesMaster xmlns:a="http://schemas.openxmlformats.org/drawingml/2006/main" xmlns:r="http://schemas.openxmlformats.org/officeDocument/2006/relationships" xmlns:p="http://schemas.openxmlformats.org/presentationml/2006/main">
+  <p:cSld>
+    <p:bg>
+      <p:bgRef idx="1001">
+        <a:schemeClr val="bg1"/>
+      </p:bgRef>
+    </p:bg>
+    <p:spTree>
+      <p:nvGrpSpPr>
+        <p:cNvPr id="1" name=""/>
+        <p:cNvGrpSpPr/>
+        <p:nvPr/>
+      </p:nvGrpSpPr>
+      <p:grpSpPr>
+        <a:xfrm>
+          <a:off x="0" y="0"/>
+          <a:ext cx="0" cy="0"/>
+          <a:chOff x="0" y="0"/>
+          <a:chExt cx="0" cy="0"/>
+        </a:xfrm>
+      </p:grpSpPr>
+      <p:sp>
+        <p:nvSpPr>
+          <p:cNvPr id="2" name="Header Placeholder 1"/>
+          <p:cNvSpPr>
+            <a:spLocks noGrp="1"/>
+          </p:cNvSpPr>
+          <p:nvPr>
+            <p:ph type="hdr" sz="quarter"/>
+          </p:nvPr>
+        </p:nvSpPr>
+        <p:spPr>
+          <a:xfrm>
+            <a:off x="0" y="0"/>
+            <a:ext cx="2971800" cy="458788"/>
+          </a:xfrm>
+          <a:prstGeom prst="rect">
+            <a:avLst/>
+          </a:prstGeom>
+        </p:spPr>
+        <p:txBody>
+          <a:bodyPr vert="horz" lIns="91440" tIns="45720" rIns="91440" bIns="45720" rtlCol="0"/>
+          <a:lstStyle>
+            <a:lvl1pPr algn="l">
+              <a:defRPr sz="1200"/>
+            </a:lvl1pPr>
+          </a:lstStyle>
+          <a:p>
+            <a:endParaRPr lang="en-US"/>
+          </a:p>
+        </p:txBody>
+      </p:sp>
+      <p:sp>
+        <p:nvSpPr>
+          <p:cNvPr id="3" name="Date Placeholder 2"/>
+          <p:cNvSpPr>
+            <a:spLocks noGrp="1"/>
+          </p:cNvSpPr>
+          <p:nvPr>
+            <p:ph type="dt" idx="1"/>
+          </p:nvPr>
+        </p:nvSpPr>
+        <p:spPr>
+          <a:xfrm>
+            <a:off x="3884613" y="0"/>
+            <a:ext cx="2971800" cy="458788"/>
+          </a:xfrm>
+          <a:prstGeom prst="rect">
+            <a:avLst/>
+          </a:prstGeom>
+        </p:spPr>
+        <p:txBody>
+          <a:bodyPr vert="horz" lIns="91440" tIns="45720" rIns="91440" bIns="45720" rtlCol="0"/>
+          <a:lstStyle>
+            <a:lvl1pPr algn="r">
+              <a:defRPr sz="1200"/>
+            </a:lvl1pPr>
+          </a:lstStyle>
+          <a:p>
+            <a:fld id="{01829EF2-D573-0B4F-A85E-98CFB8AC8B08}" type="datetimeFigureOut">
+              <a:rPr lang="en-US" smtClean="0"/>
+              <a:t>3/13/19</a:t>
+            </a:fld>
+            <a:endParaRPr lang="en-US"/>
+          </a:p>
+        </p:txBody>
+      </p:sp>
+      <p:sp>
+        <p:nvSpPr>
+          <p:cNvPr id="4" name="Slide Image Placeholder 3"/>
+          <p:cNvSpPr>
+            <a:spLocks noGrp="1" noRot="1" noChangeAspect="1"/>
+          </p:cNvSpPr>
+          <p:nvPr>
+            <p:ph type="sldImg" idx="2"/>
+          </p:nvPr>
+        </p:nvSpPr>
+        <p:spPr>
+          <a:xfrm>
+            <a:off x="1371600" y="1143000"/>
+            <a:ext cx="4114800" cy="3086100"/>
+          </a:xfrm>
+          <a:prstGeom prst="rect">
+            <a:avLst/>
+          </a:prstGeom>
+          <a:noFill/>
+          <a:ln w="12700">
+            <a:solidFill>
+              <a:prstClr val="black"/>
+            </a:solidFill>
+          </a:ln>
+        </p:spPr>
+        <p:txBody>
+          <a:bodyPr vert="horz" lIns="91440" tIns="45720" rIns="91440" bIns="45720" rtlCol="0" anchor="ctr"/>
+          <a:lstStyle/>
+          <a:p>
+            <a:endParaRPr lang="en-US"/>
+          </a:p>
+        </p:txBody>
+      </p:sp>
+      <p:sp>
+        <p:nvSpPr>
+          <p:cNvPr id="5" name="Notes Placeholder 4"/>
+          <p:cNvSpPr>
+            <a:spLocks noGrp="1"/>
+          </p:cNvSpPr>
+          <p:nvPr>
+            <p:ph type="body" sz="quarter" idx="3"/>
+          </p:nvPr>
+        </p:nvSpPr>
+        <p:spPr>
+          <a:xfrm>
+            <a:off x="685800" y="4400550"/>
+            <a:ext cx="5486400" cy="3600450"/>
+          </a:xfrm>
+          <a:prstGeom prst="rect">
+            <a:avLst/>
+          </a:prstGeom>
+        </p:spPr>
+        <p:txBody>
+          <a:bodyPr vert="horz" lIns="91440" tIns="45720" rIns="91440" bIns="45720" rtlCol="0"/>
+          <a:lstStyle/>
+          <a:p>
+            <a:pPr lvl="0"/>
+            <a:r>
+              <a:rPr lang="en-US"/>
+              <a:t>Click to edit Master text styles</a:t>
+            </a:r>
+          </a:p>
+          <a:p>
+            <a:pPr lvl="1"/>
+            <a:r>
+              <a:rPr lang="en-US"/>
+              <a:t>Second level</a:t>
+            </a:r>
+          </a:p>
+          <a:p>
+            <a:pPr lvl="2"/>
+            <a:r>
+              <a:rPr lang="en-US"/>
+              <a:t>Third level</a:t>
+            </a:r>
+          </a:p>
+          <a:p>
+            <a:pPr lvl="3"/>
+            <a:r>
+              <a:rPr lang="en-US"/>
+              <a:t>Fourth level</a:t>
+            </a:r>
+          </a:p>
+          <a:p>
+            <a:pPr lvl="4"/>
+            <a:r>
+              <a:rPr lang="en-US"/>
+              <a:t>Fifth level</a:t>
+            </a:r>
+          </a:p>
+        </p:txBody>
+      </p:sp>
+      <p:sp>
+        <p:nvSpPr>
+          <p:cNvPr id="6" name="Footer Placeholder 5"/>
+          <p:cNvSpPr>
+            <a:spLocks noGrp="1"/>
+          </p:cNvSpPr>
+          <p:nvPr>
+            <p:ph type="ftr" sz="quarter" idx="4"/>
+          </p:nvPr>
+        </p:nvSpPr>
+        <p:spPr>
+          <a:xfrm>
+            <a:off x="0" y="8685213"/>
+            <a:ext cx="2971800" cy="458787"/>
+          </a:xfrm>
+          <a:prstGeom prst="rect">
+            <a:avLst/>
+          </a:prstGeom>
+        </p:spPr>
+        <p:txBody>
+          <a:bodyPr vert="horz" lIns="91440" tIns="45720" rIns="91440" bIns="45720" rtlCol="0" anchor="b"/>
+          <a:lstStyle>
+            <a:lvl1pPr algn="l">
+              <a:defRPr sz="1200"/>
+            </a:lvl1pPr>
+          </a:lstStyle>
+          <a:p>
+            <a:endParaRPr lang="en-US"/>
+          </a:p>
+        </p:txBody>
+      </p:sp>
+      <p:sp>
+        <p:nvSpPr>
+          <p:cNvPr id="7" name="Slide Number Placeholder 6"/>
+          <p:cNvSpPr>
+            <a:spLocks noGrp="1"/>
+          </p:cNvSpPr>
+          <p:nvPr>
+            <p:ph type="sldNum" sz="quarter" idx="5"/>
+          </p:nvPr>
+        </p:nvSpPr>
+        <p:spPr>
+          <a:xfrm>
+            <a:off x="3884613" y="8685213"/>
+            <a:ext cx="2971800" cy="458787"/>
+          </a:xfrm>
+          <a:prstGeom prst="rect">
+            <a:avLst/>
+          </a:prstGeom>
+        </p:spPr>
+        <p:txBody>
+          <a:bodyPr vert="horz" lIns="91440" tIns="45720" rIns="91440" bIns="45720" rtlCol="0" anchor="b"/>
+          <a:lstStyle>
+            <a:lvl1pPr algn="r">
+              <a:defRPr sz="1200"/>
+            </a:lvl1pPr>
+          </a:lstStyle>
+          <a:p>
+            <a:fld id="{4290A040-21A4-1B4A-9D80-5663D46AA610}" type="slidenum">
+              <a:rPr lang="en-US" smtClean="0"/>
+              <a:t>‹#›</a:t>
+            </a:fld>
+            <a:endParaRPr lang="en-US"/>
+          </a:p>
+        </p:txBody>
+      </p:sp>
+    </p:spTree>
+    <p:extLst>
+      <p:ext uri="{BB962C8B-B14F-4D97-AF65-F5344CB8AC3E}">
+        <p14:creationId xmlns:p14="http://schemas.microsoft.com/office/powerpoint/2010/main" val="1581418437"/>
+      </p:ext>
+    </p:extLst>
+  </p:cSld>
+  <p:clrMap bg1="lt1" tx1="dk1" bg2="lt2" tx2="dk2" accent1="accent1" accent2="accent2" accent3="accent3" accent4="accent4" accent5="accent5" accent6="accent6" hlink="hlink" folHlink="folHlink"/>
+  <p:notesStyle>
+    <a:lvl1pPr marL="0" algn="l" defTabSz="914400" rtl="0" eaLnBrk="1" latinLnBrk="0" hangingPunct="1">
+      <a:defRPr sz="1200" kern="1200">
+        <a:solidFill>
+          <a:schemeClr val="tx1"/>
+        </a:solidFill>
+        <a:latin typeface="+mn-lt"/>
+        <a:ea typeface="+mn-ea"/>
+        <a:cs typeface="+mn-cs"/>
+      </a:defRPr>
+    </a:lvl1pPr>
+    <a:lvl2pPr marL="457200" algn="l" defTabSz="914400" rtl="0" eaLnBrk="1" latinLnBrk="0" hangingPunct="1">
+      <a:defRPr sz="1200" kern="1200">
+        <a:solidFill>
+          <a:schemeClr val="tx1"/>
+        </a:solidFill>
+        <a:latin typeface="+mn-lt"/>
+        <a:ea typeface="+mn-ea"/>
+        <a:cs typeface="+mn-cs"/>
+      </a:defRPr>
+    </a:lvl2pPr>
+    <a:lvl3pPr marL="914400" algn="l" defTabSz="914400" rtl="0" eaLnBrk="1" latinLnBrk="0" hangingPunct="1">
+      <a:defRPr sz="1200" kern="1200">
+        <a:solidFill>
+          <a:schemeClr val="tx1"/>
+        </a:solidFill>
+        <a:latin typeface="+mn-lt"/>
+        <a:ea typeface="+mn-ea"/>
+        <a:cs typeface="+mn-cs"/>
+      </a:defRPr>
+    </a:lvl3pPr>
+    <a:lvl4pPr marL="1371600" algn="l" defTabSz="914400" rtl="0" eaLnBrk="1" latinLnBrk="0" hangingPunct="1">
+      <a:defRPr sz="1200" kern="1200">
+        <a:solidFill>
+          <a:schemeClr val="tx1"/>
+        </a:solidFill>
+        <a:latin typeface="+mn-lt"/>
+        <a:ea typeface="+mn-ea"/>
+        <a:cs typeface="+mn-cs"/>
+      </a:defRPr>
+    </a:lvl4pPr>
+    <a:lvl5pPr marL="1828800" algn="l" defTabSz="914400" rtl="0" eaLnBrk="1" latinLnBrk="0" hangingPunct="1">
+      <a:defRPr sz="1200" kern="1200">
+        <a:solidFill>
+          <a:schemeClr val="tx1"/>
+        </a:solidFill>
+        <a:latin typeface="+mn-lt"/>
+        <a:ea typeface="+mn-ea"/>
+        <a:cs typeface="+mn-cs"/>
+      </a:defRPr>
+    </a:lvl5pPr>
+    <a:lvl6pPr marL="2286000" algn="l" defTabSz="914400" rtl="0" eaLnBrk="1" latinLnBrk="0" hangingPunct="1">
+      <a:defRPr sz="1200" kern="1200">
+        <a:solidFill>
+          <a:schemeClr val="tx1"/>
+        </a:solidFill>
+        <a:latin typeface="+mn-lt"/>
+        <a:ea typeface="+mn-ea"/>
+        <a:cs typeface="+mn-cs"/>
+      </a:defRPr>
+    </a:lvl6pPr>
+    <a:lvl7pPr marL="2743200" algn="l" defTabSz="914400" rtl="0" eaLnBrk="1" latinLnBrk="0" hangingPunct="1">
+      <a:defRPr sz="1200" kern="1200">
+        <a:solidFill>
+          <a:schemeClr val="tx1"/>
+        </a:solidFill>
+        <a:latin typeface="+mn-lt"/>
+        <a:ea typeface="+mn-ea"/>
+        <a:cs typeface="+mn-cs"/>
+      </a:defRPr>
+    </a:lvl7pPr>
+    <a:lvl8pPr marL="3200400" algn="l" defTabSz="914400" rtl="0" eaLnBrk="1" latinLnBrk="0" hangingPunct="1">
+      <a:defRPr sz="1200" kern="1200">
+        <a:solidFill>
+          <a:schemeClr val="tx1"/>
+        </a:solidFill>
+        <a:latin typeface="+mn-lt"/>
+        <a:ea typeface="+mn-ea"/>
+        <a:cs typeface="+mn-cs"/>
+      </a:defRPr>
+    </a:lvl8pPr>
+    <a:lvl9pPr marL="3657600" algn="l" defTabSz="914400" rtl="0" eaLnBrk="1" latinLnBrk="0" hangingPunct="1">
+      <a:defRPr sz="1200" kern="1200">
+        <a:solidFill>
+          <a:schemeClr val="tx1"/>
+        </a:solidFill>
+        <a:latin typeface="+mn-lt"/>
+        <a:ea typeface="+mn-ea"/>
+        <a:cs typeface="+mn-cs"/>
+      </a:defRPr>
+    </a:lvl9pPr>
+  </p:notesStyle>
+</p:notesMaster>
 </file>
 
 <file path=ppt/slideLayouts/slideLayout1.xml><?xml version="1.0" encoding="utf-8"?>
@@ -135,7 +503,13 @@
       </p:grpSpPr>
       <p:sp>
         <p:nvSpPr>
-          <p:cNvPr id="9" name="Title 8"/>
+          <p:cNvPr id="2" name="Title 1">
+            <a:extLst>
+              <a:ext uri="{FF2B5EF4-FFF2-40B4-BE49-F238E27FC236}">
+                <a16:creationId xmlns:a16="http://schemas.microsoft.com/office/drawing/2014/main" id="{0825BA11-E6F2-FE40-AE99-821B913970F1}"/>
+              </a:ext>
+            </a:extLst>
+          </p:cNvPr>
           <p:cNvSpPr>
             <a:spLocks noGrp="1"/>
           </p:cNvSpPr>
@@ -145,70 +519,34 @@
         </p:nvSpPr>
         <p:spPr>
           <a:xfrm>
-            <a:off x="533400" y="1371600"/>
-            <a:ext cx="7851648" cy="1828800"/>
+            <a:off x="1143000" y="1122363"/>
+            <a:ext cx="6858000" cy="2387600"/>
           </a:xfrm>
-          <a:ln>
-            <a:noFill/>
-          </a:ln>
         </p:spPr>
         <p:txBody>
-          <a:bodyPr vert="horz" tIns="0" rIns="18288" bIns="0" anchor="b">
-            <a:normAutofit/>
-            <a:scene3d>
-              <a:camera prst="orthographicFront"/>
-              <a:lightRig rig="freezing" dir="t">
-                <a:rot lat="0" lon="0" rev="5640000"/>
-              </a:lightRig>
-            </a:scene3d>
-            <a:sp3d prstMaterial="flat">
-              <a:bevelT w="38100" h="38100"/>
-              <a:contourClr>
-                <a:schemeClr val="tx2"/>
-              </a:contourClr>
-            </a:sp3d>
-          </a:bodyPr>
+          <a:bodyPr anchor="b"/>
           <a:lstStyle>
-            <a:lvl1pPr algn="r" rtl="0">
-              <a:spcBef>
-                <a:spcPct val="0"/>
-              </a:spcBef>
-              <a:buNone/>
-              <a:defRPr sz="5600" b="1">
-                <a:ln>
-                  <a:noFill/>
-                </a:ln>
-                <a:solidFill>
-                  <a:schemeClr val="accent3">
-                    <a:tint val="90000"/>
-                    <a:satMod val="120000"/>
-                  </a:schemeClr>
-                </a:solidFill>
-                <a:effectLst>
-                  <a:outerShdw blurRad="38100" dist="25400" dir="5400000" algn="tl" rotWithShape="0">
-                    <a:srgbClr val="000000">
-                      <a:alpha val="43000"/>
-                    </a:srgbClr>
-                  </a:outerShdw>
-                </a:effectLst>
-                <a:latin typeface="+mj-lt"/>
-                <a:ea typeface="+mj-ea"/>
-                <a:cs typeface="+mj-cs"/>
-              </a:defRPr>
+            <a:lvl1pPr algn="ctr">
+              <a:defRPr sz="4500"/>
             </a:lvl1pPr>
           </a:lstStyle>
           <a:p>
             <a:r>
-              <a:rPr kumimoji="0" lang="en-US" smtClean="0"/>
+              <a:rPr lang="en-US"/>
               <a:t>Click to edit Master title style</a:t>
             </a:r>
-            <a:endParaRPr kumimoji="0" lang="en-US"/>
-          </a:p>
-        </p:txBody>
-      </p:sp>
-      <p:sp>
-        <p:nvSpPr>
-          <p:cNvPr id="17" name="Subtitle 16"/>
+          </a:p>
+        </p:txBody>
+      </p:sp>
+      <p:sp>
+        <p:nvSpPr>
+          <p:cNvPr id="3" name="Subtitle 2">
+            <a:extLst>
+              <a:ext uri="{FF2B5EF4-FFF2-40B4-BE49-F238E27FC236}">
+                <a16:creationId xmlns:a16="http://schemas.microsoft.com/office/drawing/2014/main" id="{15F2DC92-3508-D143-B161-3E85B52A335C}"/>
+              </a:ext>
+            </a:extLst>
+          </p:cNvPr>
           <p:cNvSpPr>
             <a:spLocks noGrp="1"/>
           </p:cNvSpPr>
@@ -218,58 +556,67 @@
         </p:nvSpPr>
         <p:spPr>
           <a:xfrm>
-            <a:off x="533400" y="3228536"/>
-            <a:ext cx="7854696" cy="1752600"/>
+            <a:off x="1143000" y="3602038"/>
+            <a:ext cx="6858000" cy="1655762"/>
           </a:xfrm>
         </p:spPr>
         <p:txBody>
-          <a:bodyPr lIns="0" rIns="18288"/>
+          <a:bodyPr/>
           <a:lstStyle>
-            <a:lvl1pPr marL="0" marR="45720" indent="0" algn="r">
-              <a:buNone/>
-              <a:defRPr>
-                <a:solidFill>
-                  <a:schemeClr val="tx1"/>
-                </a:solidFill>
-              </a:defRPr>
+            <a:lvl1pPr marL="0" indent="0" algn="ctr">
+              <a:buNone/>
+              <a:defRPr sz="1800"/>
             </a:lvl1pPr>
-            <a:lvl2pPr marL="457200" indent="0" algn="ctr">
-              <a:buNone/>
+            <a:lvl2pPr marL="342900" indent="0" algn="ctr">
+              <a:buNone/>
+              <a:defRPr sz="1500"/>
             </a:lvl2pPr>
-            <a:lvl3pPr marL="914400" indent="0" algn="ctr">
-              <a:buNone/>
+            <a:lvl3pPr marL="685800" indent="0" algn="ctr">
+              <a:buNone/>
+              <a:defRPr sz="1350"/>
             </a:lvl3pPr>
-            <a:lvl4pPr marL="1371600" indent="0" algn="ctr">
-              <a:buNone/>
+            <a:lvl4pPr marL="1028700" indent="0" algn="ctr">
+              <a:buNone/>
+              <a:defRPr sz="1200"/>
             </a:lvl4pPr>
-            <a:lvl5pPr marL="1828800" indent="0" algn="ctr">
-              <a:buNone/>
+            <a:lvl5pPr marL="1371600" indent="0" algn="ctr">
+              <a:buNone/>
+              <a:defRPr sz="1200"/>
             </a:lvl5pPr>
-            <a:lvl6pPr marL="2286000" indent="0" algn="ctr">
-              <a:buNone/>
+            <a:lvl6pPr marL="1714500" indent="0" algn="ctr">
+              <a:buNone/>
+              <a:defRPr sz="1200"/>
             </a:lvl6pPr>
-            <a:lvl7pPr marL="2743200" indent="0" algn="ctr">
-              <a:buNone/>
+            <a:lvl7pPr marL="2057400" indent="0" algn="ctr">
+              <a:buNone/>
+              <a:defRPr sz="1200"/>
             </a:lvl7pPr>
-            <a:lvl8pPr marL="3200400" indent="0" algn="ctr">
-              <a:buNone/>
+            <a:lvl8pPr marL="2400300" indent="0" algn="ctr">
+              <a:buNone/>
+              <a:defRPr sz="1200"/>
             </a:lvl8pPr>
-            <a:lvl9pPr marL="3657600" indent="0" algn="ctr">
-              <a:buNone/>
+            <a:lvl9pPr marL="2743200" indent="0" algn="ctr">
+              <a:buNone/>
+              <a:defRPr sz="1200"/>
             </a:lvl9pPr>
           </a:lstStyle>
           <a:p>
             <a:r>
-              <a:rPr kumimoji="0" lang="en-US" smtClean="0"/>
+              <a:rPr lang="en-US"/>
               <a:t>Click to edit Master subtitle style</a:t>
             </a:r>
-            <a:endParaRPr kumimoji="0" lang="en-US"/>
-          </a:p>
-        </p:txBody>
-      </p:sp>
-      <p:sp>
-        <p:nvSpPr>
-          <p:cNvPr id="30" name="Date Placeholder 29"/>
+          </a:p>
+        </p:txBody>
+      </p:sp>
+      <p:sp>
+        <p:nvSpPr>
+          <p:cNvPr id="4" name="Date Placeholder 3">
+            <a:extLst>
+              <a:ext uri="{FF2B5EF4-FFF2-40B4-BE49-F238E27FC236}">
+                <a16:creationId xmlns:a16="http://schemas.microsoft.com/office/drawing/2014/main" id="{E7E53E23-26C3-C649-8257-9D0243DF76F8}"/>
+              </a:ext>
+            </a:extLst>
+          </p:cNvPr>
           <p:cNvSpPr>
             <a:spLocks noGrp="1"/>
           </p:cNvSpPr>
@@ -282,10 +629,9 @@
           <a:bodyPr/>
           <a:lstStyle/>
           <a:p>
-            <a:fld id="{1D8BD707-D9CF-40AE-B4C6-C98DA3205C09}" type="datetimeFigureOut">
-              <a:rPr lang="en-US" smtClean="0"/>
-              <a:pPr/>
-              <a:t>10/12/2015</a:t>
+            <a:fld id="{89648419-833F-3F41-BF18-FE36BC5072A0}" type="datetime1">
+              <a:rPr lang="en-IN" smtClean="0"/>
+              <a:t>13/03/19</a:t>
             </a:fld>
             <a:endParaRPr lang="en-US"/>
           </a:p>
@@ -293,7 +639,13 @@
       </p:sp>
       <p:sp>
         <p:nvSpPr>
-          <p:cNvPr id="19" name="Footer Placeholder 18"/>
+          <p:cNvPr id="5" name="Footer Placeholder 4">
+            <a:extLst>
+              <a:ext uri="{FF2B5EF4-FFF2-40B4-BE49-F238E27FC236}">
+                <a16:creationId xmlns:a16="http://schemas.microsoft.com/office/drawing/2014/main" id="{3D7FF11B-0DE0-4E4F-A312-22B5A3DE1C64}"/>
+              </a:ext>
+            </a:extLst>
+          </p:cNvPr>
           <p:cNvSpPr>
             <a:spLocks noGrp="1"/>
           </p:cNvSpPr>
@@ -312,7 +664,13 @@
       </p:sp>
       <p:sp>
         <p:nvSpPr>
-          <p:cNvPr id="27" name="Slide Number Placeholder 26"/>
+          <p:cNvPr id="6" name="Slide Number Placeholder 5">
+            <a:extLst>
+              <a:ext uri="{FF2B5EF4-FFF2-40B4-BE49-F238E27FC236}">
+                <a16:creationId xmlns:a16="http://schemas.microsoft.com/office/drawing/2014/main" id="{620ECF4D-3C2B-C149-A8FC-2A1455EBD8F3}"/>
+              </a:ext>
+            </a:extLst>
+          </p:cNvPr>
           <p:cNvSpPr>
             <a:spLocks noGrp="1"/>
           </p:cNvSpPr>
@@ -335,6 +693,11 @@
         </p:txBody>
       </p:sp>
     </p:spTree>
+    <p:extLst>
+      <p:ext uri="{BB962C8B-B14F-4D97-AF65-F5344CB8AC3E}">
+        <p14:creationId xmlns:p14="http://schemas.microsoft.com/office/powerpoint/2010/main" val="251268182"/>
+      </p:ext>
+    </p:extLst>
   </p:cSld>
   <p:clrMapOvr>
     <a:masterClrMapping/>
@@ -361,7 +724,13 @@
       </p:grpSpPr>
       <p:sp>
         <p:nvSpPr>
-          <p:cNvPr id="2" name="Title 1"/>
+          <p:cNvPr id="2" name="Title 1">
+            <a:extLst>
+              <a:ext uri="{FF2B5EF4-FFF2-40B4-BE49-F238E27FC236}">
+                <a16:creationId xmlns:a16="http://schemas.microsoft.com/office/drawing/2014/main" id="{86AA3064-4E21-4D4C-B456-823E3D57FDC6}"/>
+              </a:ext>
+            </a:extLst>
+          </p:cNvPr>
           <p:cNvSpPr>
             <a:spLocks noGrp="1"/>
           </p:cNvSpPr>
@@ -375,16 +744,21 @@
           <a:lstStyle/>
           <a:p>
             <a:r>
-              <a:rPr kumimoji="0" lang="en-US" smtClean="0"/>
+              <a:rPr lang="en-US"/>
               <a:t>Click to edit Master title style</a:t>
             </a:r>
-            <a:endParaRPr kumimoji="0" lang="en-US"/>
-          </a:p>
-        </p:txBody>
-      </p:sp>
-      <p:sp>
-        <p:nvSpPr>
-          <p:cNvPr id="3" name="Vertical Text Placeholder 2"/>
+          </a:p>
+        </p:txBody>
+      </p:sp>
+      <p:sp>
+        <p:nvSpPr>
+          <p:cNvPr id="3" name="Vertical Text Placeholder 2">
+            <a:extLst>
+              <a:ext uri="{FF2B5EF4-FFF2-40B4-BE49-F238E27FC236}">
+                <a16:creationId xmlns:a16="http://schemas.microsoft.com/office/drawing/2014/main" id="{9F36E7E2-F00A-D04B-B479-B701F3858CE4}"/>
+              </a:ext>
+            </a:extLst>
+          </p:cNvPr>
           <p:cNvSpPr>
             <a:spLocks noGrp="1"/>
           </p:cNvSpPr>
@@ -397,46 +771,51 @@
           <a:bodyPr vert="eaVert"/>
           <a:lstStyle/>
           <a:p>
-            <a:pPr lvl="0" eaLnBrk="1" latinLnBrk="0" hangingPunct="1"/>
-            <a:r>
-              <a:rPr lang="en-US" smtClean="0"/>
+            <a:pPr lvl="0"/>
+            <a:r>
+              <a:rPr lang="en-US"/>
               <a:t>Click to edit Master text styles</a:t>
             </a:r>
           </a:p>
           <a:p>
-            <a:pPr lvl="1" eaLnBrk="1" latinLnBrk="0" hangingPunct="1"/>
-            <a:r>
-              <a:rPr lang="en-US" smtClean="0"/>
+            <a:pPr lvl="1"/>
+            <a:r>
+              <a:rPr lang="en-US"/>
               <a:t>Second level</a:t>
             </a:r>
           </a:p>
           <a:p>
-            <a:pPr lvl="2" eaLnBrk="1" latinLnBrk="0" hangingPunct="1"/>
-            <a:r>
-              <a:rPr lang="en-US" smtClean="0"/>
+            <a:pPr lvl="2"/>
+            <a:r>
+              <a:rPr lang="en-US"/>
               <a:t>Third level</a:t>
             </a:r>
           </a:p>
           <a:p>
-            <a:pPr lvl="3" eaLnBrk="1" latinLnBrk="0" hangingPunct="1"/>
-            <a:r>
-              <a:rPr lang="en-US" smtClean="0"/>
+            <a:pPr lvl="3"/>
+            <a:r>
+              <a:rPr lang="en-US"/>
               <a:t>Fourth level</a:t>
             </a:r>
           </a:p>
           <a:p>
-            <a:pPr lvl="4" eaLnBrk="1" latinLnBrk="0" hangingPunct="1"/>
-            <a:r>
-              <a:rPr lang="en-US" smtClean="0"/>
+            <a:pPr lvl="4"/>
+            <a:r>
+              <a:rPr lang="en-US"/>
               <a:t>Fifth level</a:t>
             </a:r>
-            <a:endParaRPr kumimoji="0" lang="en-US"/>
-          </a:p>
-        </p:txBody>
-      </p:sp>
-      <p:sp>
-        <p:nvSpPr>
-          <p:cNvPr id="4" name="Date Placeholder 3"/>
+          </a:p>
+        </p:txBody>
+      </p:sp>
+      <p:sp>
+        <p:nvSpPr>
+          <p:cNvPr id="4" name="Date Placeholder 3">
+            <a:extLst>
+              <a:ext uri="{FF2B5EF4-FFF2-40B4-BE49-F238E27FC236}">
+                <a16:creationId xmlns:a16="http://schemas.microsoft.com/office/drawing/2014/main" id="{A0D531E2-1975-CE44-9F95-11469B9B88F8}"/>
+              </a:ext>
+            </a:extLst>
+          </p:cNvPr>
           <p:cNvSpPr>
             <a:spLocks noGrp="1"/>
           </p:cNvSpPr>
@@ -449,10 +828,9 @@
           <a:bodyPr/>
           <a:lstStyle/>
           <a:p>
-            <a:fld id="{1D8BD707-D9CF-40AE-B4C6-C98DA3205C09}" type="datetimeFigureOut">
-              <a:rPr lang="en-US" smtClean="0"/>
-              <a:pPr/>
-              <a:t>10/12/2015</a:t>
+            <a:fld id="{362BB3D0-FD5A-E34A-9AE5-9A1708FD55E0}" type="datetime1">
+              <a:rPr lang="en-IN" smtClean="0"/>
+              <a:t>13/03/19</a:t>
             </a:fld>
             <a:endParaRPr lang="en-US"/>
           </a:p>
@@ -460,7 +838,13 @@
       </p:sp>
       <p:sp>
         <p:nvSpPr>
-          <p:cNvPr id="5" name="Footer Placeholder 4"/>
+          <p:cNvPr id="5" name="Footer Placeholder 4">
+            <a:extLst>
+              <a:ext uri="{FF2B5EF4-FFF2-40B4-BE49-F238E27FC236}">
+                <a16:creationId xmlns:a16="http://schemas.microsoft.com/office/drawing/2014/main" id="{00144E4A-EBF3-4942-AD19-F590BFBB84FE}"/>
+              </a:ext>
+            </a:extLst>
+          </p:cNvPr>
           <p:cNvSpPr>
             <a:spLocks noGrp="1"/>
           </p:cNvSpPr>
@@ -479,7 +863,13 @@
       </p:sp>
       <p:sp>
         <p:nvSpPr>
-          <p:cNvPr id="6" name="Slide Number Placeholder 5"/>
+          <p:cNvPr id="6" name="Slide Number Placeholder 5">
+            <a:extLst>
+              <a:ext uri="{FF2B5EF4-FFF2-40B4-BE49-F238E27FC236}">
+                <a16:creationId xmlns:a16="http://schemas.microsoft.com/office/drawing/2014/main" id="{DF544103-8B79-A943-8F89-EA01580EE00D}"/>
+              </a:ext>
+            </a:extLst>
+          </p:cNvPr>
           <p:cNvSpPr>
             <a:spLocks noGrp="1"/>
           </p:cNvSpPr>
@@ -502,6 +892,11 @@
         </p:txBody>
       </p:sp>
     </p:spTree>
+    <p:extLst>
+      <p:ext uri="{BB962C8B-B14F-4D97-AF65-F5344CB8AC3E}">
+        <p14:creationId xmlns:p14="http://schemas.microsoft.com/office/powerpoint/2010/main" val="4010979714"/>
+      </p:ext>
+    </p:extLst>
   </p:cSld>
   <p:clrMapOvr>
     <a:masterClrMapping/>
@@ -528,7 +923,13 @@
       </p:grpSpPr>
       <p:sp>
         <p:nvSpPr>
-          <p:cNvPr id="2" name="Vertical Title 1"/>
+          <p:cNvPr id="2" name="Vertical Title 1">
+            <a:extLst>
+              <a:ext uri="{FF2B5EF4-FFF2-40B4-BE49-F238E27FC236}">
+                <a16:creationId xmlns:a16="http://schemas.microsoft.com/office/drawing/2014/main" id="{FA72D576-B33B-DA49-AA2D-6D7854FD857A}"/>
+              </a:ext>
+            </a:extLst>
+          </p:cNvPr>
           <p:cNvSpPr>
             <a:spLocks noGrp="1"/>
           </p:cNvSpPr>
@@ -538,8 +939,8 @@
         </p:nvSpPr>
         <p:spPr>
           <a:xfrm>
-            <a:off x="6629400" y="914401"/>
-            <a:ext cx="2057400" cy="5211763"/>
+            <a:off x="6543675" y="365125"/>
+            <a:ext cx="1971675" cy="5811838"/>
           </a:xfrm>
         </p:spPr>
         <p:txBody>
@@ -547,16 +948,21 @@
           <a:lstStyle/>
           <a:p>
             <a:r>
-              <a:rPr kumimoji="0" lang="en-US" smtClean="0"/>
+              <a:rPr lang="en-US"/>
               <a:t>Click to edit Master title style</a:t>
             </a:r>
-            <a:endParaRPr kumimoji="0" lang="en-US"/>
-          </a:p>
-        </p:txBody>
-      </p:sp>
-      <p:sp>
-        <p:nvSpPr>
-          <p:cNvPr id="3" name="Vertical Text Placeholder 2"/>
+          </a:p>
+        </p:txBody>
+      </p:sp>
+      <p:sp>
+        <p:nvSpPr>
+          <p:cNvPr id="3" name="Vertical Text Placeholder 2">
+            <a:extLst>
+              <a:ext uri="{FF2B5EF4-FFF2-40B4-BE49-F238E27FC236}">
+                <a16:creationId xmlns:a16="http://schemas.microsoft.com/office/drawing/2014/main" id="{5797122A-3C4C-8447-99AA-6F3AD94FB946}"/>
+              </a:ext>
+            </a:extLst>
+          </p:cNvPr>
           <p:cNvSpPr>
             <a:spLocks noGrp="1"/>
           </p:cNvSpPr>
@@ -566,54 +972,59 @@
         </p:nvSpPr>
         <p:spPr>
           <a:xfrm>
-            <a:off x="457200" y="914401"/>
-            <a:ext cx="6019800" cy="5211763"/>
+            <a:off x="628650" y="365125"/>
+            <a:ext cx="5800725" cy="5811838"/>
           </a:xfrm>
         </p:spPr>
         <p:txBody>
           <a:bodyPr vert="eaVert"/>
           <a:lstStyle/>
           <a:p>
-            <a:pPr lvl="0" eaLnBrk="1" latinLnBrk="0" hangingPunct="1"/>
-            <a:r>
-              <a:rPr lang="en-US" smtClean="0"/>
+            <a:pPr lvl="0"/>
+            <a:r>
+              <a:rPr lang="en-US"/>
               <a:t>Click to edit Master text styles</a:t>
             </a:r>
           </a:p>
           <a:p>
-            <a:pPr lvl="1" eaLnBrk="1" latinLnBrk="0" hangingPunct="1"/>
-            <a:r>
-              <a:rPr lang="en-US" smtClean="0"/>
+            <a:pPr lvl="1"/>
+            <a:r>
+              <a:rPr lang="en-US"/>
               <a:t>Second level</a:t>
             </a:r>
           </a:p>
           <a:p>
-            <a:pPr lvl="2" eaLnBrk="1" latinLnBrk="0" hangingPunct="1"/>
-            <a:r>
-              <a:rPr lang="en-US" smtClean="0"/>
+            <a:pPr lvl="2"/>
+            <a:r>
+              <a:rPr lang="en-US"/>
               <a:t>Third level</a:t>
             </a:r>
           </a:p>
           <a:p>
-            <a:pPr lvl="3" eaLnBrk="1" latinLnBrk="0" hangingPunct="1"/>
-            <a:r>
-              <a:rPr lang="en-US" smtClean="0"/>
+            <a:pPr lvl="3"/>
+            <a:r>
+              <a:rPr lang="en-US"/>
               <a:t>Fourth level</a:t>
             </a:r>
           </a:p>
           <a:p>
-            <a:pPr lvl="4" eaLnBrk="1" latinLnBrk="0" hangingPunct="1"/>
-            <a:r>
-              <a:rPr lang="en-US" smtClean="0"/>
+            <a:pPr lvl="4"/>
+            <a:r>
+              <a:rPr lang="en-US"/>
               <a:t>Fifth level</a:t>
             </a:r>
-            <a:endParaRPr kumimoji="0" lang="en-US"/>
-          </a:p>
-        </p:txBody>
-      </p:sp>
-      <p:sp>
-        <p:nvSpPr>
-          <p:cNvPr id="4" name="Date Placeholder 3"/>
+          </a:p>
+        </p:txBody>
+      </p:sp>
+      <p:sp>
+        <p:nvSpPr>
+          <p:cNvPr id="4" name="Date Placeholder 3">
+            <a:extLst>
+              <a:ext uri="{FF2B5EF4-FFF2-40B4-BE49-F238E27FC236}">
+                <a16:creationId xmlns:a16="http://schemas.microsoft.com/office/drawing/2014/main" id="{33B46668-EA81-BE41-B1D9-3D13A03A2CD1}"/>
+              </a:ext>
+            </a:extLst>
+          </p:cNvPr>
           <p:cNvSpPr>
             <a:spLocks noGrp="1"/>
           </p:cNvSpPr>
@@ -626,10 +1037,9 @@
           <a:bodyPr/>
           <a:lstStyle/>
           <a:p>
-            <a:fld id="{1D8BD707-D9CF-40AE-B4C6-C98DA3205C09}" type="datetimeFigureOut">
-              <a:rPr lang="en-US" smtClean="0"/>
-              <a:pPr/>
-              <a:t>10/12/2015</a:t>
+            <a:fld id="{6B9B7C36-94B4-CA4D-A384-162DE7378029}" type="datetime1">
+              <a:rPr lang="en-IN" smtClean="0"/>
+              <a:t>13/03/19</a:t>
             </a:fld>
             <a:endParaRPr lang="en-US"/>
           </a:p>
@@ -637,7 +1047,13 @@
       </p:sp>
       <p:sp>
         <p:nvSpPr>
-          <p:cNvPr id="5" name="Footer Placeholder 4"/>
+          <p:cNvPr id="5" name="Footer Placeholder 4">
+            <a:extLst>
+              <a:ext uri="{FF2B5EF4-FFF2-40B4-BE49-F238E27FC236}">
+                <a16:creationId xmlns:a16="http://schemas.microsoft.com/office/drawing/2014/main" id="{DB018D2B-DCDA-4A42-8AF9-76C335D64949}"/>
+              </a:ext>
+            </a:extLst>
+          </p:cNvPr>
           <p:cNvSpPr>
             <a:spLocks noGrp="1"/>
           </p:cNvSpPr>
@@ -656,7 +1072,13 @@
       </p:sp>
       <p:sp>
         <p:nvSpPr>
-          <p:cNvPr id="6" name="Slide Number Placeholder 5"/>
+          <p:cNvPr id="6" name="Slide Number Placeholder 5">
+            <a:extLst>
+              <a:ext uri="{FF2B5EF4-FFF2-40B4-BE49-F238E27FC236}">
+                <a16:creationId xmlns:a16="http://schemas.microsoft.com/office/drawing/2014/main" id="{EFFD71C8-D7A7-224E-AD9F-38A9209D1771}"/>
+              </a:ext>
+            </a:extLst>
+          </p:cNvPr>
           <p:cNvSpPr>
             <a:spLocks noGrp="1"/>
           </p:cNvSpPr>
@@ -679,6 +1101,11 @@
         </p:txBody>
       </p:sp>
     </p:spTree>
+    <p:extLst>
+      <p:ext uri="{BB962C8B-B14F-4D97-AF65-F5344CB8AC3E}">
+        <p14:creationId xmlns:p14="http://schemas.microsoft.com/office/powerpoint/2010/main" val="801360610"/>
+      </p:ext>
+    </p:extLst>
   </p:cSld>
   <p:clrMapOvr>
     <a:masterClrMapping/>
@@ -705,7 +1132,13 @@
       </p:grpSpPr>
       <p:sp>
         <p:nvSpPr>
-          <p:cNvPr id="2" name="Title 1"/>
+          <p:cNvPr id="2" name="Title 1">
+            <a:extLst>
+              <a:ext uri="{FF2B5EF4-FFF2-40B4-BE49-F238E27FC236}">
+                <a16:creationId xmlns:a16="http://schemas.microsoft.com/office/drawing/2014/main" id="{1E2DD2E5-2F26-B840-ABB9-345D005E309E}"/>
+              </a:ext>
+            </a:extLst>
+          </p:cNvPr>
           <p:cNvSpPr>
             <a:spLocks noGrp="1"/>
           </p:cNvSpPr>
@@ -719,16 +1152,21 @@
           <a:lstStyle/>
           <a:p>
             <a:r>
-              <a:rPr kumimoji="0" lang="en-US" smtClean="0"/>
+              <a:rPr lang="en-US"/>
               <a:t>Click to edit Master title style</a:t>
             </a:r>
-            <a:endParaRPr kumimoji="0" lang="en-US"/>
-          </a:p>
-        </p:txBody>
-      </p:sp>
-      <p:sp>
-        <p:nvSpPr>
-          <p:cNvPr id="3" name="Content Placeholder 2"/>
+          </a:p>
+        </p:txBody>
+      </p:sp>
+      <p:sp>
+        <p:nvSpPr>
+          <p:cNvPr id="3" name="Content Placeholder 2">
+            <a:extLst>
+              <a:ext uri="{FF2B5EF4-FFF2-40B4-BE49-F238E27FC236}">
+                <a16:creationId xmlns:a16="http://schemas.microsoft.com/office/drawing/2014/main" id="{7AC49D55-A955-CA4B-86AB-4AEC3E460512}"/>
+              </a:ext>
+            </a:extLst>
+          </p:cNvPr>
           <p:cNvSpPr>
             <a:spLocks noGrp="1"/>
           </p:cNvSpPr>
@@ -741,46 +1179,51 @@
           <a:bodyPr/>
           <a:lstStyle/>
           <a:p>
-            <a:pPr lvl="0" eaLnBrk="1" latinLnBrk="0" hangingPunct="1"/>
-            <a:r>
-              <a:rPr lang="en-US" smtClean="0"/>
+            <a:pPr lvl="0"/>
+            <a:r>
+              <a:rPr lang="en-US"/>
               <a:t>Click to edit Master text styles</a:t>
             </a:r>
           </a:p>
           <a:p>
-            <a:pPr lvl="1" eaLnBrk="1" latinLnBrk="0" hangingPunct="1"/>
-            <a:r>
-              <a:rPr lang="en-US" smtClean="0"/>
+            <a:pPr lvl="1"/>
+            <a:r>
+              <a:rPr lang="en-US"/>
               <a:t>Second level</a:t>
             </a:r>
           </a:p>
           <a:p>
-            <a:pPr lvl="2" eaLnBrk="1" latinLnBrk="0" hangingPunct="1"/>
-            <a:r>
-              <a:rPr lang="en-US" smtClean="0"/>
+            <a:pPr lvl="2"/>
+            <a:r>
+              <a:rPr lang="en-US"/>
               <a:t>Third level</a:t>
             </a:r>
           </a:p>
           <a:p>
-            <a:pPr lvl="3" eaLnBrk="1" latinLnBrk="0" hangingPunct="1"/>
-            <a:r>
-              <a:rPr lang="en-US" smtClean="0"/>
+            <a:pPr lvl="3"/>
+            <a:r>
+              <a:rPr lang="en-US"/>
               <a:t>Fourth level</a:t>
             </a:r>
           </a:p>
           <a:p>
-            <a:pPr lvl="4" eaLnBrk="1" latinLnBrk="0" hangingPunct="1"/>
-            <a:r>
-              <a:rPr lang="en-US" smtClean="0"/>
+            <a:pPr lvl="4"/>
+            <a:r>
+              <a:rPr lang="en-US"/>
               <a:t>Fifth level</a:t>
             </a:r>
-            <a:endParaRPr kumimoji="0" lang="en-US"/>
-          </a:p>
-        </p:txBody>
-      </p:sp>
-      <p:sp>
-        <p:nvSpPr>
-          <p:cNvPr id="4" name="Date Placeholder 3"/>
+          </a:p>
+        </p:txBody>
+      </p:sp>
+      <p:sp>
+        <p:nvSpPr>
+          <p:cNvPr id="4" name="Date Placeholder 3">
+            <a:extLst>
+              <a:ext uri="{FF2B5EF4-FFF2-40B4-BE49-F238E27FC236}">
+                <a16:creationId xmlns:a16="http://schemas.microsoft.com/office/drawing/2014/main" id="{44FF028F-8666-C84F-9CDC-41995F296486}"/>
+              </a:ext>
+            </a:extLst>
+          </p:cNvPr>
           <p:cNvSpPr>
             <a:spLocks noGrp="1"/>
           </p:cNvSpPr>
@@ -793,10 +1236,9 @@
           <a:bodyPr/>
           <a:lstStyle/>
           <a:p>
-            <a:fld id="{1D8BD707-D9CF-40AE-B4C6-C98DA3205C09}" type="datetimeFigureOut">
-              <a:rPr lang="en-US" smtClean="0"/>
-              <a:pPr/>
-              <a:t>10/12/2015</a:t>
+            <a:fld id="{8327A2CE-021F-914C-B706-B49030B8F8E8}" type="datetime1">
+              <a:rPr lang="en-IN" smtClean="0"/>
+              <a:t>13/03/19</a:t>
             </a:fld>
             <a:endParaRPr lang="en-US"/>
           </a:p>
@@ -804,7 +1246,13 @@
       </p:sp>
       <p:sp>
         <p:nvSpPr>
-          <p:cNvPr id="5" name="Footer Placeholder 4"/>
+          <p:cNvPr id="5" name="Footer Placeholder 4">
+            <a:extLst>
+              <a:ext uri="{FF2B5EF4-FFF2-40B4-BE49-F238E27FC236}">
+                <a16:creationId xmlns:a16="http://schemas.microsoft.com/office/drawing/2014/main" id="{DAC4F541-D47C-F24A-A871-226071305C9E}"/>
+              </a:ext>
+            </a:extLst>
+          </p:cNvPr>
           <p:cNvSpPr>
             <a:spLocks noGrp="1"/>
           </p:cNvSpPr>
@@ -823,7 +1271,13 @@
       </p:sp>
       <p:sp>
         <p:nvSpPr>
-          <p:cNvPr id="6" name="Slide Number Placeholder 5"/>
+          <p:cNvPr id="6" name="Slide Number Placeholder 5">
+            <a:extLst>
+              <a:ext uri="{FF2B5EF4-FFF2-40B4-BE49-F238E27FC236}">
+                <a16:creationId xmlns:a16="http://schemas.microsoft.com/office/drawing/2014/main" id="{601CA36E-4937-D741-8EED-1637EED4AA99}"/>
+              </a:ext>
+            </a:extLst>
+          </p:cNvPr>
           <p:cNvSpPr>
             <a:spLocks noGrp="1"/>
           </p:cNvSpPr>
@@ -846,6 +1300,11 @@
         </p:txBody>
       </p:sp>
     </p:spTree>
+    <p:extLst>
+      <p:ext uri="{BB962C8B-B14F-4D97-AF65-F5344CB8AC3E}">
+        <p14:creationId xmlns:p14="http://schemas.microsoft.com/office/powerpoint/2010/main" val="1468327892"/>
+      </p:ext>
+    </p:extLst>
   </p:cSld>
   <p:clrMapOvr>
     <a:masterClrMapping/>
@@ -872,7 +1331,13 @@
       </p:grpSpPr>
       <p:sp>
         <p:nvSpPr>
-          <p:cNvPr id="2" name="Title 1"/>
+          <p:cNvPr id="2" name="Title 1">
+            <a:extLst>
+              <a:ext uri="{FF2B5EF4-FFF2-40B4-BE49-F238E27FC236}">
+                <a16:creationId xmlns:a16="http://schemas.microsoft.com/office/drawing/2014/main" id="{DFA8CFFC-4C4D-1E49-A492-212462ADFFC6}"/>
+              </a:ext>
+            </a:extLst>
+          </p:cNvPr>
           <p:cNvSpPr>
             <a:spLocks noGrp="1"/>
           </p:cNvSpPr>
@@ -882,67 +1347,34 @@
         </p:nvSpPr>
         <p:spPr>
           <a:xfrm>
-            <a:off x="530352" y="1316736"/>
-            <a:ext cx="7772400" cy="1362456"/>
+            <a:off x="623888" y="1709739"/>
+            <a:ext cx="7886700" cy="2852737"/>
           </a:xfrm>
-          <a:ln>
-            <a:noFill/>
-          </a:ln>
         </p:spPr>
         <p:txBody>
-          <a:bodyPr vert="horz" tIns="0" bIns="0" anchor="b">
-            <a:noAutofit/>
-            <a:scene3d>
-              <a:camera prst="orthographicFront"/>
-              <a:lightRig rig="freezing" dir="t">
-                <a:rot lat="0" lon="0" rev="5640000"/>
-              </a:lightRig>
-            </a:scene3d>
-            <a:sp3d prstMaterial="flat">
-              <a:bevelT w="38100" h="38100"/>
-            </a:sp3d>
-          </a:bodyPr>
+          <a:bodyPr anchor="b"/>
           <a:lstStyle>
-            <a:lvl1pPr algn="l" rtl="0">
-              <a:spcBef>
-                <a:spcPct val="0"/>
-              </a:spcBef>
-              <a:buNone/>
-              <a:defRPr lang="en-US" sz="5600" b="1" cap="none" baseline="0" dirty="0">
-                <a:ln w="635">
-                  <a:noFill/>
-                </a:ln>
-                <a:solidFill>
-                  <a:schemeClr val="accent4">
-                    <a:tint val="90000"/>
-                    <a:satMod val="125000"/>
-                  </a:schemeClr>
-                </a:solidFill>
-                <a:effectLst>
-                  <a:outerShdw blurRad="38100" dist="25400" dir="5400000" algn="tl" rotWithShape="0">
-                    <a:srgbClr val="000000">
-                      <a:alpha val="43000"/>
-                    </a:srgbClr>
-                  </a:outerShdw>
-                </a:effectLst>
-                <a:latin typeface="+mj-lt"/>
-                <a:ea typeface="+mj-ea"/>
-                <a:cs typeface="+mj-cs"/>
-              </a:defRPr>
+            <a:lvl1pPr>
+              <a:defRPr sz="4500"/>
             </a:lvl1pPr>
           </a:lstStyle>
           <a:p>
             <a:r>
-              <a:rPr kumimoji="0" lang="en-US" smtClean="0"/>
+              <a:rPr lang="en-US"/>
               <a:t>Click to edit Master title style</a:t>
             </a:r>
-            <a:endParaRPr kumimoji="0" lang="en-US"/>
-          </a:p>
-        </p:txBody>
-      </p:sp>
-      <p:sp>
-        <p:nvSpPr>
-          <p:cNvPr id="3" name="Text Placeholder 2"/>
+          </a:p>
+        </p:txBody>
+      </p:sp>
+      <p:sp>
+        <p:nvSpPr>
+          <p:cNvPr id="3" name="Text Placeholder 2">
+            <a:extLst>
+              <a:ext uri="{FF2B5EF4-FFF2-40B4-BE49-F238E27FC236}">
+                <a16:creationId xmlns:a16="http://schemas.microsoft.com/office/drawing/2014/main" id="{2A0F1965-1C4D-D845-9CBE-E44A8CCB3924}"/>
+              </a:ext>
+            </a:extLst>
+          </p:cNvPr>
           <p:cNvSpPr>
             <a:spLocks noGrp="1"/>
           </p:cNvSpPr>
@@ -952,22 +1384,14 @@
         </p:nvSpPr>
         <p:spPr>
           <a:xfrm>
-            <a:off x="530352" y="2704664"/>
-            <a:ext cx="7772400" cy="1509712"/>
+            <a:off x="623888" y="4589464"/>
+            <a:ext cx="7886700" cy="1500187"/>
           </a:xfrm>
         </p:spPr>
         <p:txBody>
-          <a:bodyPr lIns="45720" rIns="45720" anchor="t"/>
+          <a:bodyPr/>
           <a:lstStyle>
             <a:lvl1pPr marL="0" indent="0">
-              <a:buNone/>
-              <a:defRPr sz="2200">
-                <a:solidFill>
-                  <a:schemeClr val="tx1"/>
-                </a:solidFill>
-              </a:defRPr>
-            </a:lvl1pPr>
-            <a:lvl2pPr>
               <a:buNone/>
               <a:defRPr sz="1800">
                 <a:solidFill>
@@ -976,10 +1400,20 @@
                   </a:schemeClr>
                 </a:solidFill>
               </a:defRPr>
+            </a:lvl1pPr>
+            <a:lvl2pPr marL="342900" indent="0">
+              <a:buNone/>
+              <a:defRPr sz="1500">
+                <a:solidFill>
+                  <a:schemeClr val="tx1">
+                    <a:tint val="75000"/>
+                  </a:schemeClr>
+                </a:solidFill>
+              </a:defRPr>
             </a:lvl2pPr>
-            <a:lvl3pPr>
-              <a:buNone/>
-              <a:defRPr sz="1600">
+            <a:lvl3pPr marL="685800" indent="0">
+              <a:buNone/>
+              <a:defRPr sz="1350">
                 <a:solidFill>
                   <a:schemeClr val="tx1">
                     <a:tint val="75000"/>
@@ -987,9 +1421,9 @@
                 </a:solidFill>
               </a:defRPr>
             </a:lvl3pPr>
-            <a:lvl4pPr>
-              <a:buNone/>
-              <a:defRPr sz="1400">
+            <a:lvl4pPr marL="1028700" indent="0">
+              <a:buNone/>
+              <a:defRPr sz="1200">
                 <a:solidFill>
                   <a:schemeClr val="tx1">
                     <a:tint val="75000"/>
@@ -997,9 +1431,9 @@
                 </a:solidFill>
               </a:defRPr>
             </a:lvl4pPr>
-            <a:lvl5pPr>
-              <a:buNone/>
-              <a:defRPr sz="1400">
+            <a:lvl5pPr marL="1371600" indent="0">
+              <a:buNone/>
+              <a:defRPr sz="1200">
                 <a:solidFill>
                   <a:schemeClr val="tx1">
                     <a:tint val="75000"/>
@@ -1007,11 +1441,51 @@
                 </a:solidFill>
               </a:defRPr>
             </a:lvl5pPr>
+            <a:lvl6pPr marL="1714500" indent="0">
+              <a:buNone/>
+              <a:defRPr sz="1200">
+                <a:solidFill>
+                  <a:schemeClr val="tx1">
+                    <a:tint val="75000"/>
+                  </a:schemeClr>
+                </a:solidFill>
+              </a:defRPr>
+            </a:lvl6pPr>
+            <a:lvl7pPr marL="2057400" indent="0">
+              <a:buNone/>
+              <a:defRPr sz="1200">
+                <a:solidFill>
+                  <a:schemeClr val="tx1">
+                    <a:tint val="75000"/>
+                  </a:schemeClr>
+                </a:solidFill>
+              </a:defRPr>
+            </a:lvl7pPr>
+            <a:lvl8pPr marL="2400300" indent="0">
+              <a:buNone/>
+              <a:defRPr sz="1200">
+                <a:solidFill>
+                  <a:schemeClr val="tx1">
+                    <a:tint val="75000"/>
+                  </a:schemeClr>
+                </a:solidFill>
+              </a:defRPr>
+            </a:lvl8pPr>
+            <a:lvl9pPr marL="2743200" indent="0">
+              <a:buNone/>
+              <a:defRPr sz="1200">
+                <a:solidFill>
+                  <a:schemeClr val="tx1">
+                    <a:tint val="75000"/>
+                  </a:schemeClr>
+                </a:solidFill>
+              </a:defRPr>
+            </a:lvl9pPr>
           </a:lstStyle>
           <a:p>
-            <a:pPr lvl="0" eaLnBrk="1" latinLnBrk="0" hangingPunct="1"/>
-            <a:r>
-              <a:rPr kumimoji="0" lang="en-US" smtClean="0"/>
+            <a:pPr lvl="0"/>
+            <a:r>
+              <a:rPr lang="en-US"/>
               <a:t>Click to edit Master text styles</a:t>
             </a:r>
           </a:p>
@@ -1019,7 +1493,13 @@
       </p:sp>
       <p:sp>
         <p:nvSpPr>
-          <p:cNvPr id="4" name="Date Placeholder 3"/>
+          <p:cNvPr id="4" name="Date Placeholder 3">
+            <a:extLst>
+              <a:ext uri="{FF2B5EF4-FFF2-40B4-BE49-F238E27FC236}">
+                <a16:creationId xmlns:a16="http://schemas.microsoft.com/office/drawing/2014/main" id="{FFB21FD5-F2F5-BE40-8835-F97C548BAFFF}"/>
+              </a:ext>
+            </a:extLst>
+          </p:cNvPr>
           <p:cNvSpPr>
             <a:spLocks noGrp="1"/>
           </p:cNvSpPr>
@@ -1032,10 +1512,9 @@
           <a:bodyPr/>
           <a:lstStyle/>
           <a:p>
-            <a:fld id="{1D8BD707-D9CF-40AE-B4C6-C98DA3205C09}" type="datetimeFigureOut">
-              <a:rPr lang="en-US" smtClean="0"/>
-              <a:pPr/>
-              <a:t>10/12/2015</a:t>
+            <a:fld id="{26ECCBD2-90A9-D744-9DF0-4E8F05B54A83}" type="datetime1">
+              <a:rPr lang="en-IN" smtClean="0"/>
+              <a:t>13/03/19</a:t>
             </a:fld>
             <a:endParaRPr lang="en-US"/>
           </a:p>
@@ -1043,7 +1522,13 @@
       </p:sp>
       <p:sp>
         <p:nvSpPr>
-          <p:cNvPr id="5" name="Footer Placeholder 4"/>
+          <p:cNvPr id="5" name="Footer Placeholder 4">
+            <a:extLst>
+              <a:ext uri="{FF2B5EF4-FFF2-40B4-BE49-F238E27FC236}">
+                <a16:creationId xmlns:a16="http://schemas.microsoft.com/office/drawing/2014/main" id="{5F1EC044-41CD-564A-B7E9-127879324E1D}"/>
+              </a:ext>
+            </a:extLst>
+          </p:cNvPr>
           <p:cNvSpPr>
             <a:spLocks noGrp="1"/>
           </p:cNvSpPr>
@@ -1062,7 +1547,13 @@
       </p:sp>
       <p:sp>
         <p:nvSpPr>
-          <p:cNvPr id="6" name="Slide Number Placeholder 5"/>
+          <p:cNvPr id="6" name="Slide Number Placeholder 5">
+            <a:extLst>
+              <a:ext uri="{FF2B5EF4-FFF2-40B4-BE49-F238E27FC236}">
+                <a16:creationId xmlns:a16="http://schemas.microsoft.com/office/drawing/2014/main" id="{4A37F0CB-1C41-0243-92BB-6135E938A287}"/>
+              </a:ext>
+            </a:extLst>
+          </p:cNvPr>
           <p:cNvSpPr>
             <a:spLocks noGrp="1"/>
           </p:cNvSpPr>
@@ -1085,6 +1576,11 @@
         </p:txBody>
       </p:sp>
     </p:spTree>
+    <p:extLst>
+      <p:ext uri="{BB962C8B-B14F-4D97-AF65-F5344CB8AC3E}">
+        <p14:creationId xmlns:p14="http://schemas.microsoft.com/office/powerpoint/2010/main" val="99532377"/>
+      </p:ext>
+    </p:extLst>
   </p:cSld>
   <p:clrMapOvr>
     <a:masterClrMapping/>
@@ -1111,197 +1607,180 @@
       </p:grpSpPr>
       <p:sp>
         <p:nvSpPr>
-          <p:cNvPr id="2" name="Title 1"/>
+          <p:cNvPr id="2" name="Title 1">
+            <a:extLst>
+              <a:ext uri="{FF2B5EF4-FFF2-40B4-BE49-F238E27FC236}">
+                <a16:creationId xmlns:a16="http://schemas.microsoft.com/office/drawing/2014/main" id="{707EF767-9EF5-AF41-8D7F-CE158127260D}"/>
+              </a:ext>
+            </a:extLst>
+          </p:cNvPr>
           <p:cNvSpPr>
             <a:spLocks noGrp="1"/>
           </p:cNvSpPr>
           <p:nvPr>
             <p:ph type="title"/>
+          </p:nvPr>
+        </p:nvSpPr>
+        <p:spPr/>
+        <p:txBody>
+          <a:bodyPr/>
+          <a:lstStyle/>
+          <a:p>
+            <a:r>
+              <a:rPr lang="en-US"/>
+              <a:t>Click to edit Master title style</a:t>
+            </a:r>
+          </a:p>
+        </p:txBody>
+      </p:sp>
+      <p:sp>
+        <p:nvSpPr>
+          <p:cNvPr id="3" name="Content Placeholder 2">
+            <a:extLst>
+              <a:ext uri="{FF2B5EF4-FFF2-40B4-BE49-F238E27FC236}">
+                <a16:creationId xmlns:a16="http://schemas.microsoft.com/office/drawing/2014/main" id="{DC72BD1F-6714-EF4A-AFCE-6A9826E871FA}"/>
+              </a:ext>
+            </a:extLst>
+          </p:cNvPr>
+          <p:cNvSpPr>
+            <a:spLocks noGrp="1"/>
+          </p:cNvSpPr>
+          <p:nvPr>
+            <p:ph sz="half" idx="1"/>
           </p:nvPr>
         </p:nvSpPr>
         <p:spPr>
           <a:xfrm>
-            <a:off x="457200" y="704088"/>
-            <a:ext cx="8229600" cy="1143000"/>
+            <a:off x="628650" y="1825625"/>
+            <a:ext cx="3886200" cy="4351338"/>
           </a:xfrm>
         </p:spPr>
         <p:txBody>
           <a:bodyPr/>
           <a:lstStyle/>
           <a:p>
-            <a:r>
-              <a:rPr kumimoji="0" lang="en-US" smtClean="0"/>
-              <a:t>Click to edit Master title style</a:t>
-            </a:r>
-            <a:endParaRPr kumimoji="0" lang="en-US"/>
-          </a:p>
-        </p:txBody>
-      </p:sp>
-      <p:sp>
-        <p:nvSpPr>
-          <p:cNvPr id="3" name="Content Placeholder 2"/>
-          <p:cNvSpPr>
-            <a:spLocks noGrp="1"/>
-          </p:cNvSpPr>
-          <p:nvPr>
-            <p:ph sz="half" idx="1"/>
+            <a:pPr lvl="0"/>
+            <a:r>
+              <a:rPr lang="en-US"/>
+              <a:t>Click to edit Master text styles</a:t>
+            </a:r>
+          </a:p>
+          <a:p>
+            <a:pPr lvl="1"/>
+            <a:r>
+              <a:rPr lang="en-US"/>
+              <a:t>Second level</a:t>
+            </a:r>
+          </a:p>
+          <a:p>
+            <a:pPr lvl="2"/>
+            <a:r>
+              <a:rPr lang="en-US"/>
+              <a:t>Third level</a:t>
+            </a:r>
+          </a:p>
+          <a:p>
+            <a:pPr lvl="3"/>
+            <a:r>
+              <a:rPr lang="en-US"/>
+              <a:t>Fourth level</a:t>
+            </a:r>
+          </a:p>
+          <a:p>
+            <a:pPr lvl="4"/>
+            <a:r>
+              <a:rPr lang="en-US"/>
+              <a:t>Fifth level</a:t>
+            </a:r>
+          </a:p>
+        </p:txBody>
+      </p:sp>
+      <p:sp>
+        <p:nvSpPr>
+          <p:cNvPr id="4" name="Content Placeholder 3">
+            <a:extLst>
+              <a:ext uri="{FF2B5EF4-FFF2-40B4-BE49-F238E27FC236}">
+                <a16:creationId xmlns:a16="http://schemas.microsoft.com/office/drawing/2014/main" id="{79BBE96D-A837-974B-896F-99F78FD05BD9}"/>
+              </a:ext>
+            </a:extLst>
+          </p:cNvPr>
+          <p:cNvSpPr>
+            <a:spLocks noGrp="1"/>
+          </p:cNvSpPr>
+          <p:nvPr>
+            <p:ph sz="half" idx="2"/>
           </p:nvPr>
         </p:nvSpPr>
         <p:spPr>
           <a:xfrm>
-            <a:off x="457200" y="1920085"/>
-            <a:ext cx="4038600" cy="4434840"/>
+            <a:off x="4629150" y="1825625"/>
+            <a:ext cx="3886200" cy="4351338"/>
           </a:xfrm>
         </p:spPr>
         <p:txBody>
           <a:bodyPr/>
-          <a:lstStyle>
-            <a:lvl1pPr>
-              <a:defRPr sz="2600"/>
-            </a:lvl1pPr>
-            <a:lvl2pPr>
-              <a:defRPr sz="2400"/>
-            </a:lvl2pPr>
-            <a:lvl3pPr>
-              <a:defRPr sz="2000"/>
-            </a:lvl3pPr>
-            <a:lvl4pPr>
-              <a:defRPr sz="1800"/>
-            </a:lvl4pPr>
-            <a:lvl5pPr>
-              <a:defRPr sz="1800"/>
-            </a:lvl5pPr>
-          </a:lstStyle>
-          <a:p>
-            <a:pPr lvl="0" eaLnBrk="1" latinLnBrk="0" hangingPunct="1"/>
-            <a:r>
-              <a:rPr lang="en-US" smtClean="0"/>
+          <a:lstStyle/>
+          <a:p>
+            <a:pPr lvl="0"/>
+            <a:r>
+              <a:rPr lang="en-US"/>
               <a:t>Click to edit Master text styles</a:t>
             </a:r>
           </a:p>
           <a:p>
-            <a:pPr lvl="1" eaLnBrk="1" latinLnBrk="0" hangingPunct="1"/>
-            <a:r>
-              <a:rPr lang="en-US" smtClean="0"/>
+            <a:pPr lvl="1"/>
+            <a:r>
+              <a:rPr lang="en-US"/>
               <a:t>Second level</a:t>
             </a:r>
           </a:p>
           <a:p>
-            <a:pPr lvl="2" eaLnBrk="1" latinLnBrk="0" hangingPunct="1"/>
-            <a:r>
-              <a:rPr lang="en-US" smtClean="0"/>
+            <a:pPr lvl="2"/>
+            <a:r>
+              <a:rPr lang="en-US"/>
               <a:t>Third level</a:t>
             </a:r>
           </a:p>
           <a:p>
-            <a:pPr lvl="3" eaLnBrk="1" latinLnBrk="0" hangingPunct="1"/>
-            <a:r>
-              <a:rPr lang="en-US" smtClean="0"/>
+            <a:pPr lvl="3"/>
+            <a:r>
+              <a:rPr lang="en-US"/>
               <a:t>Fourth level</a:t>
             </a:r>
           </a:p>
           <a:p>
-            <a:pPr lvl="4" eaLnBrk="1" latinLnBrk="0" hangingPunct="1"/>
-            <a:r>
-              <a:rPr lang="en-US" smtClean="0"/>
+            <a:pPr lvl="4"/>
+            <a:r>
+              <a:rPr lang="en-US"/>
               <a:t>Fifth level</a:t>
             </a:r>
-            <a:endParaRPr kumimoji="0" lang="en-US"/>
-          </a:p>
-        </p:txBody>
-      </p:sp>
-      <p:sp>
-        <p:nvSpPr>
-          <p:cNvPr id="4" name="Content Placeholder 3"/>
-          <p:cNvSpPr>
-            <a:spLocks noGrp="1"/>
-          </p:cNvSpPr>
-          <p:nvPr>
-            <p:ph sz="half" idx="2"/>
-          </p:nvPr>
-        </p:nvSpPr>
-        <p:spPr>
-          <a:xfrm>
-            <a:off x="4648200" y="1920085"/>
-            <a:ext cx="4038600" cy="4434840"/>
-          </a:xfrm>
-        </p:spPr>
+          </a:p>
+        </p:txBody>
+      </p:sp>
+      <p:sp>
+        <p:nvSpPr>
+          <p:cNvPr id="5" name="Date Placeholder 4">
+            <a:extLst>
+              <a:ext uri="{FF2B5EF4-FFF2-40B4-BE49-F238E27FC236}">
+                <a16:creationId xmlns:a16="http://schemas.microsoft.com/office/drawing/2014/main" id="{F470E1A2-8C26-2C47-90D7-C375FFA3A7BF}"/>
+              </a:ext>
+            </a:extLst>
+          </p:cNvPr>
+          <p:cNvSpPr>
+            <a:spLocks noGrp="1"/>
+          </p:cNvSpPr>
+          <p:nvPr>
+            <p:ph type="dt" sz="half" idx="10"/>
+          </p:nvPr>
+        </p:nvSpPr>
+        <p:spPr/>
         <p:txBody>
           <a:bodyPr/>
-          <a:lstStyle>
-            <a:lvl1pPr>
-              <a:defRPr sz="2600"/>
-            </a:lvl1pPr>
-            <a:lvl2pPr>
-              <a:defRPr sz="2400"/>
-            </a:lvl2pPr>
-            <a:lvl3pPr>
-              <a:defRPr sz="2000"/>
-            </a:lvl3pPr>
-            <a:lvl4pPr>
-              <a:defRPr sz="1800"/>
-            </a:lvl4pPr>
-            <a:lvl5pPr>
-              <a:defRPr sz="1800"/>
-            </a:lvl5pPr>
-          </a:lstStyle>
-          <a:p>
-            <a:pPr lvl="0" eaLnBrk="1" latinLnBrk="0" hangingPunct="1"/>
-            <a:r>
-              <a:rPr lang="en-US" smtClean="0"/>
-              <a:t>Click to edit Master text styles</a:t>
-            </a:r>
-          </a:p>
-          <a:p>
-            <a:pPr lvl="1" eaLnBrk="1" latinLnBrk="0" hangingPunct="1"/>
-            <a:r>
-              <a:rPr lang="en-US" smtClean="0"/>
-              <a:t>Second level</a:t>
-            </a:r>
-          </a:p>
-          <a:p>
-            <a:pPr lvl="2" eaLnBrk="1" latinLnBrk="0" hangingPunct="1"/>
-            <a:r>
-              <a:rPr lang="en-US" smtClean="0"/>
-              <a:t>Third level</a:t>
-            </a:r>
-          </a:p>
-          <a:p>
-            <a:pPr lvl="3" eaLnBrk="1" latinLnBrk="0" hangingPunct="1"/>
-            <a:r>
-              <a:rPr lang="en-US" smtClean="0"/>
-              <a:t>Fourth level</a:t>
-            </a:r>
-          </a:p>
-          <a:p>
-            <a:pPr lvl="4" eaLnBrk="1" latinLnBrk="0" hangingPunct="1"/>
-            <a:r>
-              <a:rPr lang="en-US" smtClean="0"/>
-              <a:t>Fifth level</a:t>
-            </a:r>
-            <a:endParaRPr kumimoji="0" lang="en-US"/>
-          </a:p>
-        </p:txBody>
-      </p:sp>
-      <p:sp>
-        <p:nvSpPr>
-          <p:cNvPr id="5" name="Date Placeholder 4"/>
-          <p:cNvSpPr>
-            <a:spLocks noGrp="1"/>
-          </p:cNvSpPr>
-          <p:nvPr>
-            <p:ph type="dt" sz="half" idx="10"/>
-          </p:nvPr>
-        </p:nvSpPr>
-        <p:spPr/>
-        <p:txBody>
-          <a:bodyPr/>
-          <a:lstStyle/>
-          <a:p>
-            <a:fld id="{1D8BD707-D9CF-40AE-B4C6-C98DA3205C09}" type="datetimeFigureOut">
-              <a:rPr lang="en-US" smtClean="0"/>
-              <a:pPr/>
-              <a:t>10/12/2015</a:t>
+          <a:lstStyle/>
+          <a:p>
+            <a:fld id="{EEC27A1F-5AB6-6A4C-AA5A-E86D1F63090F}" type="datetime1">
+              <a:rPr lang="en-IN" smtClean="0"/>
+              <a:t>13/03/19</a:t>
             </a:fld>
             <a:endParaRPr lang="en-US"/>
           </a:p>
@@ -1309,7 +1788,13 @@
       </p:sp>
       <p:sp>
         <p:nvSpPr>
-          <p:cNvPr id="6" name="Footer Placeholder 5"/>
+          <p:cNvPr id="6" name="Footer Placeholder 5">
+            <a:extLst>
+              <a:ext uri="{FF2B5EF4-FFF2-40B4-BE49-F238E27FC236}">
+                <a16:creationId xmlns:a16="http://schemas.microsoft.com/office/drawing/2014/main" id="{2F41CEC9-06E5-8A47-B5D7-306F103F0C24}"/>
+              </a:ext>
+            </a:extLst>
+          </p:cNvPr>
           <p:cNvSpPr>
             <a:spLocks noGrp="1"/>
           </p:cNvSpPr>
@@ -1328,7 +1813,13 @@
       </p:sp>
       <p:sp>
         <p:nvSpPr>
-          <p:cNvPr id="7" name="Slide Number Placeholder 6"/>
+          <p:cNvPr id="7" name="Slide Number Placeholder 6">
+            <a:extLst>
+              <a:ext uri="{FF2B5EF4-FFF2-40B4-BE49-F238E27FC236}">
+                <a16:creationId xmlns:a16="http://schemas.microsoft.com/office/drawing/2014/main" id="{8027B566-5E17-BB4D-991A-29AC7DA33FAC}"/>
+              </a:ext>
+            </a:extLst>
+          </p:cNvPr>
           <p:cNvSpPr>
             <a:spLocks noGrp="1"/>
           </p:cNvSpPr>
@@ -1351,6 +1842,11 @@
         </p:txBody>
       </p:sp>
     </p:spTree>
+    <p:extLst>
+      <p:ext uri="{BB962C8B-B14F-4D97-AF65-F5344CB8AC3E}">
+        <p14:creationId xmlns:p14="http://schemas.microsoft.com/office/powerpoint/2010/main" val="2696258403"/>
+      </p:ext>
+    </p:extLst>
   </p:cSld>
   <p:clrMapOvr>
     <a:masterClrMapping/>
@@ -1377,7 +1873,13 @@
       </p:grpSpPr>
       <p:sp>
         <p:nvSpPr>
-          <p:cNvPr id="2" name="Title 1"/>
+          <p:cNvPr id="2" name="Title 1">
+            <a:extLst>
+              <a:ext uri="{FF2B5EF4-FFF2-40B4-BE49-F238E27FC236}">
+                <a16:creationId xmlns:a16="http://schemas.microsoft.com/office/drawing/2014/main" id="{B84B5844-C2BA-E943-93AE-7F172C0A4C72}"/>
+              </a:ext>
+            </a:extLst>
+          </p:cNvPr>
           <p:cNvSpPr>
             <a:spLocks noGrp="1"/>
           </p:cNvSpPr>
@@ -1387,29 +1889,30 @@
         </p:nvSpPr>
         <p:spPr>
           <a:xfrm>
-            <a:off x="457200" y="704088"/>
-            <a:ext cx="8229600" cy="1143000"/>
+            <a:off x="629841" y="365126"/>
+            <a:ext cx="7886700" cy="1325563"/>
           </a:xfrm>
         </p:spPr>
         <p:txBody>
-          <a:bodyPr tIns="45720" anchor="b"/>
-          <a:lstStyle>
-            <a:lvl1pPr>
-              <a:defRPr/>
-            </a:lvl1pPr>
-          </a:lstStyle>
-          <a:p>
-            <a:r>
-              <a:rPr kumimoji="0" lang="en-US" smtClean="0"/>
+          <a:bodyPr/>
+          <a:lstStyle/>
+          <a:p>
+            <a:r>
+              <a:rPr lang="en-US"/>
               <a:t>Click to edit Master title style</a:t>
             </a:r>
-            <a:endParaRPr kumimoji="0" lang="en-US"/>
-          </a:p>
-        </p:txBody>
-      </p:sp>
-      <p:sp>
-        <p:nvSpPr>
-          <p:cNvPr id="3" name="Text Placeholder 2"/>
+          </a:p>
+        </p:txBody>
+      </p:sp>
+      <p:sp>
+        <p:nvSpPr>
+          <p:cNvPr id="3" name="Text Placeholder 2">
+            <a:extLst>
+              <a:ext uri="{FF2B5EF4-FFF2-40B4-BE49-F238E27FC236}">
+                <a16:creationId xmlns:a16="http://schemas.microsoft.com/office/drawing/2014/main" id="{EA951132-8348-224B-B151-D7FAAF36EE08}"/>
+              </a:ext>
+            </a:extLst>
+          </p:cNvPr>
           <p:cNvSpPr>
             <a:spLocks noGrp="1"/>
           </p:cNvSpPr>
@@ -1419,45 +1922,54 @@
         </p:nvSpPr>
         <p:spPr>
           <a:xfrm>
-            <a:off x="457200" y="1855248"/>
-            <a:ext cx="4040188" cy="659352"/>
+            <a:off x="629842" y="1681163"/>
+            <a:ext cx="3868340" cy="823912"/>
           </a:xfrm>
         </p:spPr>
         <p:txBody>
-          <a:bodyPr lIns="45720" tIns="0" rIns="45720" bIns="0" anchor="ctr">
-            <a:noAutofit/>
-          </a:bodyPr>
+          <a:bodyPr anchor="b"/>
           <a:lstStyle>
             <a:lvl1pPr marL="0" indent="0">
               <a:buNone/>
-              <a:defRPr sz="2400" b="1" cap="none" baseline="0">
-                <a:solidFill>
-                  <a:schemeClr val="tx2"/>
-                </a:solidFill>
-                <a:effectLst/>
-              </a:defRPr>
+              <a:defRPr sz="1800" b="1"/>
             </a:lvl1pPr>
-            <a:lvl2pPr>
-              <a:buNone/>
-              <a:defRPr sz="2000" b="1"/>
+            <a:lvl2pPr marL="342900" indent="0">
+              <a:buNone/>
+              <a:defRPr sz="1500" b="1"/>
             </a:lvl2pPr>
-            <a:lvl3pPr>
-              <a:buNone/>
-              <a:defRPr sz="1800" b="1"/>
+            <a:lvl3pPr marL="685800" indent="0">
+              <a:buNone/>
+              <a:defRPr sz="1350" b="1"/>
             </a:lvl3pPr>
-            <a:lvl4pPr>
-              <a:buNone/>
-              <a:defRPr sz="1600" b="1"/>
+            <a:lvl4pPr marL="1028700" indent="0">
+              <a:buNone/>
+              <a:defRPr sz="1200" b="1"/>
             </a:lvl4pPr>
-            <a:lvl5pPr>
-              <a:buNone/>
-              <a:defRPr sz="1600" b="1"/>
+            <a:lvl5pPr marL="1371600" indent="0">
+              <a:buNone/>
+              <a:defRPr sz="1200" b="1"/>
             </a:lvl5pPr>
+            <a:lvl6pPr marL="1714500" indent="0">
+              <a:buNone/>
+              <a:defRPr sz="1200" b="1"/>
+            </a:lvl6pPr>
+            <a:lvl7pPr marL="2057400" indent="0">
+              <a:buNone/>
+              <a:defRPr sz="1200" b="1"/>
+            </a:lvl7pPr>
+            <a:lvl8pPr marL="2400300" indent="0">
+              <a:buNone/>
+              <a:defRPr sz="1200" b="1"/>
+            </a:lvl8pPr>
+            <a:lvl9pPr marL="2743200" indent="0">
+              <a:buNone/>
+              <a:defRPr sz="1200" b="1"/>
+            </a:lvl9pPr>
           </a:lstStyle>
           <a:p>
-            <a:pPr lvl="0" eaLnBrk="1" latinLnBrk="0" hangingPunct="1"/>
-            <a:r>
-              <a:rPr kumimoji="0" lang="en-US" smtClean="0"/>
+            <a:pPr lvl="0"/>
+            <a:r>
+              <a:rPr lang="en-US"/>
               <a:t>Click to edit Master text styles</a:t>
             </a:r>
           </a:p>
@@ -1465,53 +1977,132 @@
       </p:sp>
       <p:sp>
         <p:nvSpPr>
-          <p:cNvPr id="4" name="Text Placeholder 3"/>
-          <p:cNvSpPr>
-            <a:spLocks noGrp="1"/>
-          </p:cNvSpPr>
-          <p:nvPr>
-            <p:ph type="body" sz="half" idx="3"/>
+          <p:cNvPr id="4" name="Content Placeholder 3">
+            <a:extLst>
+              <a:ext uri="{FF2B5EF4-FFF2-40B4-BE49-F238E27FC236}">
+                <a16:creationId xmlns:a16="http://schemas.microsoft.com/office/drawing/2014/main" id="{75507D15-4A78-004B-93BF-977A854D181A}"/>
+              </a:ext>
+            </a:extLst>
+          </p:cNvPr>
+          <p:cNvSpPr>
+            <a:spLocks noGrp="1"/>
+          </p:cNvSpPr>
+          <p:nvPr>
+            <p:ph sz="half" idx="2"/>
           </p:nvPr>
         </p:nvSpPr>
         <p:spPr>
           <a:xfrm>
-            <a:off x="4645025" y="1859757"/>
-            <a:ext cx="4041775" cy="654843"/>
+            <a:off x="629842" y="2505075"/>
+            <a:ext cx="3868340" cy="3684588"/>
           </a:xfrm>
         </p:spPr>
         <p:txBody>
-          <a:bodyPr lIns="45720" tIns="0" rIns="45720" bIns="0" anchor="ctr"/>
+          <a:bodyPr/>
+          <a:lstStyle/>
+          <a:p>
+            <a:pPr lvl="0"/>
+            <a:r>
+              <a:rPr lang="en-US"/>
+              <a:t>Click to edit Master text styles</a:t>
+            </a:r>
+          </a:p>
+          <a:p>
+            <a:pPr lvl="1"/>
+            <a:r>
+              <a:rPr lang="en-US"/>
+              <a:t>Second level</a:t>
+            </a:r>
+          </a:p>
+          <a:p>
+            <a:pPr lvl="2"/>
+            <a:r>
+              <a:rPr lang="en-US"/>
+              <a:t>Third level</a:t>
+            </a:r>
+          </a:p>
+          <a:p>
+            <a:pPr lvl="3"/>
+            <a:r>
+              <a:rPr lang="en-US"/>
+              <a:t>Fourth level</a:t>
+            </a:r>
+          </a:p>
+          <a:p>
+            <a:pPr lvl="4"/>
+            <a:r>
+              <a:rPr lang="en-US"/>
+              <a:t>Fifth level</a:t>
+            </a:r>
+          </a:p>
+        </p:txBody>
+      </p:sp>
+      <p:sp>
+        <p:nvSpPr>
+          <p:cNvPr id="5" name="Text Placeholder 4">
+            <a:extLst>
+              <a:ext uri="{FF2B5EF4-FFF2-40B4-BE49-F238E27FC236}">
+                <a16:creationId xmlns:a16="http://schemas.microsoft.com/office/drawing/2014/main" id="{8743A2A4-8C2D-544A-B8C5-B37C9D52A0F2}"/>
+              </a:ext>
+            </a:extLst>
+          </p:cNvPr>
+          <p:cNvSpPr>
+            <a:spLocks noGrp="1"/>
+          </p:cNvSpPr>
+          <p:nvPr>
+            <p:ph type="body" sz="quarter" idx="3"/>
+          </p:nvPr>
+        </p:nvSpPr>
+        <p:spPr>
+          <a:xfrm>
+            <a:off x="4629150" y="1681163"/>
+            <a:ext cx="3887391" cy="823912"/>
+          </a:xfrm>
+        </p:spPr>
+        <p:txBody>
+          <a:bodyPr anchor="b"/>
           <a:lstStyle>
             <a:lvl1pPr marL="0" indent="0">
               <a:buNone/>
-              <a:defRPr sz="2400" b="1" cap="none" baseline="0">
-                <a:solidFill>
-                  <a:schemeClr val="tx2"/>
-                </a:solidFill>
-                <a:effectLst/>
-              </a:defRPr>
+              <a:defRPr sz="1800" b="1"/>
             </a:lvl1pPr>
-            <a:lvl2pPr>
-              <a:buNone/>
-              <a:defRPr sz="2000" b="1"/>
+            <a:lvl2pPr marL="342900" indent="0">
+              <a:buNone/>
+              <a:defRPr sz="1500" b="1"/>
             </a:lvl2pPr>
-            <a:lvl3pPr>
-              <a:buNone/>
-              <a:defRPr sz="1800" b="1"/>
+            <a:lvl3pPr marL="685800" indent="0">
+              <a:buNone/>
+              <a:defRPr sz="1350" b="1"/>
             </a:lvl3pPr>
-            <a:lvl4pPr>
-              <a:buNone/>
-              <a:defRPr sz="1600" b="1"/>
+            <a:lvl4pPr marL="1028700" indent="0">
+              <a:buNone/>
+              <a:defRPr sz="1200" b="1"/>
             </a:lvl4pPr>
-            <a:lvl5pPr>
-              <a:buNone/>
-              <a:defRPr sz="1600" b="1"/>
+            <a:lvl5pPr marL="1371600" indent="0">
+              <a:buNone/>
+              <a:defRPr sz="1200" b="1"/>
             </a:lvl5pPr>
+            <a:lvl6pPr marL="1714500" indent="0">
+              <a:buNone/>
+              <a:defRPr sz="1200" b="1"/>
+            </a:lvl6pPr>
+            <a:lvl7pPr marL="2057400" indent="0">
+              <a:buNone/>
+              <a:defRPr sz="1200" b="1"/>
+            </a:lvl7pPr>
+            <a:lvl8pPr marL="2400300" indent="0">
+              <a:buNone/>
+              <a:defRPr sz="1200" b="1"/>
+            </a:lvl8pPr>
+            <a:lvl9pPr marL="2743200" indent="0">
+              <a:buNone/>
+              <a:defRPr sz="1200" b="1"/>
+            </a:lvl9pPr>
           </a:lstStyle>
           <a:p>
-            <a:pPr lvl="0" eaLnBrk="1" latinLnBrk="0" hangingPunct="1"/>
-            <a:r>
-              <a:rPr kumimoji="0" lang="en-US" smtClean="0"/>
+            <a:pPr lvl="0"/>
+            <a:r>
+              <a:rPr lang="en-US"/>
               <a:t>Click to edit Master text styles</a:t>
             </a:r>
           </a:p>
@@ -1519,153 +2110,75 @@
       </p:sp>
       <p:sp>
         <p:nvSpPr>
-          <p:cNvPr id="5" name="Content Placeholder 4"/>
-          <p:cNvSpPr>
-            <a:spLocks noGrp="1"/>
-          </p:cNvSpPr>
-          <p:nvPr>
-            <p:ph sz="quarter" idx="2"/>
+          <p:cNvPr id="6" name="Content Placeholder 5">
+            <a:extLst>
+              <a:ext uri="{FF2B5EF4-FFF2-40B4-BE49-F238E27FC236}">
+                <a16:creationId xmlns:a16="http://schemas.microsoft.com/office/drawing/2014/main" id="{80A4C421-5AA5-4B4A-BB66-D1421D2FDDE2}"/>
+              </a:ext>
+            </a:extLst>
+          </p:cNvPr>
+          <p:cNvSpPr>
+            <a:spLocks noGrp="1"/>
+          </p:cNvSpPr>
+          <p:nvPr>
+            <p:ph sz="quarter" idx="4"/>
           </p:nvPr>
         </p:nvSpPr>
         <p:spPr>
           <a:xfrm>
-            <a:off x="457200" y="2514600"/>
-            <a:ext cx="4040188" cy="3845720"/>
+            <a:off x="4629150" y="2505075"/>
+            <a:ext cx="3887391" cy="3684588"/>
           </a:xfrm>
         </p:spPr>
         <p:txBody>
-          <a:bodyPr tIns="0"/>
-          <a:lstStyle>
-            <a:lvl1pPr>
-              <a:defRPr sz="2200"/>
-            </a:lvl1pPr>
-            <a:lvl2pPr>
-              <a:defRPr sz="2000"/>
-            </a:lvl2pPr>
-            <a:lvl3pPr>
-              <a:defRPr sz="1800"/>
-            </a:lvl3pPr>
-            <a:lvl4pPr>
-              <a:defRPr sz="1600"/>
-            </a:lvl4pPr>
-            <a:lvl5pPr>
-              <a:defRPr sz="1600"/>
-            </a:lvl5pPr>
-          </a:lstStyle>
-          <a:p>
-            <a:pPr lvl="0" eaLnBrk="1" latinLnBrk="0" hangingPunct="1"/>
-            <a:r>
-              <a:rPr lang="en-US" smtClean="0"/>
+          <a:bodyPr/>
+          <a:lstStyle/>
+          <a:p>
+            <a:pPr lvl="0"/>
+            <a:r>
+              <a:rPr lang="en-US"/>
               <a:t>Click to edit Master text styles</a:t>
             </a:r>
           </a:p>
           <a:p>
-            <a:pPr lvl="1" eaLnBrk="1" latinLnBrk="0" hangingPunct="1"/>
-            <a:r>
-              <a:rPr lang="en-US" smtClean="0"/>
+            <a:pPr lvl="1"/>
+            <a:r>
+              <a:rPr lang="en-US"/>
               <a:t>Second level</a:t>
             </a:r>
           </a:p>
           <a:p>
-            <a:pPr lvl="2" eaLnBrk="1" latinLnBrk="0" hangingPunct="1"/>
-            <a:r>
-              <a:rPr lang="en-US" smtClean="0"/>
+            <a:pPr lvl="2"/>
+            <a:r>
+              <a:rPr lang="en-US"/>
               <a:t>Third level</a:t>
             </a:r>
           </a:p>
           <a:p>
-            <a:pPr lvl="3" eaLnBrk="1" latinLnBrk="0" hangingPunct="1"/>
-            <a:r>
-              <a:rPr lang="en-US" smtClean="0"/>
+            <a:pPr lvl="3"/>
+            <a:r>
+              <a:rPr lang="en-US"/>
               <a:t>Fourth level</a:t>
             </a:r>
           </a:p>
           <a:p>
-            <a:pPr lvl="4" eaLnBrk="1" latinLnBrk="0" hangingPunct="1"/>
-            <a:r>
-              <a:rPr lang="en-US" smtClean="0"/>
+            <a:pPr lvl="4"/>
+            <a:r>
+              <a:rPr lang="en-US"/>
               <a:t>Fifth level</a:t>
             </a:r>
-            <a:endParaRPr kumimoji="0" lang="en-US"/>
-          </a:p>
-        </p:txBody>
-      </p:sp>
-      <p:sp>
-        <p:nvSpPr>
-          <p:cNvPr id="6" name="Content Placeholder 5"/>
-          <p:cNvSpPr>
-            <a:spLocks noGrp="1"/>
-          </p:cNvSpPr>
-          <p:nvPr>
-            <p:ph sz="quarter" idx="4"/>
-          </p:nvPr>
-        </p:nvSpPr>
-        <p:spPr>
-          <a:xfrm>
-            <a:off x="4645025" y="2514600"/>
-            <a:ext cx="4041775" cy="3845720"/>
-          </a:xfrm>
-        </p:spPr>
-        <p:txBody>
-          <a:bodyPr tIns="0"/>
-          <a:lstStyle>
-            <a:lvl1pPr>
-              <a:defRPr sz="2200"/>
-            </a:lvl1pPr>
-            <a:lvl2pPr>
-              <a:defRPr sz="2000"/>
-            </a:lvl2pPr>
-            <a:lvl3pPr>
-              <a:defRPr sz="1800"/>
-            </a:lvl3pPr>
-            <a:lvl4pPr>
-              <a:defRPr sz="1600"/>
-            </a:lvl4pPr>
-            <a:lvl5pPr>
-              <a:defRPr sz="1600"/>
-            </a:lvl5pPr>
-          </a:lstStyle>
-          <a:p>
-            <a:pPr lvl="0" eaLnBrk="1" latinLnBrk="0" hangingPunct="1"/>
-            <a:r>
-              <a:rPr lang="en-US" smtClean="0"/>
-              <a:t>Click to edit Master text styles</a:t>
-            </a:r>
-          </a:p>
-          <a:p>
-            <a:pPr lvl="1" eaLnBrk="1" latinLnBrk="0" hangingPunct="1"/>
-            <a:r>
-              <a:rPr lang="en-US" smtClean="0"/>
-              <a:t>Second level</a:t>
-            </a:r>
-          </a:p>
-          <a:p>
-            <a:pPr lvl="2" eaLnBrk="1" latinLnBrk="0" hangingPunct="1"/>
-            <a:r>
-              <a:rPr lang="en-US" smtClean="0"/>
-              <a:t>Third level</a:t>
-            </a:r>
-          </a:p>
-          <a:p>
-            <a:pPr lvl="3" eaLnBrk="1" latinLnBrk="0" hangingPunct="1"/>
-            <a:r>
-              <a:rPr lang="en-US" smtClean="0"/>
-              <a:t>Fourth level</a:t>
-            </a:r>
-          </a:p>
-          <a:p>
-            <a:pPr lvl="4" eaLnBrk="1" latinLnBrk="0" hangingPunct="1"/>
-            <a:r>
-              <a:rPr lang="en-US" smtClean="0"/>
-              <a:t>Fifth level</a:t>
-            </a:r>
-            <a:endParaRPr kumimoji="0" lang="en-US"/>
-          </a:p>
-        </p:txBody>
-      </p:sp>
-      <p:sp>
-        <p:nvSpPr>
-          <p:cNvPr id="7" name="Date Placeholder 6"/>
+          </a:p>
+        </p:txBody>
+      </p:sp>
+      <p:sp>
+        <p:nvSpPr>
+          <p:cNvPr id="7" name="Date Placeholder 6">
+            <a:extLst>
+              <a:ext uri="{FF2B5EF4-FFF2-40B4-BE49-F238E27FC236}">
+                <a16:creationId xmlns:a16="http://schemas.microsoft.com/office/drawing/2014/main" id="{3A1F1139-CE28-4C45-9633-FD5A590743D1}"/>
+              </a:ext>
+            </a:extLst>
+          </p:cNvPr>
           <p:cNvSpPr>
             <a:spLocks noGrp="1"/>
           </p:cNvSpPr>
@@ -1678,10 +2191,9 @@
           <a:bodyPr/>
           <a:lstStyle/>
           <a:p>
-            <a:fld id="{1D8BD707-D9CF-40AE-B4C6-C98DA3205C09}" type="datetimeFigureOut">
-              <a:rPr lang="en-US" smtClean="0"/>
-              <a:pPr/>
-              <a:t>10/12/2015</a:t>
+            <a:fld id="{631C25F3-B4EE-CD40-9042-1607BA80045F}" type="datetime1">
+              <a:rPr lang="en-IN" smtClean="0"/>
+              <a:t>13/03/19</a:t>
             </a:fld>
             <a:endParaRPr lang="en-US"/>
           </a:p>
@@ -1689,7 +2201,13 @@
       </p:sp>
       <p:sp>
         <p:nvSpPr>
-          <p:cNvPr id="8" name="Footer Placeholder 7"/>
+          <p:cNvPr id="8" name="Footer Placeholder 7">
+            <a:extLst>
+              <a:ext uri="{FF2B5EF4-FFF2-40B4-BE49-F238E27FC236}">
+                <a16:creationId xmlns:a16="http://schemas.microsoft.com/office/drawing/2014/main" id="{5F01C66C-08B3-1946-8BB2-826ED7AEDD92}"/>
+              </a:ext>
+            </a:extLst>
+          </p:cNvPr>
           <p:cNvSpPr>
             <a:spLocks noGrp="1"/>
           </p:cNvSpPr>
@@ -1708,7 +2226,13 @@
       </p:sp>
       <p:sp>
         <p:nvSpPr>
-          <p:cNvPr id="9" name="Slide Number Placeholder 8"/>
+          <p:cNvPr id="9" name="Slide Number Placeholder 8">
+            <a:extLst>
+              <a:ext uri="{FF2B5EF4-FFF2-40B4-BE49-F238E27FC236}">
+                <a16:creationId xmlns:a16="http://schemas.microsoft.com/office/drawing/2014/main" id="{5E1DE255-E4A5-994B-8E89-5FD883277DCE}"/>
+              </a:ext>
+            </a:extLst>
+          </p:cNvPr>
           <p:cNvSpPr>
             <a:spLocks noGrp="1"/>
           </p:cNvSpPr>
@@ -1731,6 +2255,11 @@
         </p:txBody>
       </p:sp>
     </p:spTree>
+    <p:extLst>
+      <p:ext uri="{BB962C8B-B14F-4D97-AF65-F5344CB8AC3E}">
+        <p14:creationId xmlns:p14="http://schemas.microsoft.com/office/powerpoint/2010/main" val="2770987287"/>
+      </p:ext>
+    </p:extLst>
   </p:cSld>
   <p:clrMapOvr>
     <a:masterClrMapping/>
@@ -1757,7 +2286,13 @@
       </p:grpSpPr>
       <p:sp>
         <p:nvSpPr>
-          <p:cNvPr id="2" name="Title 1"/>
+          <p:cNvPr id="2" name="Title 1">
+            <a:extLst>
+              <a:ext uri="{FF2B5EF4-FFF2-40B4-BE49-F238E27FC236}">
+                <a16:creationId xmlns:a16="http://schemas.microsoft.com/office/drawing/2014/main" id="{1FB5AD07-7C2C-8445-A03B-024C82B2AE93}"/>
+              </a:ext>
+            </a:extLst>
+          </p:cNvPr>
           <p:cNvSpPr>
             <a:spLocks noGrp="1"/>
           </p:cNvSpPr>
@@ -1765,59 +2300,27 @@
             <p:ph type="title"/>
           </p:nvPr>
         </p:nvSpPr>
-        <p:spPr>
-          <a:xfrm>
-            <a:off x="457200" y="704088"/>
-            <a:ext cx="8305800" cy="1143000"/>
-          </a:xfrm>
-        </p:spPr>
-        <p:txBody>
-          <a:bodyPr vert="horz" tIns="45720" bIns="0" anchor="b">
-            <a:normAutofit/>
-            <a:scene3d>
-              <a:camera prst="orthographicFront"/>
-              <a:lightRig rig="freezing" dir="t">
-                <a:rot lat="0" lon="0" rev="5640000"/>
-              </a:lightRig>
-            </a:scene3d>
-            <a:sp3d prstMaterial="flat">
-              <a:contourClr>
-                <a:schemeClr val="tx2"/>
-              </a:contourClr>
-            </a:sp3d>
-          </a:bodyPr>
-          <a:lstStyle>
-            <a:lvl1pPr algn="l" rtl="0">
-              <a:spcBef>
-                <a:spcPct val="0"/>
-              </a:spcBef>
-              <a:buNone/>
-              <a:defRPr sz="5000" b="0">
-                <a:ln>
-                  <a:noFill/>
-                </a:ln>
-                <a:solidFill>
-                  <a:schemeClr val="tx2"/>
-                </a:solidFill>
-                <a:effectLst/>
-                <a:latin typeface="+mj-lt"/>
-                <a:ea typeface="+mj-ea"/>
-                <a:cs typeface="+mj-cs"/>
-              </a:defRPr>
-            </a:lvl1pPr>
-          </a:lstStyle>
-          <a:p>
-            <a:r>
-              <a:rPr kumimoji="0" lang="en-US" smtClean="0"/>
+        <p:spPr/>
+        <p:txBody>
+          <a:bodyPr/>
+          <a:lstStyle/>
+          <a:p>
+            <a:r>
+              <a:rPr lang="en-US"/>
               <a:t>Click to edit Master title style</a:t>
             </a:r>
-            <a:endParaRPr kumimoji="0" lang="en-US"/>
-          </a:p>
-        </p:txBody>
-      </p:sp>
-      <p:sp>
-        <p:nvSpPr>
-          <p:cNvPr id="3" name="Date Placeholder 2"/>
+          </a:p>
+        </p:txBody>
+      </p:sp>
+      <p:sp>
+        <p:nvSpPr>
+          <p:cNvPr id="3" name="Date Placeholder 2">
+            <a:extLst>
+              <a:ext uri="{FF2B5EF4-FFF2-40B4-BE49-F238E27FC236}">
+                <a16:creationId xmlns:a16="http://schemas.microsoft.com/office/drawing/2014/main" id="{68948425-F1C4-6441-A052-C8A8ACC1C3B4}"/>
+              </a:ext>
+            </a:extLst>
+          </p:cNvPr>
           <p:cNvSpPr>
             <a:spLocks noGrp="1"/>
           </p:cNvSpPr>
@@ -1830,10 +2333,9 @@
           <a:bodyPr/>
           <a:lstStyle/>
           <a:p>
-            <a:fld id="{1D8BD707-D9CF-40AE-B4C6-C98DA3205C09}" type="datetimeFigureOut">
-              <a:rPr lang="en-US" smtClean="0"/>
-              <a:pPr/>
-              <a:t>10/12/2015</a:t>
+            <a:fld id="{A7651731-CB4E-7D4D-AA54-D627F64EDF3A}" type="datetime1">
+              <a:rPr lang="en-IN" smtClean="0"/>
+              <a:t>13/03/19</a:t>
             </a:fld>
             <a:endParaRPr lang="en-US"/>
           </a:p>
@@ -1841,7 +2343,13 @@
       </p:sp>
       <p:sp>
         <p:nvSpPr>
-          <p:cNvPr id="4" name="Footer Placeholder 3"/>
+          <p:cNvPr id="4" name="Footer Placeholder 3">
+            <a:extLst>
+              <a:ext uri="{FF2B5EF4-FFF2-40B4-BE49-F238E27FC236}">
+                <a16:creationId xmlns:a16="http://schemas.microsoft.com/office/drawing/2014/main" id="{9762C79C-33D0-7942-90A2-20271CE6F76F}"/>
+              </a:ext>
+            </a:extLst>
+          </p:cNvPr>
           <p:cNvSpPr>
             <a:spLocks noGrp="1"/>
           </p:cNvSpPr>
@@ -1860,7 +2368,13 @@
       </p:sp>
       <p:sp>
         <p:nvSpPr>
-          <p:cNvPr id="5" name="Slide Number Placeholder 4"/>
+          <p:cNvPr id="5" name="Slide Number Placeholder 4">
+            <a:extLst>
+              <a:ext uri="{FF2B5EF4-FFF2-40B4-BE49-F238E27FC236}">
+                <a16:creationId xmlns:a16="http://schemas.microsoft.com/office/drawing/2014/main" id="{785F4871-C8F4-4B4B-BE23-C1B3708B7B3E}"/>
+              </a:ext>
+            </a:extLst>
+          </p:cNvPr>
           <p:cNvSpPr>
             <a:spLocks noGrp="1"/>
           </p:cNvSpPr>
@@ -1883,6 +2397,11 @@
         </p:txBody>
       </p:sp>
     </p:spTree>
+    <p:extLst>
+      <p:ext uri="{BB962C8B-B14F-4D97-AF65-F5344CB8AC3E}">
+        <p14:creationId xmlns:p14="http://schemas.microsoft.com/office/powerpoint/2010/main" val="3881886533"/>
+      </p:ext>
+    </p:extLst>
   </p:cSld>
   <p:clrMapOvr>
     <a:masterClrMapping/>
@@ -1909,7 +2428,13 @@
       </p:grpSpPr>
       <p:sp>
         <p:nvSpPr>
-          <p:cNvPr id="2" name="Date Placeholder 1"/>
+          <p:cNvPr id="2" name="Date Placeholder 1">
+            <a:extLst>
+              <a:ext uri="{FF2B5EF4-FFF2-40B4-BE49-F238E27FC236}">
+                <a16:creationId xmlns:a16="http://schemas.microsoft.com/office/drawing/2014/main" id="{AE3D1AC1-9361-394C-8473-B812CF643D2E}"/>
+              </a:ext>
+            </a:extLst>
+          </p:cNvPr>
           <p:cNvSpPr>
             <a:spLocks noGrp="1"/>
           </p:cNvSpPr>
@@ -1922,10 +2447,9 @@
           <a:bodyPr/>
           <a:lstStyle/>
           <a:p>
-            <a:fld id="{1D8BD707-D9CF-40AE-B4C6-C98DA3205C09}" type="datetimeFigureOut">
-              <a:rPr lang="en-US" smtClean="0"/>
-              <a:pPr/>
-              <a:t>10/12/2015</a:t>
+            <a:fld id="{62273ADD-469C-0D49-816B-D06241F3DD80}" type="datetime1">
+              <a:rPr lang="en-IN" smtClean="0"/>
+              <a:t>13/03/19</a:t>
             </a:fld>
             <a:endParaRPr lang="en-US"/>
           </a:p>
@@ -1933,7 +2457,13 @@
       </p:sp>
       <p:sp>
         <p:nvSpPr>
-          <p:cNvPr id="3" name="Footer Placeholder 2"/>
+          <p:cNvPr id="3" name="Footer Placeholder 2">
+            <a:extLst>
+              <a:ext uri="{FF2B5EF4-FFF2-40B4-BE49-F238E27FC236}">
+                <a16:creationId xmlns:a16="http://schemas.microsoft.com/office/drawing/2014/main" id="{89C57230-5655-814E-B43C-0EF8C35D035A}"/>
+              </a:ext>
+            </a:extLst>
+          </p:cNvPr>
           <p:cNvSpPr>
             <a:spLocks noGrp="1"/>
           </p:cNvSpPr>
@@ -1952,7 +2482,13 @@
       </p:sp>
       <p:sp>
         <p:nvSpPr>
-          <p:cNvPr id="4" name="Slide Number Placeholder 3"/>
+          <p:cNvPr id="4" name="Slide Number Placeholder 3">
+            <a:extLst>
+              <a:ext uri="{FF2B5EF4-FFF2-40B4-BE49-F238E27FC236}">
+                <a16:creationId xmlns:a16="http://schemas.microsoft.com/office/drawing/2014/main" id="{1BA0B082-B885-FE4B-ABB1-2C1EB9408C9C}"/>
+              </a:ext>
+            </a:extLst>
+          </p:cNvPr>
           <p:cNvSpPr>
             <a:spLocks noGrp="1"/>
           </p:cNvSpPr>
@@ -1975,6 +2511,11 @@
         </p:txBody>
       </p:sp>
     </p:spTree>
+    <p:extLst>
+      <p:ext uri="{BB962C8B-B14F-4D97-AF65-F5344CB8AC3E}">
+        <p14:creationId xmlns:p14="http://schemas.microsoft.com/office/powerpoint/2010/main" val="4133741602"/>
+      </p:ext>
+    </p:extLst>
   </p:cSld>
   <p:clrMapOvr>
     <a:masterClrMapping/>
@@ -2001,7 +2542,13 @@
       </p:grpSpPr>
       <p:sp>
         <p:nvSpPr>
-          <p:cNvPr id="2" name="Title 1"/>
+          <p:cNvPr id="2" name="Title 1">
+            <a:extLst>
+              <a:ext uri="{FF2B5EF4-FFF2-40B4-BE49-F238E27FC236}">
+                <a16:creationId xmlns:a16="http://schemas.microsoft.com/office/drawing/2014/main" id="{42209A90-0D1C-D644-BFB9-298A2D69C8FC}"/>
+              </a:ext>
+            </a:extLst>
+          </p:cNvPr>
           <p:cNvSpPr>
             <a:spLocks noGrp="1"/>
           </p:cNvSpPr>
@@ -2011,168 +2558,195 @@
         </p:nvSpPr>
         <p:spPr>
           <a:xfrm>
-            <a:off x="685800" y="514352"/>
-            <a:ext cx="2743200" cy="1162050"/>
+            <a:off x="629841" y="457200"/>
+            <a:ext cx="2949178" cy="1600200"/>
           </a:xfrm>
         </p:spPr>
         <p:txBody>
-          <a:bodyPr lIns="0" anchor="b">
-            <a:noAutofit/>
-          </a:bodyPr>
+          <a:bodyPr anchor="b"/>
           <a:lstStyle>
-            <a:lvl1pPr algn="l" rtl="0">
-              <a:spcBef>
-                <a:spcPct val="0"/>
-              </a:spcBef>
-              <a:buNone/>
-              <a:defRPr sz="2600" b="0">
-                <a:ln>
-                  <a:noFill/>
-                </a:ln>
-                <a:solidFill>
-                  <a:schemeClr val="tx2"/>
-                </a:solidFill>
-                <a:effectLst/>
-                <a:latin typeface="+mj-lt"/>
-                <a:ea typeface="+mj-ea"/>
-                <a:cs typeface="+mj-cs"/>
-              </a:defRPr>
+            <a:lvl1pPr>
+              <a:defRPr sz="2400"/>
             </a:lvl1pPr>
           </a:lstStyle>
           <a:p>
             <a:r>
-              <a:rPr kumimoji="0" lang="en-US" smtClean="0"/>
+              <a:rPr lang="en-US"/>
               <a:t>Click to edit Master title style</a:t>
             </a:r>
-            <a:endParaRPr kumimoji="0" lang="en-US"/>
-          </a:p>
-        </p:txBody>
-      </p:sp>
-      <p:sp>
-        <p:nvSpPr>
-          <p:cNvPr id="3" name="Text Placeholder 2"/>
-          <p:cNvSpPr>
-            <a:spLocks noGrp="1"/>
-          </p:cNvSpPr>
-          <p:nvPr>
-            <p:ph type="body" idx="2"/>
+          </a:p>
+        </p:txBody>
+      </p:sp>
+      <p:sp>
+        <p:nvSpPr>
+          <p:cNvPr id="3" name="Content Placeholder 2">
+            <a:extLst>
+              <a:ext uri="{FF2B5EF4-FFF2-40B4-BE49-F238E27FC236}">
+                <a16:creationId xmlns:a16="http://schemas.microsoft.com/office/drawing/2014/main" id="{742F2E33-03C3-1C4D-B782-8DC334C8AACC}"/>
+              </a:ext>
+            </a:extLst>
+          </p:cNvPr>
+          <p:cNvSpPr>
+            <a:spLocks noGrp="1"/>
+          </p:cNvSpPr>
+          <p:nvPr>
+            <p:ph idx="1"/>
           </p:nvPr>
         </p:nvSpPr>
         <p:spPr>
           <a:xfrm>
-            <a:off x="685800" y="1676400"/>
-            <a:ext cx="2743200" cy="4572000"/>
+            <a:off x="3887391" y="987426"/>
+            <a:ext cx="4629150" cy="4873625"/>
           </a:xfrm>
         </p:spPr>
         <p:txBody>
-          <a:bodyPr lIns="18288" rIns="18288"/>
+          <a:bodyPr/>
           <a:lstStyle>
-            <a:lvl1pPr marL="0" indent="0" algn="l">
-              <a:buNone/>
-              <a:defRPr sz="1400"/>
+            <a:lvl1pPr>
+              <a:defRPr sz="2400"/>
             </a:lvl1pPr>
-            <a:lvl2pPr indent="0" algn="l">
-              <a:buNone/>
-              <a:defRPr sz="1200"/>
+            <a:lvl2pPr>
+              <a:defRPr sz="2100"/>
             </a:lvl2pPr>
-            <a:lvl3pPr indent="0" algn="l">
-              <a:buNone/>
-              <a:defRPr sz="1000"/>
+            <a:lvl3pPr>
+              <a:defRPr sz="1800"/>
             </a:lvl3pPr>
-            <a:lvl4pPr indent="0" algn="l">
-              <a:buNone/>
-              <a:defRPr sz="900"/>
+            <a:lvl4pPr>
+              <a:defRPr sz="1500"/>
             </a:lvl4pPr>
-            <a:lvl5pPr indent="0" algn="l">
-              <a:buNone/>
-              <a:defRPr sz="900"/>
+            <a:lvl5pPr>
+              <a:defRPr sz="1500"/>
             </a:lvl5pPr>
+            <a:lvl6pPr>
+              <a:defRPr sz="1500"/>
+            </a:lvl6pPr>
+            <a:lvl7pPr>
+              <a:defRPr sz="1500"/>
+            </a:lvl7pPr>
+            <a:lvl8pPr>
+              <a:defRPr sz="1500"/>
+            </a:lvl8pPr>
+            <a:lvl9pPr>
+              <a:defRPr sz="1500"/>
+            </a:lvl9pPr>
           </a:lstStyle>
           <a:p>
-            <a:pPr lvl="0" eaLnBrk="1" latinLnBrk="0" hangingPunct="1"/>
-            <a:r>
-              <a:rPr kumimoji="0" lang="en-US" smtClean="0"/>
+            <a:pPr lvl="0"/>
+            <a:r>
+              <a:rPr lang="en-US"/>
               <a:t>Click to edit Master text styles</a:t>
             </a:r>
           </a:p>
-        </p:txBody>
-      </p:sp>
-      <p:sp>
-        <p:nvSpPr>
-          <p:cNvPr id="4" name="Content Placeholder 3"/>
-          <p:cNvSpPr>
-            <a:spLocks noGrp="1"/>
-          </p:cNvSpPr>
-          <p:nvPr>
-            <p:ph sz="half" idx="1"/>
+          <a:p>
+            <a:pPr lvl="1"/>
+            <a:r>
+              <a:rPr lang="en-US"/>
+              <a:t>Second level</a:t>
+            </a:r>
+          </a:p>
+          <a:p>
+            <a:pPr lvl="2"/>
+            <a:r>
+              <a:rPr lang="en-US"/>
+              <a:t>Third level</a:t>
+            </a:r>
+          </a:p>
+          <a:p>
+            <a:pPr lvl="3"/>
+            <a:r>
+              <a:rPr lang="en-US"/>
+              <a:t>Fourth level</a:t>
+            </a:r>
+          </a:p>
+          <a:p>
+            <a:pPr lvl="4"/>
+            <a:r>
+              <a:rPr lang="en-US"/>
+              <a:t>Fifth level</a:t>
+            </a:r>
+          </a:p>
+        </p:txBody>
+      </p:sp>
+      <p:sp>
+        <p:nvSpPr>
+          <p:cNvPr id="4" name="Text Placeholder 3">
+            <a:extLst>
+              <a:ext uri="{FF2B5EF4-FFF2-40B4-BE49-F238E27FC236}">
+                <a16:creationId xmlns:a16="http://schemas.microsoft.com/office/drawing/2014/main" id="{D85BAA9E-1CA0-9E4D-8F6A-F5F3A8E40BD1}"/>
+              </a:ext>
+            </a:extLst>
+          </p:cNvPr>
+          <p:cNvSpPr>
+            <a:spLocks noGrp="1"/>
+          </p:cNvSpPr>
+          <p:nvPr>
+            <p:ph type="body" sz="half" idx="2"/>
           </p:nvPr>
         </p:nvSpPr>
         <p:spPr>
           <a:xfrm>
-            <a:off x="3575050" y="1676400"/>
-            <a:ext cx="5111750" cy="4572000"/>
+            <a:off x="629841" y="2057400"/>
+            <a:ext cx="2949178" cy="3811588"/>
           </a:xfrm>
         </p:spPr>
         <p:txBody>
-          <a:bodyPr tIns="0"/>
+          <a:bodyPr/>
           <a:lstStyle>
-            <a:lvl1pPr>
-              <a:defRPr sz="2800"/>
+            <a:lvl1pPr marL="0" indent="0">
+              <a:buNone/>
+              <a:defRPr sz="1200"/>
             </a:lvl1pPr>
-            <a:lvl2pPr>
-              <a:defRPr sz="2600"/>
+            <a:lvl2pPr marL="342900" indent="0">
+              <a:buNone/>
+              <a:defRPr sz="1050"/>
             </a:lvl2pPr>
-            <a:lvl3pPr>
-              <a:defRPr sz="2400"/>
+            <a:lvl3pPr marL="685800" indent="0">
+              <a:buNone/>
+              <a:defRPr sz="900"/>
             </a:lvl3pPr>
-            <a:lvl4pPr>
-              <a:defRPr sz="2000"/>
+            <a:lvl4pPr marL="1028700" indent="0">
+              <a:buNone/>
+              <a:defRPr sz="750"/>
             </a:lvl4pPr>
-            <a:lvl5pPr>
-              <a:defRPr sz="1800"/>
+            <a:lvl5pPr marL="1371600" indent="0">
+              <a:buNone/>
+              <a:defRPr sz="750"/>
             </a:lvl5pPr>
+            <a:lvl6pPr marL="1714500" indent="0">
+              <a:buNone/>
+              <a:defRPr sz="750"/>
+            </a:lvl6pPr>
+            <a:lvl7pPr marL="2057400" indent="0">
+              <a:buNone/>
+              <a:defRPr sz="750"/>
+            </a:lvl7pPr>
+            <a:lvl8pPr marL="2400300" indent="0">
+              <a:buNone/>
+              <a:defRPr sz="750"/>
+            </a:lvl8pPr>
+            <a:lvl9pPr marL="2743200" indent="0">
+              <a:buNone/>
+              <a:defRPr sz="750"/>
+            </a:lvl9pPr>
           </a:lstStyle>
           <a:p>
-            <a:pPr lvl="0" eaLnBrk="1" latinLnBrk="0" hangingPunct="1"/>
-            <a:r>
-              <a:rPr lang="en-US" smtClean="0"/>
+            <a:pPr lvl="0"/>
+            <a:r>
+              <a:rPr lang="en-US"/>
               <a:t>Click to edit Master text styles</a:t>
             </a:r>
           </a:p>
-          <a:p>
-            <a:pPr lvl="1" eaLnBrk="1" latinLnBrk="0" hangingPunct="1"/>
-            <a:r>
-              <a:rPr lang="en-US" smtClean="0"/>
-              <a:t>Second level</a:t>
-            </a:r>
-          </a:p>
-          <a:p>
-            <a:pPr lvl="2" eaLnBrk="1" latinLnBrk="0" hangingPunct="1"/>
-            <a:r>
-              <a:rPr lang="en-US" smtClean="0"/>
-              <a:t>Third level</a:t>
-            </a:r>
-          </a:p>
-          <a:p>
-            <a:pPr lvl="3" eaLnBrk="1" latinLnBrk="0" hangingPunct="1"/>
-            <a:r>
-              <a:rPr lang="en-US" smtClean="0"/>
-              <a:t>Fourth level</a:t>
-            </a:r>
-          </a:p>
-          <a:p>
-            <a:pPr lvl="4" eaLnBrk="1" latinLnBrk="0" hangingPunct="1"/>
-            <a:r>
-              <a:rPr lang="en-US" smtClean="0"/>
-              <a:t>Fifth level</a:t>
-            </a:r>
-            <a:endParaRPr kumimoji="0" lang="en-US"/>
-          </a:p>
-        </p:txBody>
-      </p:sp>
-      <p:sp>
-        <p:nvSpPr>
-          <p:cNvPr id="5" name="Date Placeholder 4"/>
+        </p:txBody>
+      </p:sp>
+      <p:sp>
+        <p:nvSpPr>
+          <p:cNvPr id="5" name="Date Placeholder 4">
+            <a:extLst>
+              <a:ext uri="{FF2B5EF4-FFF2-40B4-BE49-F238E27FC236}">
+                <a16:creationId xmlns:a16="http://schemas.microsoft.com/office/drawing/2014/main" id="{50CDC3E5-14C6-3646-8450-4EDBE8D93CE9}"/>
+              </a:ext>
+            </a:extLst>
+          </p:cNvPr>
           <p:cNvSpPr>
             <a:spLocks noGrp="1"/>
           </p:cNvSpPr>
@@ -2185,10 +2759,9 @@
           <a:bodyPr/>
           <a:lstStyle/>
           <a:p>
-            <a:fld id="{1D8BD707-D9CF-40AE-B4C6-C98DA3205C09}" type="datetimeFigureOut">
-              <a:rPr lang="en-US" smtClean="0"/>
-              <a:pPr/>
-              <a:t>10/12/2015</a:t>
+            <a:fld id="{79FAAD21-13C3-3C46-845C-6DCC20147F6D}" type="datetime1">
+              <a:rPr lang="en-IN" smtClean="0"/>
+              <a:t>13/03/19</a:t>
             </a:fld>
             <a:endParaRPr lang="en-US"/>
           </a:p>
@@ -2196,7 +2769,13 @@
       </p:sp>
       <p:sp>
         <p:nvSpPr>
-          <p:cNvPr id="6" name="Footer Placeholder 5"/>
+          <p:cNvPr id="6" name="Footer Placeholder 5">
+            <a:extLst>
+              <a:ext uri="{FF2B5EF4-FFF2-40B4-BE49-F238E27FC236}">
+                <a16:creationId xmlns:a16="http://schemas.microsoft.com/office/drawing/2014/main" id="{98701A4D-C509-794B-A684-2605A8A5EC67}"/>
+              </a:ext>
+            </a:extLst>
+          </p:cNvPr>
           <p:cNvSpPr>
             <a:spLocks noGrp="1"/>
           </p:cNvSpPr>
@@ -2215,7 +2794,13 @@
       </p:sp>
       <p:sp>
         <p:nvSpPr>
-          <p:cNvPr id="7" name="Slide Number Placeholder 6"/>
+          <p:cNvPr id="7" name="Slide Number Placeholder 6">
+            <a:extLst>
+              <a:ext uri="{FF2B5EF4-FFF2-40B4-BE49-F238E27FC236}">
+                <a16:creationId xmlns:a16="http://schemas.microsoft.com/office/drawing/2014/main" id="{BF6411D2-174E-AE4E-B28F-50B4F072EFBF}"/>
+              </a:ext>
+            </a:extLst>
+          </p:cNvPr>
           <p:cNvSpPr>
             <a:spLocks noGrp="1"/>
           </p:cNvSpPr>
@@ -2238,6 +2823,11 @@
         </p:txBody>
       </p:sp>
     </p:spTree>
+    <p:extLst>
+      <p:ext uri="{BB962C8B-B14F-4D97-AF65-F5344CB8AC3E}">
+        <p14:creationId xmlns:p14="http://schemas.microsoft.com/office/powerpoint/2010/main" val="3233017909"/>
+      </p:ext>
+    </p:extLst>
   </p:cSld>
   <p:clrMapOvr>
     <a:masterClrMapping/>
@@ -2246,7 +2836,7 @@
 </file>
 
 <file path=ppt/slideLayouts/slideLayout9.xml><?xml version="1.0" encoding="utf-8"?>
-<p:sldLayout xmlns:a="http://schemas.openxmlformats.org/drawingml/2006/main" xmlns:r="http://schemas.openxmlformats.org/officeDocument/2006/relationships" xmlns:p="http://schemas.openxmlformats.org/presentationml/2006/main" showMasterSp="0" type="picTx" preserve="1">
+<p:sldLayout xmlns:a="http://schemas.openxmlformats.org/drawingml/2006/main" xmlns:r="http://schemas.openxmlformats.org/officeDocument/2006/relationships" xmlns:p="http://schemas.openxmlformats.org/presentationml/2006/main" type="picTx" preserve="1">
   <p:cSld name="Picture with Caption">
     <p:spTree>
       <p:nvGrpSpPr>
@@ -2264,119 +2854,13 @@
       </p:grpSpPr>
       <p:sp>
         <p:nvSpPr>
-          <p:cNvPr id="9" name="Snip and Round Single Corner Rectangle 8"/>
-          <p:cNvSpPr/>
-          <p:nvPr/>
-        </p:nvSpPr>
-        <p:spPr>
-          <a:xfrm rot="420000" flipV="1">
-            <a:off x="3165753" y="1108077"/>
-            <a:ext cx="5257800" cy="4114800"/>
-          </a:xfrm>
-          <a:prstGeom prst="snipRoundRect">
-            <a:avLst>
-              <a:gd name="adj1" fmla="val 0"/>
-              <a:gd name="adj2" fmla="val 3646"/>
-            </a:avLst>
-          </a:prstGeom>
-          <a:solidFill>
-            <a:srgbClr val="FFFFFF"/>
-          </a:solidFill>
-          <a:ln w="3175" cap="rnd" cmpd="sng" algn="ctr">
-            <a:solidFill>
-              <a:srgbClr val="C0C0C0"/>
-            </a:solidFill>
-            <a:prstDash val="solid"/>
-          </a:ln>
-          <a:effectLst>
-            <a:outerShdw blurRad="63500" dist="38500" dir="7500000" sx="98500" sy="100080" kx="100000" algn="tl" rotWithShape="0">
-              <a:srgbClr val="000000">
-                <a:alpha val="25000"/>
-              </a:srgbClr>
-            </a:outerShdw>
-          </a:effectLst>
-        </p:spPr>
-        <p:style>
-          <a:lnRef idx="2">
-            <a:schemeClr val="accent1"/>
-          </a:lnRef>
-          <a:fillRef idx="1">
-            <a:schemeClr val="accent1"/>
-          </a:fillRef>
-          <a:effectRef idx="0">
-            <a:schemeClr val="accent1"/>
-          </a:effectRef>
-          <a:fontRef idx="minor">
-            <a:schemeClr val="lt1"/>
-          </a:fontRef>
-        </p:style>
-        <p:txBody>
-          <a:bodyPr rtlCol="0" anchor="ctr"/>
-          <a:lstStyle/>
-          <a:p>
-            <a:pPr algn="ctr" eaLnBrk="1" latinLnBrk="0" hangingPunct="1"/>
-            <a:endParaRPr kumimoji="0" lang="en-US"/>
-          </a:p>
-        </p:txBody>
-      </p:sp>
-      <p:sp>
-        <p:nvSpPr>
-          <p:cNvPr id="12" name="Right Triangle 11"/>
-          <p:cNvSpPr/>
-          <p:nvPr/>
-        </p:nvSpPr>
-        <p:spPr>
-          <a:xfrm rot="420000" flipV="1">
-            <a:off x="8004134" y="5359769"/>
-            <a:ext cx="155448" cy="155448"/>
-          </a:xfrm>
-          <a:prstGeom prst="rtTriangle">
-            <a:avLst/>
-          </a:prstGeom>
-          <a:solidFill>
-            <a:srgbClr val="FFFFFF"/>
-          </a:solidFill>
-          <a:ln w="12700" cap="flat" cmpd="sng" algn="ctr">
-            <a:solidFill>
-              <a:srgbClr val="FFFFFF"/>
-            </a:solidFill>
-            <a:prstDash val="solid"/>
-            <a:bevel/>
-          </a:ln>
-          <a:effectLst>
-            <a:outerShdw blurRad="19685" dist="6350" dir="12900000" algn="tl" rotWithShape="0">
-              <a:srgbClr val="000000">
-                <a:alpha val="47000"/>
-              </a:srgbClr>
-            </a:outerShdw>
-          </a:effectLst>
-        </p:spPr>
-        <p:style>
-          <a:lnRef idx="2">
-            <a:schemeClr val="accent1"/>
-          </a:lnRef>
-          <a:fillRef idx="1">
-            <a:schemeClr val="accent1"/>
-          </a:fillRef>
-          <a:effectRef idx="0">
-            <a:schemeClr val="accent1"/>
-          </a:effectRef>
-          <a:fontRef idx="minor">
-            <a:schemeClr val="lt1"/>
-          </a:fontRef>
-        </p:style>
-        <p:txBody>
-          <a:bodyPr rtlCol="0" anchor="ctr"/>
-          <a:lstStyle/>
-          <a:p>
-            <a:pPr algn="ctr" eaLnBrk="1" latinLnBrk="0" hangingPunct="1"/>
-            <a:endParaRPr kumimoji="0" lang="en-US"/>
-          </a:p>
-        </p:txBody>
-      </p:sp>
-      <p:sp>
-        <p:nvSpPr>
-          <p:cNvPr id="2" name="Title 1"/>
+          <p:cNvPr id="2" name="Title 1">
+            <a:extLst>
+              <a:ext uri="{FF2B5EF4-FFF2-40B4-BE49-F238E27FC236}">
+                <a16:creationId xmlns:a16="http://schemas.microsoft.com/office/drawing/2014/main" id="{8AE0B932-D454-C84B-8651-1A806D20064B}"/>
+              </a:ext>
+            </a:extLst>
+          </p:cNvPr>
           <p:cNvSpPr>
             <a:spLocks noGrp="1"/>
           </p:cNvSpPr>
@@ -2386,75 +2870,158 @@
         </p:nvSpPr>
         <p:spPr>
           <a:xfrm>
-            <a:off x="609600" y="1176996"/>
-            <a:ext cx="2212848" cy="1582621"/>
+            <a:off x="629841" y="457200"/>
+            <a:ext cx="2949178" cy="1600200"/>
           </a:xfrm>
         </p:spPr>
         <p:txBody>
-          <a:bodyPr vert="horz" lIns="45720" tIns="45720" rIns="45720" bIns="45720" anchor="b"/>
+          <a:bodyPr anchor="b"/>
           <a:lstStyle>
-            <a:lvl1pPr algn="l">
-              <a:buNone/>
-              <a:defRPr sz="2000" b="1">
-                <a:solidFill>
-                  <a:schemeClr val="tx2"/>
-                </a:solidFill>
-              </a:defRPr>
+            <a:lvl1pPr>
+              <a:defRPr sz="2400"/>
             </a:lvl1pPr>
           </a:lstStyle>
           <a:p>
             <a:r>
-              <a:rPr kumimoji="0" lang="en-US" smtClean="0"/>
+              <a:rPr lang="en-US"/>
               <a:t>Click to edit Master title style</a:t>
             </a:r>
-            <a:endParaRPr kumimoji="0" lang="en-US"/>
-          </a:p>
-        </p:txBody>
-      </p:sp>
-      <p:sp>
-        <p:nvSpPr>
-          <p:cNvPr id="4" name="Text Placeholder 3"/>
-          <p:cNvSpPr>
-            <a:spLocks noGrp="1"/>
-          </p:cNvSpPr>
-          <p:nvPr>
-            <p:ph type="body" sz="half" idx="2"/>
+          </a:p>
+        </p:txBody>
+      </p:sp>
+      <p:sp>
+        <p:nvSpPr>
+          <p:cNvPr id="3" name="Picture Placeholder 2">
+            <a:extLst>
+              <a:ext uri="{FF2B5EF4-FFF2-40B4-BE49-F238E27FC236}">
+                <a16:creationId xmlns:a16="http://schemas.microsoft.com/office/drawing/2014/main" id="{80FE67E4-0AB7-174A-9545-A80AD9AFCA0B}"/>
+              </a:ext>
+            </a:extLst>
+          </p:cNvPr>
+          <p:cNvSpPr>
+            <a:spLocks noGrp="1"/>
+          </p:cNvSpPr>
+          <p:nvPr>
+            <p:ph type="pic" idx="1"/>
           </p:nvPr>
         </p:nvSpPr>
         <p:spPr>
           <a:xfrm>
-            <a:off x="609600" y="2828785"/>
-            <a:ext cx="2209800" cy="2179320"/>
+            <a:off x="3887391" y="987426"/>
+            <a:ext cx="4629150" cy="4873625"/>
           </a:xfrm>
         </p:spPr>
         <p:txBody>
-          <a:bodyPr lIns="64008" rIns="45720" bIns="45720" anchor="t"/>
+          <a:bodyPr/>
           <a:lstStyle>
-            <a:lvl1pPr marL="0" indent="0" algn="l">
-              <a:spcBef>
-                <a:spcPts val="250"/>
-              </a:spcBef>
-              <a:buFontTx/>
-              <a:buNone/>
-              <a:defRPr sz="1300"/>
+            <a:lvl1pPr marL="0" indent="0">
+              <a:buNone/>
+              <a:defRPr sz="2400"/>
             </a:lvl1pPr>
-            <a:lvl2pPr>
+            <a:lvl2pPr marL="342900" indent="0">
+              <a:buNone/>
+              <a:defRPr sz="2100"/>
+            </a:lvl2pPr>
+            <a:lvl3pPr marL="685800" indent="0">
+              <a:buNone/>
+              <a:defRPr sz="1800"/>
+            </a:lvl3pPr>
+            <a:lvl4pPr marL="1028700" indent="0">
+              <a:buNone/>
+              <a:defRPr sz="1500"/>
+            </a:lvl4pPr>
+            <a:lvl5pPr marL="1371600" indent="0">
+              <a:buNone/>
+              <a:defRPr sz="1500"/>
+            </a:lvl5pPr>
+            <a:lvl6pPr marL="1714500" indent="0">
+              <a:buNone/>
+              <a:defRPr sz="1500"/>
+            </a:lvl6pPr>
+            <a:lvl7pPr marL="2057400" indent="0">
+              <a:buNone/>
+              <a:defRPr sz="1500"/>
+            </a:lvl7pPr>
+            <a:lvl8pPr marL="2400300" indent="0">
+              <a:buNone/>
+              <a:defRPr sz="1500"/>
+            </a:lvl8pPr>
+            <a:lvl9pPr marL="2743200" indent="0">
+              <a:buNone/>
+              <a:defRPr sz="1500"/>
+            </a:lvl9pPr>
+          </a:lstStyle>
+          <a:p>
+            <a:endParaRPr lang="en-US"/>
+          </a:p>
+        </p:txBody>
+      </p:sp>
+      <p:sp>
+        <p:nvSpPr>
+          <p:cNvPr id="4" name="Text Placeholder 3">
+            <a:extLst>
+              <a:ext uri="{FF2B5EF4-FFF2-40B4-BE49-F238E27FC236}">
+                <a16:creationId xmlns:a16="http://schemas.microsoft.com/office/drawing/2014/main" id="{F3C9E31D-A808-0F46-A95E-0D748E573AED}"/>
+              </a:ext>
+            </a:extLst>
+          </p:cNvPr>
+          <p:cNvSpPr>
+            <a:spLocks noGrp="1"/>
+          </p:cNvSpPr>
+          <p:nvPr>
+            <p:ph type="body" sz="half" idx="2"/>
+          </p:nvPr>
+        </p:nvSpPr>
+        <p:spPr>
+          <a:xfrm>
+            <a:off x="629841" y="2057400"/>
+            <a:ext cx="2949178" cy="3811588"/>
+          </a:xfrm>
+        </p:spPr>
+        <p:txBody>
+          <a:bodyPr/>
+          <a:lstStyle>
+            <a:lvl1pPr marL="0" indent="0">
+              <a:buNone/>
               <a:defRPr sz="1200"/>
+            </a:lvl1pPr>
+            <a:lvl2pPr marL="342900" indent="0">
+              <a:buNone/>
+              <a:defRPr sz="1050"/>
             </a:lvl2pPr>
-            <a:lvl3pPr>
-              <a:defRPr sz="1000"/>
+            <a:lvl3pPr marL="685800" indent="0">
+              <a:buNone/>
+              <a:defRPr sz="900"/>
             </a:lvl3pPr>
-            <a:lvl4pPr>
-              <a:defRPr sz="900"/>
+            <a:lvl4pPr marL="1028700" indent="0">
+              <a:buNone/>
+              <a:defRPr sz="750"/>
             </a:lvl4pPr>
-            <a:lvl5pPr>
-              <a:defRPr sz="900"/>
+            <a:lvl5pPr marL="1371600" indent="0">
+              <a:buNone/>
+              <a:defRPr sz="750"/>
             </a:lvl5pPr>
+            <a:lvl6pPr marL="1714500" indent="0">
+              <a:buNone/>
+              <a:defRPr sz="750"/>
+            </a:lvl6pPr>
+            <a:lvl7pPr marL="2057400" indent="0">
+              <a:buNone/>
+              <a:defRPr sz="750"/>
+            </a:lvl7pPr>
+            <a:lvl8pPr marL="2400300" indent="0">
+              <a:buNone/>
+              <a:defRPr sz="750"/>
+            </a:lvl8pPr>
+            <a:lvl9pPr marL="2743200" indent="0">
+              <a:buNone/>
+              <a:defRPr sz="750"/>
+            </a:lvl9pPr>
           </a:lstStyle>
           <a:p>
-            <a:pPr lvl="0" eaLnBrk="1" latinLnBrk="0" hangingPunct="1"/>
-            <a:r>
-              <a:rPr kumimoji="0" lang="en-US" smtClean="0"/>
+            <a:pPr lvl="0"/>
+            <a:r>
+              <a:rPr lang="en-US"/>
               <a:t>Click to edit Master text styles</a:t>
             </a:r>
           </a:p>
@@ -2462,7 +3029,13 @@
       </p:sp>
       <p:sp>
         <p:nvSpPr>
-          <p:cNvPr id="5" name="Date Placeholder 4"/>
+          <p:cNvPr id="5" name="Date Placeholder 4">
+            <a:extLst>
+              <a:ext uri="{FF2B5EF4-FFF2-40B4-BE49-F238E27FC236}">
+                <a16:creationId xmlns:a16="http://schemas.microsoft.com/office/drawing/2014/main" id="{3F7ED522-7A91-AA47-A406-2257987EBBA2}"/>
+              </a:ext>
+            </a:extLst>
+          </p:cNvPr>
           <p:cNvSpPr>
             <a:spLocks noGrp="1"/>
           </p:cNvSpPr>
@@ -2475,10 +3048,9 @@
           <a:bodyPr/>
           <a:lstStyle/>
           <a:p>
-            <a:fld id="{1D8BD707-D9CF-40AE-B4C6-C98DA3205C09}" type="datetimeFigureOut">
-              <a:rPr lang="en-US" smtClean="0"/>
-              <a:pPr/>
-              <a:t>10/12/2015</a:t>
+            <a:fld id="{71DCD843-BB6A-9846-8C29-3857CABDEE33}" type="datetime1">
+              <a:rPr lang="en-IN" smtClean="0"/>
+              <a:t>13/03/19</a:t>
             </a:fld>
             <a:endParaRPr lang="en-US"/>
           </a:p>
@@ -2486,7 +3058,13 @@
       </p:sp>
       <p:sp>
         <p:nvSpPr>
-          <p:cNvPr id="6" name="Footer Placeholder 5"/>
+          <p:cNvPr id="6" name="Footer Placeholder 5">
+            <a:extLst>
+              <a:ext uri="{FF2B5EF4-FFF2-40B4-BE49-F238E27FC236}">
+                <a16:creationId xmlns:a16="http://schemas.microsoft.com/office/drawing/2014/main" id="{13BC6D14-6E0C-934B-8650-E237EB3D1077}"/>
+              </a:ext>
+            </a:extLst>
+          </p:cNvPr>
           <p:cNvSpPr>
             <a:spLocks noGrp="1"/>
           </p:cNvSpPr>
@@ -2505,7 +3083,13 @@
       </p:sp>
       <p:sp>
         <p:nvSpPr>
-          <p:cNvPr id="7" name="Slide Number Placeholder 6"/>
+          <p:cNvPr id="7" name="Slide Number Placeholder 6">
+            <a:extLst>
+              <a:ext uri="{FF2B5EF4-FFF2-40B4-BE49-F238E27FC236}">
+                <a16:creationId xmlns:a16="http://schemas.microsoft.com/office/drawing/2014/main" id="{3E146A77-4128-7546-BA54-6ECBB1A159AA}"/>
+              </a:ext>
+            </a:extLst>
+          </p:cNvPr>
           <p:cNvSpPr>
             <a:spLocks noGrp="1"/>
           </p:cNvSpPr>
@@ -2513,12 +3097,7 @@
             <p:ph type="sldNum" sz="quarter" idx="12"/>
           </p:nvPr>
         </p:nvSpPr>
-        <p:spPr>
-          <a:xfrm>
-            <a:off x="8077200" y="6356350"/>
-            <a:ext cx="609600" cy="365125"/>
-          </a:xfrm>
-        </p:spPr>
+        <p:spPr/>
         <p:txBody>
           <a:bodyPr/>
           <a:lstStyle/>
@@ -2532,309 +3111,12 @@
           </a:p>
         </p:txBody>
       </p:sp>
-      <p:sp>
-        <p:nvSpPr>
-          <p:cNvPr id="3" name="Picture Placeholder 2"/>
-          <p:cNvSpPr>
-            <a:spLocks noGrp="1"/>
-          </p:cNvSpPr>
-          <p:nvPr>
-            <p:ph type="pic" idx="1"/>
-          </p:nvPr>
-        </p:nvSpPr>
-        <p:spPr>
-          <a:xfrm rot="420000">
-            <a:off x="3485793" y="1199517"/>
-            <a:ext cx="4617720" cy="3931920"/>
-          </a:xfrm>
-          <a:prstGeom prst="rect">
-            <a:avLst/>
-          </a:prstGeom>
-          <a:solidFill>
-            <a:schemeClr val="bg2"/>
-          </a:solidFill>
-          <a:ln w="3000" cap="rnd">
-            <a:solidFill>
-              <a:srgbClr val="C0C0C0"/>
-            </a:solidFill>
-            <a:round/>
-          </a:ln>
-          <a:effectLst/>
-        </p:spPr>
-        <p:txBody>
-          <a:bodyPr/>
-          <a:lstStyle>
-            <a:lvl1pPr marL="0" indent="0">
-              <a:buNone/>
-              <a:defRPr sz="3200"/>
-            </a:lvl1pPr>
-          </a:lstStyle>
-          <a:p>
-            <a:r>
-              <a:rPr kumimoji="0" lang="en-US" smtClean="0"/>
-              <a:t>Click icon to add picture</a:t>
-            </a:r>
-            <a:endParaRPr kumimoji="0" lang="en-US" dirty="0"/>
-          </a:p>
-        </p:txBody>
-      </p:sp>
-      <p:sp>
-        <p:nvSpPr>
-          <p:cNvPr id="10" name="Freeform 9"/>
-          <p:cNvSpPr>
-            <a:spLocks/>
-          </p:cNvSpPr>
-          <p:nvPr/>
-        </p:nvSpPr>
-        <p:spPr bwMode="auto">
-          <a:xfrm flipV="1">
-            <a:off x="-9525" y="5816600"/>
-            <a:ext cx="9163050" cy="1041400"/>
-          </a:xfrm>
-          <a:custGeom>
-            <a:avLst>
-              <a:gd name="A1" fmla="val 0"/>
-              <a:gd name="A2" fmla="val 0"/>
-              <a:gd name="A3" fmla="val 0"/>
-              <a:gd name="A4" fmla="val 0"/>
-              <a:gd name="A5" fmla="val 0"/>
-              <a:gd name="A6" fmla="val 0"/>
-              <a:gd name="A7" fmla="val 0"/>
-              <a:gd name="A8" fmla="val 0"/>
-            </a:avLst>
-            <a:gdLst/>
-            <a:ahLst/>
-            <a:cxnLst>
-              <a:cxn ang="0">
-                <a:pos x="6" y="2"/>
-              </a:cxn>
-              <a:cxn ang="0">
-                <a:pos x="2542" y="0"/>
-              </a:cxn>
-              <a:cxn ang="0">
-                <a:pos x="4374" y="367"/>
-              </a:cxn>
-              <a:cxn ang="0">
-                <a:pos x="5766" y="55"/>
-              </a:cxn>
-              <a:cxn ang="0">
-                <a:pos x="5772" y="213"/>
-              </a:cxn>
-              <a:cxn ang="0">
-                <a:pos x="4302" y="439"/>
-              </a:cxn>
-              <a:cxn ang="0">
-                <a:pos x="1488" y="201"/>
-              </a:cxn>
-              <a:cxn ang="0">
-                <a:pos x="0" y="656"/>
-              </a:cxn>
-              <a:cxn ang="0">
-                <a:pos x="6" y="2"/>
-              </a:cxn>
-            </a:cxnLst>
-            <a:rect l="0" t="0" r="0" b="0"/>
-            <a:pathLst>
-              <a:path w="5772" h="656">
-                <a:moveTo>
-                  <a:pt x="6" y="2"/>
-                </a:moveTo>
-                <a:lnTo>
-                  <a:pt x="2542" y="0"/>
-                </a:lnTo>
-                <a:cubicBezTo>
-                  <a:pt x="2746" y="101"/>
-                  <a:pt x="3828" y="367"/>
-                  <a:pt x="4374" y="367"/>
-                </a:cubicBezTo>
-                <a:cubicBezTo>
-                  <a:pt x="4920" y="367"/>
-                  <a:pt x="5526" y="152"/>
-                  <a:pt x="5766" y="55"/>
-                </a:cubicBezTo>
-                <a:lnTo>
-                  <a:pt x="5772" y="213"/>
-                </a:lnTo>
-                <a:cubicBezTo>
-                  <a:pt x="5670" y="257"/>
-                  <a:pt x="5016" y="441"/>
-                  <a:pt x="4302" y="439"/>
-                </a:cubicBezTo>
-                <a:cubicBezTo>
-                  <a:pt x="3588" y="437"/>
-                  <a:pt x="2205" y="165"/>
-                  <a:pt x="1488" y="201"/>
-                </a:cubicBezTo>
-                <a:cubicBezTo>
-                  <a:pt x="750" y="209"/>
-                  <a:pt x="270" y="482"/>
-                  <a:pt x="0" y="656"/>
-                </a:cubicBezTo>
-                <a:lnTo>
-                  <a:pt x="6" y="2"/>
-                </a:lnTo>
-                <a:close/>
-              </a:path>
-            </a:pathLst>
-          </a:custGeom>
-          <a:gradFill>
-            <a:gsLst>
-              <a:gs pos="0">
-                <a:schemeClr val="accent2">
-                  <a:shade val="50000"/>
-                  <a:alpha val="45000"/>
-                  <a:satMod val="120000"/>
-                </a:schemeClr>
-              </a:gs>
-              <a:gs pos="100000">
-                <a:schemeClr val="accent3">
-                  <a:shade val="80000"/>
-                  <a:alpha val="55000"/>
-                  <a:satMod val="155000"/>
-                </a:schemeClr>
-              </a:gs>
-            </a:gsLst>
-            <a:lin ang="5400000" scaled="1"/>
-          </a:gradFill>
-          <a:ln w="9525" cap="flat" cmpd="sng" algn="ctr">
-            <a:noFill/>
-            <a:prstDash val="solid"/>
-            <a:round/>
-            <a:headEnd type="none" w="med" len="med"/>
-            <a:tailEnd type="none" w="med" len="med"/>
-          </a:ln>
-          <a:effectLst/>
-        </p:spPr>
-        <p:txBody>
-          <a:bodyPr vert="horz" wrap="square" lIns="91440" tIns="45720" rIns="91440" bIns="45720" anchor="t" compatLnSpc="1"/>
-          <a:lstStyle/>
-          <a:p>
-            <a:pPr marL="0" algn="l" rtl="0" eaLnBrk="1" latinLnBrk="0" hangingPunct="1"/>
-            <a:endParaRPr kumimoji="0" lang="en-US">
-              <a:solidFill>
-                <a:schemeClr val="tx1"/>
-              </a:solidFill>
-              <a:latin typeface="+mn-lt"/>
-              <a:ea typeface="+mn-ea"/>
-              <a:cs typeface="+mn-cs"/>
-            </a:endParaRPr>
-          </a:p>
-        </p:txBody>
-      </p:sp>
-      <p:sp>
-        <p:nvSpPr>
-          <p:cNvPr id="11" name="Freeform 10"/>
-          <p:cNvSpPr>
-            <a:spLocks/>
-          </p:cNvSpPr>
-          <p:nvPr/>
-        </p:nvSpPr>
-        <p:spPr bwMode="auto">
-          <a:xfrm flipV="1">
-            <a:off x="4381500" y="6219825"/>
-            <a:ext cx="4762500" cy="638175"/>
-          </a:xfrm>
-          <a:custGeom>
-            <a:avLst>
-              <a:gd name="A1" fmla="val 0"/>
-              <a:gd name="A2" fmla="val 0"/>
-              <a:gd name="A3" fmla="val 0"/>
-              <a:gd name="A4" fmla="val 0"/>
-              <a:gd name="A5" fmla="val 0"/>
-              <a:gd name="A6" fmla="val 0"/>
-              <a:gd name="A7" fmla="val 0"/>
-              <a:gd name="A8" fmla="val 0"/>
-            </a:avLst>
-            <a:gdLst/>
-            <a:ahLst/>
-            <a:cxnLst>
-              <a:cxn ang="0">
-                <a:pos x="0" y="0"/>
-              </a:cxn>
-              <a:cxn ang="0">
-                <a:pos x="1668" y="564"/>
-              </a:cxn>
-              <a:cxn ang="0">
-                <a:pos x="3000" y="186"/>
-              </a:cxn>
-              <a:cxn ang="0">
-                <a:pos x="3000" y="6"/>
-              </a:cxn>
-              <a:cxn ang="0">
-                <a:pos x="0" y="0"/>
-              </a:cxn>
-            </a:cxnLst>
-            <a:rect l="0" t="0" r="0" b="0"/>
-            <a:pathLst>
-              <a:path w="3000" h="595">
-                <a:moveTo>
-                  <a:pt x="0" y="0"/>
-                </a:moveTo>
-                <a:cubicBezTo>
-                  <a:pt x="174" y="102"/>
-                  <a:pt x="1168" y="533"/>
-                  <a:pt x="1668" y="564"/>
-                </a:cubicBezTo>
-                <a:cubicBezTo>
-                  <a:pt x="2168" y="595"/>
-                  <a:pt x="2778" y="279"/>
-                  <a:pt x="3000" y="186"/>
-                </a:cubicBezTo>
-                <a:lnTo>
-                  <a:pt x="3000" y="6"/>
-                </a:lnTo>
-                <a:lnTo>
-                  <a:pt x="0" y="0"/>
-                </a:lnTo>
-                <a:close/>
-              </a:path>
-            </a:pathLst>
-          </a:custGeom>
-          <a:gradFill>
-            <a:gsLst>
-              <a:gs pos="0">
-                <a:schemeClr val="accent3">
-                  <a:shade val="50000"/>
-                  <a:alpha val="30000"/>
-                  <a:satMod val="130000"/>
-                </a:schemeClr>
-              </a:gs>
-              <a:gs pos="80000">
-                <a:schemeClr val="accent2">
-                  <a:shade val="75000"/>
-                  <a:alpha val="45000"/>
-                  <a:satMod val="140000"/>
-                </a:schemeClr>
-              </a:gs>
-            </a:gsLst>
-            <a:lin ang="5400000" scaled="1"/>
-          </a:gradFill>
-          <a:ln w="9525" cap="flat" cmpd="sng" algn="ctr">
-            <a:noFill/>
-            <a:prstDash val="solid"/>
-            <a:round/>
-            <a:headEnd type="none" w="med" len="med"/>
-            <a:tailEnd type="none" w="med" len="med"/>
-          </a:ln>
-          <a:effectLst/>
-        </p:spPr>
-        <p:txBody>
-          <a:bodyPr vert="horz" wrap="square" lIns="91440" tIns="45720" rIns="91440" bIns="45720" anchor="t" compatLnSpc="1"/>
-          <a:lstStyle/>
-          <a:p>
-            <a:pPr marL="0" algn="l" rtl="0" eaLnBrk="1" latinLnBrk="0" hangingPunct="1"/>
-            <a:endParaRPr kumimoji="0" lang="en-US">
-              <a:solidFill>
-                <a:schemeClr val="tx1"/>
-              </a:solidFill>
-              <a:latin typeface="+mn-lt"/>
-              <a:ea typeface="+mn-ea"/>
-              <a:cs typeface="+mn-cs"/>
-            </a:endParaRPr>
-          </a:p>
-        </p:txBody>
-      </p:sp>
     </p:spTree>
+    <p:extLst>
+      <p:ext uri="{BB962C8B-B14F-4D97-AF65-F5344CB8AC3E}">
+        <p14:creationId xmlns:p14="http://schemas.microsoft.com/office/powerpoint/2010/main" val="4291575924"/>
+      </p:ext>
+    </p:extLst>
   </p:cSld>
   <p:clrMapOvr>
     <a:masterClrMapping/>
@@ -2846,8 +3128,8 @@
 <p:sldMaster xmlns:a="http://schemas.openxmlformats.org/drawingml/2006/main" xmlns:r="http://schemas.openxmlformats.org/officeDocument/2006/relationships" xmlns:p="http://schemas.openxmlformats.org/presentationml/2006/main">
   <p:cSld>
     <p:bg>
-      <p:bgRef idx="1002">
-        <a:schemeClr val="bg2"/>
+      <p:bgRef idx="1001">
+        <a:schemeClr val="bg1"/>
       </p:bgRef>
     </p:bg>
     <p:spTree>
@@ -2866,263 +3148,13 @@
       </p:grpSpPr>
       <p:sp>
         <p:nvSpPr>
-          <p:cNvPr id="7" name="Freeform 6"/>
-          <p:cNvSpPr>
-            <a:spLocks/>
-          </p:cNvSpPr>
-          <p:nvPr/>
-        </p:nvSpPr>
-        <p:spPr bwMode="auto">
-          <a:xfrm>
-            <a:off x="-9525" y="-7144"/>
-            <a:ext cx="9163050" cy="1041400"/>
-          </a:xfrm>
-          <a:custGeom>
-            <a:avLst>
-              <a:gd name="A1" fmla="val 0"/>
-              <a:gd name="A2" fmla="val 0"/>
-              <a:gd name="A3" fmla="val 0"/>
-              <a:gd name="A4" fmla="val 0"/>
-              <a:gd name="A5" fmla="val 0"/>
-              <a:gd name="A6" fmla="val 0"/>
-              <a:gd name="A7" fmla="val 0"/>
-              <a:gd name="A8" fmla="val 0"/>
-            </a:avLst>
-            <a:gdLst/>
-            <a:ahLst/>
-            <a:cxnLst>
-              <a:cxn ang="0">
-                <a:pos x="6" y="2"/>
-              </a:cxn>
-              <a:cxn ang="0">
-                <a:pos x="2542" y="0"/>
-              </a:cxn>
-              <a:cxn ang="0">
-                <a:pos x="4374" y="367"/>
-              </a:cxn>
-              <a:cxn ang="0">
-                <a:pos x="5766" y="55"/>
-              </a:cxn>
-              <a:cxn ang="0">
-                <a:pos x="5772" y="213"/>
-              </a:cxn>
-              <a:cxn ang="0">
-                <a:pos x="4302" y="439"/>
-              </a:cxn>
-              <a:cxn ang="0">
-                <a:pos x="1488" y="201"/>
-              </a:cxn>
-              <a:cxn ang="0">
-                <a:pos x="0" y="656"/>
-              </a:cxn>
-              <a:cxn ang="0">
-                <a:pos x="6" y="2"/>
-              </a:cxn>
-            </a:cxnLst>
-            <a:rect l="0" t="0" r="0" b="0"/>
-            <a:pathLst>
-              <a:path w="5772" h="656">
-                <a:moveTo>
-                  <a:pt x="6" y="2"/>
-                </a:moveTo>
-                <a:lnTo>
-                  <a:pt x="2542" y="0"/>
-                </a:lnTo>
-                <a:cubicBezTo>
-                  <a:pt x="2746" y="101"/>
-                  <a:pt x="3828" y="367"/>
-                  <a:pt x="4374" y="367"/>
-                </a:cubicBezTo>
-                <a:cubicBezTo>
-                  <a:pt x="4920" y="367"/>
-                  <a:pt x="5526" y="152"/>
-                  <a:pt x="5766" y="55"/>
-                </a:cubicBezTo>
-                <a:lnTo>
-                  <a:pt x="5772" y="213"/>
-                </a:lnTo>
-                <a:cubicBezTo>
-                  <a:pt x="5670" y="257"/>
-                  <a:pt x="5016" y="441"/>
-                  <a:pt x="4302" y="439"/>
-                </a:cubicBezTo>
-                <a:cubicBezTo>
-                  <a:pt x="3588" y="437"/>
-                  <a:pt x="2205" y="165"/>
-                  <a:pt x="1488" y="201"/>
-                </a:cubicBezTo>
-                <a:cubicBezTo>
-                  <a:pt x="750" y="209"/>
-                  <a:pt x="270" y="482"/>
-                  <a:pt x="0" y="656"/>
-                </a:cubicBezTo>
-                <a:lnTo>
-                  <a:pt x="6" y="2"/>
-                </a:lnTo>
-                <a:close/>
-              </a:path>
-            </a:pathLst>
-          </a:custGeom>
-          <a:gradFill>
-            <a:gsLst>
-              <a:gs pos="0">
-                <a:schemeClr val="accent2">
-                  <a:shade val="50000"/>
-                  <a:alpha val="45000"/>
-                  <a:satMod val="120000"/>
-                </a:schemeClr>
-              </a:gs>
-              <a:gs pos="100000">
-                <a:schemeClr val="accent3">
-                  <a:shade val="80000"/>
-                  <a:alpha val="55000"/>
-                  <a:satMod val="155000"/>
-                </a:schemeClr>
-              </a:gs>
-            </a:gsLst>
-            <a:lin ang="5400000" scaled="1"/>
-          </a:gradFill>
-          <a:ln w="9525" cap="flat" cmpd="sng" algn="ctr">
-            <a:noFill/>
-            <a:prstDash val="solid"/>
-            <a:round/>
-            <a:headEnd type="none" w="med" len="med"/>
-            <a:tailEnd type="none" w="med" len="med"/>
-          </a:ln>
-          <a:effectLst/>
-        </p:spPr>
-        <p:txBody>
-          <a:bodyPr vert="horz" wrap="square" lIns="91440" tIns="45720" rIns="91440" bIns="45720" anchor="t" compatLnSpc="1"/>
-          <a:lstStyle/>
-          <a:p>
-            <a:pPr marL="0" algn="l" rtl="0" eaLnBrk="1" latinLnBrk="0" hangingPunct="1"/>
-            <a:endParaRPr kumimoji="0" lang="en-US">
-              <a:solidFill>
-                <a:schemeClr val="tx1"/>
-              </a:solidFill>
-              <a:latin typeface="+mn-lt"/>
-              <a:ea typeface="+mn-ea"/>
-              <a:cs typeface="+mn-cs"/>
-            </a:endParaRPr>
-          </a:p>
-        </p:txBody>
-      </p:sp>
-      <p:sp>
-        <p:nvSpPr>
-          <p:cNvPr id="8" name="Freeform 7"/>
-          <p:cNvSpPr>
-            <a:spLocks/>
-          </p:cNvSpPr>
-          <p:nvPr/>
-        </p:nvSpPr>
-        <p:spPr bwMode="auto">
-          <a:xfrm>
-            <a:off x="4381500" y="-7144"/>
-            <a:ext cx="4762500" cy="638175"/>
-          </a:xfrm>
-          <a:custGeom>
-            <a:avLst>
-              <a:gd name="A1" fmla="val 0"/>
-              <a:gd name="A2" fmla="val 0"/>
-              <a:gd name="A3" fmla="val 0"/>
-              <a:gd name="A4" fmla="val 0"/>
-              <a:gd name="A5" fmla="val 0"/>
-              <a:gd name="A6" fmla="val 0"/>
-              <a:gd name="A7" fmla="val 0"/>
-              <a:gd name="A8" fmla="val 0"/>
-            </a:avLst>
-            <a:gdLst/>
-            <a:ahLst/>
-            <a:cxnLst>
-              <a:cxn ang="0">
-                <a:pos x="0" y="0"/>
-              </a:cxn>
-              <a:cxn ang="0">
-                <a:pos x="1668" y="564"/>
-              </a:cxn>
-              <a:cxn ang="0">
-                <a:pos x="3000" y="186"/>
-              </a:cxn>
-              <a:cxn ang="0">
-                <a:pos x="3000" y="6"/>
-              </a:cxn>
-              <a:cxn ang="0">
-                <a:pos x="0" y="0"/>
-              </a:cxn>
-            </a:cxnLst>
-            <a:rect l="0" t="0" r="0" b="0"/>
-            <a:pathLst>
-              <a:path w="3000" h="595">
-                <a:moveTo>
-                  <a:pt x="0" y="0"/>
-                </a:moveTo>
-                <a:cubicBezTo>
-                  <a:pt x="174" y="102"/>
-                  <a:pt x="1168" y="533"/>
-                  <a:pt x="1668" y="564"/>
-                </a:cubicBezTo>
-                <a:cubicBezTo>
-                  <a:pt x="2168" y="595"/>
-                  <a:pt x="2778" y="279"/>
-                  <a:pt x="3000" y="186"/>
-                </a:cubicBezTo>
-                <a:lnTo>
-                  <a:pt x="3000" y="6"/>
-                </a:lnTo>
-                <a:lnTo>
-                  <a:pt x="0" y="0"/>
-                </a:lnTo>
-                <a:close/>
-              </a:path>
-            </a:pathLst>
-          </a:custGeom>
-          <a:gradFill>
-            <a:gsLst>
-              <a:gs pos="0">
-                <a:schemeClr val="accent3">
-                  <a:shade val="50000"/>
-                  <a:alpha val="30000"/>
-                  <a:satMod val="130000"/>
-                </a:schemeClr>
-              </a:gs>
-              <a:gs pos="80000">
-                <a:schemeClr val="accent2">
-                  <a:shade val="75000"/>
-                  <a:alpha val="45000"/>
-                  <a:satMod val="140000"/>
-                </a:schemeClr>
-              </a:gs>
-            </a:gsLst>
-            <a:lin ang="5400000" scaled="1"/>
-          </a:gradFill>
-          <a:ln w="9525" cap="flat" cmpd="sng" algn="ctr">
-            <a:noFill/>
-            <a:prstDash val="solid"/>
-            <a:round/>
-            <a:headEnd type="none" w="med" len="med"/>
-            <a:tailEnd type="none" w="med" len="med"/>
-          </a:ln>
-          <a:effectLst/>
-        </p:spPr>
-        <p:txBody>
-          <a:bodyPr vert="horz" wrap="square" lIns="91440" tIns="45720" rIns="91440" bIns="45720" anchor="t" compatLnSpc="1"/>
-          <a:lstStyle/>
-          <a:p>
-            <a:pPr marL="0" algn="l" rtl="0" eaLnBrk="1" latinLnBrk="0" hangingPunct="1"/>
-            <a:endParaRPr kumimoji="0" lang="en-US">
-              <a:solidFill>
-                <a:schemeClr val="tx1"/>
-              </a:solidFill>
-              <a:latin typeface="+mn-lt"/>
-              <a:ea typeface="+mn-ea"/>
-              <a:cs typeface="+mn-cs"/>
-            </a:endParaRPr>
-          </a:p>
-        </p:txBody>
-      </p:sp>
-      <p:sp>
-        <p:nvSpPr>
-          <p:cNvPr id="9" name="Title Placeholder 8"/>
+          <p:cNvPr id="2" name="Title Placeholder 1">
+            <a:extLst>
+              <a:ext uri="{FF2B5EF4-FFF2-40B4-BE49-F238E27FC236}">
+                <a16:creationId xmlns:a16="http://schemas.microsoft.com/office/drawing/2014/main" id="{7F316098-E2D6-554C-91D6-6A6B4A5DD92A}"/>
+              </a:ext>
+            </a:extLst>
+          </p:cNvPr>
           <p:cNvSpPr>
             <a:spLocks noGrp="1"/>
           </p:cNvSpPr>
@@ -3132,30 +3164,35 @@
         </p:nvSpPr>
         <p:spPr>
           <a:xfrm>
-            <a:off x="457200" y="704088"/>
-            <a:ext cx="8229600" cy="1143000"/>
+            <a:off x="628650" y="365126"/>
+            <a:ext cx="7886700" cy="1325563"/>
           </a:xfrm>
           <a:prstGeom prst="rect">
             <a:avLst/>
           </a:prstGeom>
         </p:spPr>
         <p:txBody>
-          <a:bodyPr vert="horz" lIns="0" rIns="0" bIns="0" anchor="b">
+          <a:bodyPr vert="horz" lIns="91440" tIns="45720" rIns="91440" bIns="45720" rtlCol="0" anchor="ctr">
             <a:normAutofit/>
           </a:bodyPr>
           <a:lstStyle/>
           <a:p>
             <a:r>
-              <a:rPr kumimoji="0" lang="en-US" smtClean="0"/>
+              <a:rPr lang="en-US"/>
               <a:t>Click to edit Master title style</a:t>
             </a:r>
-            <a:endParaRPr kumimoji="0" lang="en-US"/>
-          </a:p>
-        </p:txBody>
-      </p:sp>
-      <p:sp>
-        <p:nvSpPr>
-          <p:cNvPr id="30" name="Text Placeholder 29"/>
+          </a:p>
+        </p:txBody>
+      </p:sp>
+      <p:sp>
+        <p:nvSpPr>
+          <p:cNvPr id="3" name="Text Placeholder 2">
+            <a:extLst>
+              <a:ext uri="{FF2B5EF4-FFF2-40B4-BE49-F238E27FC236}">
+                <a16:creationId xmlns:a16="http://schemas.microsoft.com/office/drawing/2014/main" id="{F2BE32BF-4EA9-4047-B672-189ABC03139D}"/>
+              </a:ext>
+            </a:extLst>
+          </p:cNvPr>
           <p:cNvSpPr>
             <a:spLocks noGrp="1"/>
           </p:cNvSpPr>
@@ -3165,59 +3202,64 @@
         </p:nvSpPr>
         <p:spPr>
           <a:xfrm>
-            <a:off x="457200" y="1935480"/>
-            <a:ext cx="8229600" cy="4389120"/>
+            <a:off x="628650" y="1825625"/>
+            <a:ext cx="7886700" cy="4351338"/>
           </a:xfrm>
           <a:prstGeom prst="rect">
             <a:avLst/>
           </a:prstGeom>
         </p:spPr>
         <p:txBody>
-          <a:bodyPr vert="horz">
+          <a:bodyPr vert="horz" lIns="91440" tIns="45720" rIns="91440" bIns="45720" rtlCol="0">
             <a:normAutofit/>
           </a:bodyPr>
           <a:lstStyle/>
           <a:p>
-            <a:pPr lvl="0" eaLnBrk="1" latinLnBrk="0" hangingPunct="1"/>
-            <a:r>
-              <a:rPr kumimoji="0" lang="en-US" smtClean="0"/>
+            <a:pPr lvl="0"/>
+            <a:r>
+              <a:rPr lang="en-US"/>
               <a:t>Click to edit Master text styles</a:t>
             </a:r>
           </a:p>
           <a:p>
-            <a:pPr lvl="1" eaLnBrk="1" latinLnBrk="0" hangingPunct="1"/>
-            <a:r>
-              <a:rPr kumimoji="0" lang="en-US" smtClean="0"/>
+            <a:pPr lvl="1"/>
+            <a:r>
+              <a:rPr lang="en-US"/>
               <a:t>Second level</a:t>
             </a:r>
           </a:p>
           <a:p>
-            <a:pPr lvl="2" eaLnBrk="1" latinLnBrk="0" hangingPunct="1"/>
-            <a:r>
-              <a:rPr kumimoji="0" lang="en-US" smtClean="0"/>
+            <a:pPr lvl="2"/>
+            <a:r>
+              <a:rPr lang="en-US"/>
               <a:t>Third level</a:t>
             </a:r>
           </a:p>
           <a:p>
-            <a:pPr lvl="3" eaLnBrk="1" latinLnBrk="0" hangingPunct="1"/>
-            <a:r>
-              <a:rPr kumimoji="0" lang="en-US" smtClean="0"/>
+            <a:pPr lvl="3"/>
+            <a:r>
+              <a:rPr lang="en-US"/>
               <a:t>Fourth level</a:t>
             </a:r>
           </a:p>
           <a:p>
-            <a:pPr lvl="4" eaLnBrk="1" latinLnBrk="0" hangingPunct="1"/>
-            <a:r>
-              <a:rPr kumimoji="0" lang="en-US" smtClean="0"/>
+            <a:pPr lvl="4"/>
+            <a:r>
+              <a:rPr lang="en-US"/>
               <a:t>Fifth level</a:t>
             </a:r>
-            <a:endParaRPr kumimoji="0" lang="en-US"/>
-          </a:p>
-        </p:txBody>
-      </p:sp>
-      <p:sp>
-        <p:nvSpPr>
-          <p:cNvPr id="10" name="Date Placeholder 9"/>
+          </a:p>
+        </p:txBody>
+      </p:sp>
+      <p:sp>
+        <p:nvSpPr>
+          <p:cNvPr id="4" name="Date Placeholder 3">
+            <a:extLst>
+              <a:ext uri="{FF2B5EF4-FFF2-40B4-BE49-F238E27FC236}">
+                <a16:creationId xmlns:a16="http://schemas.microsoft.com/office/drawing/2014/main" id="{750B68C5-EE67-D94D-9B3F-3B8D115050A9}"/>
+              </a:ext>
+            </a:extLst>
+          </p:cNvPr>
           <p:cNvSpPr>
             <a:spLocks noGrp="1"/>
           </p:cNvSpPr>
@@ -3227,31 +3269,30 @@
         </p:nvSpPr>
         <p:spPr>
           <a:xfrm>
-            <a:off x="457200" y="6356350"/>
-            <a:ext cx="2133600" cy="365125"/>
+            <a:off x="628650" y="6356351"/>
+            <a:ext cx="2057400" cy="365125"/>
           </a:xfrm>
           <a:prstGeom prst="rect">
             <a:avLst/>
           </a:prstGeom>
         </p:spPr>
         <p:txBody>
-          <a:bodyPr vert="horz" lIns="0" tIns="0" rIns="0" bIns="0" anchor="b"/>
+          <a:bodyPr vert="horz" lIns="91440" tIns="45720" rIns="91440" bIns="45720" rtlCol="0" anchor="ctr"/>
           <a:lstStyle>
-            <a:lvl1pPr algn="l" eaLnBrk="1" latinLnBrk="0" hangingPunct="1">
-              <a:defRPr kumimoji="0" sz="1200">
+            <a:lvl1pPr algn="l">
+              <a:defRPr sz="900">
                 <a:solidFill>
-                  <a:schemeClr val="tx2">
-                    <a:shade val="90000"/>
+                  <a:schemeClr val="tx1">
+                    <a:tint val="75000"/>
                   </a:schemeClr>
                 </a:solidFill>
               </a:defRPr>
             </a:lvl1pPr>
           </a:lstStyle>
           <a:p>
-            <a:fld id="{1D8BD707-D9CF-40AE-B4C6-C98DA3205C09}" type="datetimeFigureOut">
-              <a:rPr lang="en-US" smtClean="0"/>
-              <a:pPr/>
-              <a:t>10/12/2015</a:t>
+            <a:fld id="{73C8450A-FC9A-9C4B-A4E9-8CE11B84C092}" type="datetime1">
+              <a:rPr lang="en-IN" smtClean="0"/>
+              <a:t>13/03/19</a:t>
             </a:fld>
             <a:endParaRPr lang="en-US"/>
           </a:p>
@@ -3259,7 +3300,13 @@
       </p:sp>
       <p:sp>
         <p:nvSpPr>
-          <p:cNvPr id="22" name="Footer Placeholder 21"/>
+          <p:cNvPr id="5" name="Footer Placeholder 4">
+            <a:extLst>
+              <a:ext uri="{FF2B5EF4-FFF2-40B4-BE49-F238E27FC236}">
+                <a16:creationId xmlns:a16="http://schemas.microsoft.com/office/drawing/2014/main" id="{2D2FBA64-1C5F-9843-A9EB-86DF3EF378C0}"/>
+              </a:ext>
+            </a:extLst>
+          </p:cNvPr>
           <p:cNvSpPr>
             <a:spLocks noGrp="1"/>
           </p:cNvSpPr>
@@ -3269,21 +3316,21 @@
         </p:nvSpPr>
         <p:spPr>
           <a:xfrm>
-            <a:off x="2667000" y="6356350"/>
-            <a:ext cx="3352800" cy="365125"/>
+            <a:off x="3028950" y="6356351"/>
+            <a:ext cx="3086100" cy="365125"/>
           </a:xfrm>
           <a:prstGeom prst="rect">
             <a:avLst/>
           </a:prstGeom>
         </p:spPr>
         <p:txBody>
-          <a:bodyPr vert="horz" lIns="0" tIns="0" rIns="0" bIns="0" anchor="b"/>
+          <a:bodyPr vert="horz" lIns="91440" tIns="45720" rIns="91440" bIns="45720" rtlCol="0" anchor="ctr"/>
           <a:lstStyle>
-            <a:lvl1pPr algn="l" eaLnBrk="1" latinLnBrk="0" hangingPunct="1">
-              <a:defRPr kumimoji="0" sz="1200">
+            <a:lvl1pPr algn="ctr">
+              <a:defRPr sz="900">
                 <a:solidFill>
-                  <a:schemeClr val="tx2">
-                    <a:shade val="90000"/>
+                  <a:schemeClr val="tx1">
+                    <a:tint val="75000"/>
                   </a:schemeClr>
                 </a:solidFill>
               </a:defRPr>
@@ -3296,7 +3343,13 @@
       </p:sp>
       <p:sp>
         <p:nvSpPr>
-          <p:cNvPr id="18" name="Slide Number Placeholder 17"/>
+          <p:cNvPr id="6" name="Slide Number Placeholder 5">
+            <a:extLst>
+              <a:ext uri="{FF2B5EF4-FFF2-40B4-BE49-F238E27FC236}">
+                <a16:creationId xmlns:a16="http://schemas.microsoft.com/office/drawing/2014/main" id="{538A5128-58B9-744D-813D-7A972C7534CC}"/>
+              </a:ext>
+            </a:extLst>
+          </p:cNvPr>
           <p:cNvSpPr>
             <a:spLocks noGrp="1"/>
           </p:cNvSpPr>
@@ -3306,21 +3359,21 @@
         </p:nvSpPr>
         <p:spPr>
           <a:xfrm>
-            <a:off x="7924800" y="6356350"/>
-            <a:ext cx="762000" cy="365125"/>
+            <a:off x="6457950" y="6356351"/>
+            <a:ext cx="2057400" cy="365125"/>
           </a:xfrm>
           <a:prstGeom prst="rect">
             <a:avLst/>
           </a:prstGeom>
         </p:spPr>
         <p:txBody>
-          <a:bodyPr vert="horz" lIns="0" tIns="0" rIns="0" bIns="0" anchor="b"/>
+          <a:bodyPr vert="horz" lIns="91440" tIns="45720" rIns="91440" bIns="45720" rtlCol="0" anchor="ctr"/>
           <a:lstStyle>
-            <a:lvl1pPr algn="r" eaLnBrk="1" latinLnBrk="0" hangingPunct="1">
-              <a:defRPr kumimoji="0" sz="1200">
+            <a:lvl1pPr algn="r">
+              <a:defRPr sz="900">
                 <a:solidFill>
-                  <a:schemeClr val="tx2">
-                    <a:shade val="90000"/>
+                  <a:schemeClr val="tx1">
+                    <a:tint val="75000"/>
                   </a:schemeClr>
                 </a:solidFill>
               </a:defRPr>
@@ -3336,251 +3389,42 @@
           </a:p>
         </p:txBody>
       </p:sp>
-      <p:grpSp>
-        <p:nvGrpSpPr>
-          <p:cNvPr id="2" name="Group 1"/>
-          <p:cNvGrpSpPr/>
-          <p:nvPr/>
-        </p:nvGrpSpPr>
-        <p:grpSpPr>
-          <a:xfrm>
-            <a:off x="-19017" y="202408"/>
-            <a:ext cx="9180548" cy="649224"/>
-            <a:chOff x="-19045" y="216550"/>
-            <a:chExt cx="9180548" cy="649224"/>
-          </a:xfrm>
-        </p:grpSpPr>
-        <p:sp>
-          <p:nvSpPr>
-            <p:cNvPr id="12" name="Freeform 11"/>
-            <p:cNvSpPr>
-              <a:spLocks/>
-            </p:cNvSpPr>
-            <p:nvPr/>
-          </p:nvSpPr>
-          <p:spPr bwMode="auto">
-            <a:xfrm rot="21435692">
-              <a:off x="-19045" y="216550"/>
-              <a:ext cx="9163050" cy="649224"/>
-            </a:xfrm>
-            <a:custGeom>
-              <a:avLst>
-                <a:gd name="A1" fmla="val 0"/>
-                <a:gd name="A2" fmla="val 0"/>
-                <a:gd name="A3" fmla="val 0"/>
-                <a:gd name="A4" fmla="val 0"/>
-                <a:gd name="A5" fmla="val 0"/>
-                <a:gd name="A6" fmla="val 0"/>
-                <a:gd name="A7" fmla="val 0"/>
-                <a:gd name="A8" fmla="val 0"/>
-              </a:avLst>
-              <a:gdLst/>
-              <a:ahLst/>
-              <a:cxnLst>
-                <a:cxn ang="0">
-                  <a:pos x="0" y="966"/>
-                </a:cxn>
-                <a:cxn ang="0">
-                  <a:pos x="1608" y="282"/>
-                </a:cxn>
-                <a:cxn ang="0">
-                  <a:pos x="4110" y="1008"/>
-                </a:cxn>
-                <a:cxn ang="0">
-                  <a:pos x="5772" y="0"/>
-                </a:cxn>
-              </a:cxnLst>
-              <a:rect l="0" t="0" r="0" b="0"/>
-              <a:pathLst>
-                <a:path w="5772" h="1055">
-                  <a:moveTo>
-                    <a:pt x="0" y="966"/>
-                  </a:moveTo>
-                  <a:cubicBezTo>
-                    <a:pt x="282" y="738"/>
-                    <a:pt x="923" y="275"/>
-                    <a:pt x="1608" y="282"/>
-                  </a:cubicBezTo>
-                  <a:cubicBezTo>
-                    <a:pt x="2293" y="289"/>
-                    <a:pt x="3416" y="1055"/>
-                    <a:pt x="4110" y="1008"/>
-                  </a:cubicBezTo>
-                  <a:cubicBezTo>
-                    <a:pt x="4804" y="961"/>
-                    <a:pt x="5426" y="210"/>
-                    <a:pt x="5772" y="0"/>
-                  </a:cubicBezTo>
-                </a:path>
-              </a:pathLst>
-            </a:custGeom>
-            <a:noFill/>
-            <a:ln w="10795" cap="flat" cmpd="sng" algn="ctr">
-              <a:gradFill>
-                <a:gsLst>
-                  <a:gs pos="74000">
-                    <a:schemeClr val="accent3">
-                      <a:shade val="75000"/>
-                    </a:schemeClr>
-                  </a:gs>
-                  <a:gs pos="86000">
-                    <a:schemeClr val="tx1">
-                      <a:alpha val="29000"/>
-                    </a:schemeClr>
-                  </a:gs>
-                  <a:gs pos="16000">
-                    <a:schemeClr val="accent2">
-                      <a:shade val="75000"/>
-                      <a:alpha val="56000"/>
-                    </a:schemeClr>
-                  </a:gs>
-                </a:gsLst>
-                <a:lin ang="5400000" scaled="1"/>
-              </a:gradFill>
-              <a:prstDash val="solid"/>
-              <a:round/>
-              <a:headEnd type="none" w="med" len="med"/>
-              <a:tailEnd type="none" w="med" len="med"/>
-            </a:ln>
-            <a:effectLst/>
-          </p:spPr>
-          <p:txBody>
-            <a:bodyPr vert="horz" wrap="square" lIns="91440" tIns="45720" rIns="91440" bIns="45720" anchor="t" compatLnSpc="1"/>
-            <a:lstStyle/>
-            <a:p>
-              <a:endParaRPr kumimoji="0" lang="en-US"/>
-            </a:p>
-          </p:txBody>
-        </p:sp>
-        <p:sp>
-          <p:nvSpPr>
-            <p:cNvPr id="13" name="Freeform 12"/>
-            <p:cNvSpPr>
-              <a:spLocks/>
-            </p:cNvSpPr>
-            <p:nvPr/>
-          </p:nvSpPr>
-          <p:spPr bwMode="auto">
-            <a:xfrm rot="21435692">
-              <a:off x="-14309" y="290003"/>
-              <a:ext cx="9175812" cy="530352"/>
-            </a:xfrm>
-            <a:custGeom>
-              <a:avLst>
-                <a:gd name="A1" fmla="val 0"/>
-                <a:gd name="A2" fmla="val 0"/>
-                <a:gd name="A3" fmla="val 0"/>
-                <a:gd name="A4" fmla="val 0"/>
-                <a:gd name="A5" fmla="val 0"/>
-                <a:gd name="A6" fmla="val 0"/>
-                <a:gd name="A7" fmla="val 0"/>
-                <a:gd name="A8" fmla="val 0"/>
-              </a:avLst>
-              <a:gdLst/>
-              <a:ahLst/>
-              <a:cxnLst>
-                <a:cxn ang="0">
-                  <a:pos x="0" y="732"/>
-                </a:cxn>
-                <a:cxn ang="0">
-                  <a:pos x="1638" y="228"/>
-                </a:cxn>
-                <a:cxn ang="0">
-                  <a:pos x="4122" y="816"/>
-                </a:cxn>
-                <a:cxn ang="0">
-                  <a:pos x="5766" y="0"/>
-                </a:cxn>
-              </a:cxnLst>
-              <a:rect l="0" t="0" r="0" b="0"/>
-              <a:pathLst>
-                <a:path w="5766" h="854">
-                  <a:moveTo>
-                    <a:pt x="0" y="732"/>
-                  </a:moveTo>
-                  <a:cubicBezTo>
-                    <a:pt x="273" y="647"/>
-                    <a:pt x="951" y="214"/>
-                    <a:pt x="1638" y="228"/>
-                  </a:cubicBezTo>
-                  <a:cubicBezTo>
-                    <a:pt x="2325" y="242"/>
-                    <a:pt x="3434" y="854"/>
-                    <a:pt x="4122" y="816"/>
-                  </a:cubicBezTo>
-                  <a:cubicBezTo>
-                    <a:pt x="4810" y="778"/>
-                    <a:pt x="5424" y="170"/>
-                    <a:pt x="5766" y="0"/>
-                  </a:cubicBezTo>
-                </a:path>
-              </a:pathLst>
-            </a:custGeom>
-            <a:noFill/>
-            <a:ln w="9525" cap="flat" cmpd="sng" algn="ctr">
-              <a:gradFill>
-                <a:gsLst>
-                  <a:gs pos="74000">
-                    <a:schemeClr val="accent4"/>
-                  </a:gs>
-                  <a:gs pos="44000">
-                    <a:schemeClr val="accent1"/>
-                  </a:gs>
-                  <a:gs pos="33000">
-                    <a:schemeClr val="accent2">
-                      <a:alpha val="56000"/>
-                    </a:schemeClr>
-                  </a:gs>
-                </a:gsLst>
-                <a:lin ang="5400000" scaled="1"/>
-              </a:gradFill>
-              <a:prstDash val="solid"/>
-              <a:round/>
-              <a:headEnd type="none" w="med" len="med"/>
-              <a:tailEnd type="none" w="med" len="med"/>
-            </a:ln>
-            <a:effectLst/>
-          </p:spPr>
-          <p:txBody>
-            <a:bodyPr vert="horz" wrap="square" lIns="91440" tIns="45720" rIns="91440" bIns="45720" anchor="t" compatLnSpc="1"/>
-            <a:lstStyle/>
-            <a:p>
-              <a:endParaRPr kumimoji="0" lang="en-US"/>
-            </a:p>
-          </p:txBody>
-        </p:sp>
-      </p:grpSp>
     </p:spTree>
+    <p:extLst>
+      <p:ext uri="{BB962C8B-B14F-4D97-AF65-F5344CB8AC3E}">
+        <p14:creationId xmlns:p14="http://schemas.microsoft.com/office/powerpoint/2010/main" val="62376199"/>
+      </p:ext>
+    </p:extLst>
   </p:cSld>
-  <p:clrMap bg1="dk1" tx1="lt1" bg2="dk2" tx2="lt2" accent1="accent1" accent2="accent2" accent3="accent3" accent4="accent4" accent5="accent5" accent6="accent6" hlink="hlink" folHlink="folHlink"/>
+  <p:clrMap bg1="lt1" tx1="dk1" bg2="lt2" tx2="dk2" accent1="accent1" accent2="accent2" accent3="accent3" accent4="accent4" accent5="accent5" accent6="accent6" hlink="hlink" folHlink="folHlink"/>
   <p:sldLayoutIdLst>
-    <p:sldLayoutId id="2147483793" r:id="rId1"/>
-    <p:sldLayoutId id="2147483794" r:id="rId2"/>
-    <p:sldLayoutId id="2147483795" r:id="rId3"/>
-    <p:sldLayoutId id="2147483796" r:id="rId4"/>
-    <p:sldLayoutId id="2147483797" r:id="rId5"/>
-    <p:sldLayoutId id="2147483798" r:id="rId6"/>
-    <p:sldLayoutId id="2147483799" r:id="rId7"/>
-    <p:sldLayoutId id="2147483800" r:id="rId8"/>
-    <p:sldLayoutId id="2147483801" r:id="rId9"/>
-    <p:sldLayoutId id="2147483802" r:id="rId10"/>
-    <p:sldLayoutId id="2147483803" r:id="rId11"/>
+    <p:sldLayoutId id="2147483805" r:id="rId1"/>
+    <p:sldLayoutId id="2147483806" r:id="rId2"/>
+    <p:sldLayoutId id="2147483807" r:id="rId3"/>
+    <p:sldLayoutId id="2147483808" r:id="rId4"/>
+    <p:sldLayoutId id="2147483809" r:id="rId5"/>
+    <p:sldLayoutId id="2147483810" r:id="rId6"/>
+    <p:sldLayoutId id="2147483811" r:id="rId7"/>
+    <p:sldLayoutId id="2147483812" r:id="rId8"/>
+    <p:sldLayoutId id="2147483813" r:id="rId9"/>
+    <p:sldLayoutId id="2147483814" r:id="rId10"/>
+    <p:sldLayoutId id="2147483815" r:id="rId11"/>
   </p:sldLayoutIdLst>
+  <p:hf hdr="0" ftr="0" dt="0"/>
   <p:txStyles>
     <p:titleStyle>
-      <a:lvl1pPr algn="l" rtl="0" eaLnBrk="1" latinLnBrk="0" hangingPunct="1">
+      <a:lvl1pPr algn="l" defTabSz="685800" rtl="0" eaLnBrk="1" latinLnBrk="0" hangingPunct="1">
+        <a:lnSpc>
+          <a:spcPct val="90000"/>
+        </a:lnSpc>
         <a:spcBef>
           <a:spcPct val="0"/>
         </a:spcBef>
         <a:buNone/>
-        <a:defRPr kumimoji="0" sz="5000" b="0" kern="1200">
-          <a:ln>
-            <a:noFill/>
-          </a:ln>
+        <a:defRPr sz="3300" kern="1200">
           <a:solidFill>
-            <a:schemeClr val="tx2"/>
+            <a:schemeClr val="tx1"/>
           </a:solidFill>
-          <a:effectLst/>
           <a:latin typeface="+mj-lt"/>
           <a:ea typeface="+mj-ea"/>
           <a:cs typeface="+mj-cs"/>
@@ -3588,17 +3432,16 @@
       </a:lvl1pPr>
     </p:titleStyle>
     <p:bodyStyle>
-      <a:lvl1pPr marL="274320" indent="-274320" algn="l" rtl="0" eaLnBrk="1" latinLnBrk="0" hangingPunct="1">
+      <a:lvl1pPr marL="171450" indent="-171450" algn="l" defTabSz="685800" rtl="0" eaLnBrk="1" latinLnBrk="0" hangingPunct="1">
+        <a:lnSpc>
+          <a:spcPct val="90000"/>
+        </a:lnSpc>
         <a:spcBef>
-          <a:spcPct val="20000"/>
+          <a:spcPts val="750"/>
         </a:spcBef>
-        <a:buClr>
-          <a:schemeClr val="accent3"/>
-        </a:buClr>
-        <a:buSzPct val="95000"/>
-        <a:buFont typeface="Wingdings 2"/>
-        <a:buChar char=""/>
-        <a:defRPr kumimoji="0" sz="2600" kern="1200">
+        <a:buFont typeface="Arial" panose="020B0604020202020204" pitchFamily="34" charset="0"/>
+        <a:buChar char="•"/>
+        <a:defRPr sz="2100" kern="1200">
           <a:solidFill>
             <a:schemeClr val="tx1"/>
           </a:solidFill>
@@ -3607,17 +3450,16 @@
           <a:cs typeface="+mn-cs"/>
         </a:defRPr>
       </a:lvl1pPr>
-      <a:lvl2pPr marL="640080" indent="-246888" algn="l" rtl="0" eaLnBrk="1" latinLnBrk="0" hangingPunct="1">
+      <a:lvl2pPr marL="514350" indent="-171450" algn="l" defTabSz="685800" rtl="0" eaLnBrk="1" latinLnBrk="0" hangingPunct="1">
+        <a:lnSpc>
+          <a:spcPct val="90000"/>
+        </a:lnSpc>
         <a:spcBef>
-          <a:spcPct val="20000"/>
+          <a:spcPts val="375"/>
         </a:spcBef>
-        <a:buClr>
-          <a:schemeClr val="accent1"/>
-        </a:buClr>
-        <a:buSzPct val="85000"/>
-        <a:buFont typeface="Wingdings 2"/>
-        <a:buChar char=""/>
-        <a:defRPr kumimoji="0" sz="2400" kern="1200">
+        <a:buFont typeface="Arial" panose="020B0604020202020204" pitchFamily="34" charset="0"/>
+        <a:buChar char="•"/>
+        <a:defRPr sz="1800" kern="1200">
           <a:solidFill>
             <a:schemeClr val="tx1"/>
           </a:solidFill>
@@ -3626,17 +3468,16 @@
           <a:cs typeface="+mn-cs"/>
         </a:defRPr>
       </a:lvl2pPr>
-      <a:lvl3pPr marL="914400" indent="-246888" algn="l" rtl="0" eaLnBrk="1" latinLnBrk="0" hangingPunct="1">
+      <a:lvl3pPr marL="857250" indent="-171450" algn="l" defTabSz="685800" rtl="0" eaLnBrk="1" latinLnBrk="0" hangingPunct="1">
+        <a:lnSpc>
+          <a:spcPct val="90000"/>
+        </a:lnSpc>
         <a:spcBef>
-          <a:spcPct val="20000"/>
+          <a:spcPts val="375"/>
         </a:spcBef>
-        <a:buClr>
-          <a:schemeClr val="accent2"/>
-        </a:buClr>
-        <a:buSzPct val="70000"/>
-        <a:buFont typeface="Wingdings 2"/>
-        <a:buChar char=""/>
-        <a:defRPr kumimoji="0" sz="2100" kern="1200">
+        <a:buFont typeface="Arial" panose="020B0604020202020204" pitchFamily="34" charset="0"/>
+        <a:buChar char="•"/>
+        <a:defRPr sz="1500" kern="1200">
           <a:solidFill>
             <a:schemeClr val="tx1"/>
           </a:solidFill>
@@ -3645,17 +3486,16 @@
           <a:cs typeface="+mn-cs"/>
         </a:defRPr>
       </a:lvl3pPr>
-      <a:lvl4pPr marL="1188720" indent="-210312" algn="l" rtl="0" eaLnBrk="1" latinLnBrk="0" hangingPunct="1">
+      <a:lvl4pPr marL="1200150" indent="-171450" algn="l" defTabSz="685800" rtl="0" eaLnBrk="1" latinLnBrk="0" hangingPunct="1">
+        <a:lnSpc>
+          <a:spcPct val="90000"/>
+        </a:lnSpc>
         <a:spcBef>
-          <a:spcPct val="20000"/>
+          <a:spcPts val="375"/>
         </a:spcBef>
-        <a:buClr>
-          <a:schemeClr val="accent3"/>
-        </a:buClr>
-        <a:buSzPct val="65000"/>
-        <a:buFont typeface="Wingdings 2"/>
-        <a:buChar char=""/>
-        <a:defRPr kumimoji="0" sz="2000" kern="1200">
+        <a:buFont typeface="Arial" panose="020B0604020202020204" pitchFamily="34" charset="0"/>
+        <a:buChar char="•"/>
+        <a:defRPr sz="1350" kern="1200">
           <a:solidFill>
             <a:schemeClr val="tx1"/>
           </a:solidFill>
@@ -3664,17 +3504,16 @@
           <a:cs typeface="+mn-cs"/>
         </a:defRPr>
       </a:lvl4pPr>
-      <a:lvl5pPr marL="1463040" indent="-210312" algn="l" rtl="0" eaLnBrk="1" latinLnBrk="0" hangingPunct="1">
+      <a:lvl5pPr marL="1543050" indent="-171450" algn="l" defTabSz="685800" rtl="0" eaLnBrk="1" latinLnBrk="0" hangingPunct="1">
+        <a:lnSpc>
+          <a:spcPct val="90000"/>
+        </a:lnSpc>
         <a:spcBef>
-          <a:spcPct val="20000"/>
+          <a:spcPts val="375"/>
         </a:spcBef>
-        <a:buClr>
-          <a:schemeClr val="accent4"/>
-        </a:buClr>
-        <a:buSzPct val="65000"/>
-        <a:buFont typeface="Wingdings 2"/>
-        <a:buChar char=""/>
-        <a:defRPr kumimoji="0" sz="2000" kern="1200">
+        <a:buFont typeface="Arial" panose="020B0604020202020204" pitchFamily="34" charset="0"/>
+        <a:buChar char="•"/>
+        <a:defRPr sz="1350" kern="1200">
           <a:solidFill>
             <a:schemeClr val="tx1"/>
           </a:solidFill>
@@ -3683,17 +3522,16 @@
           <a:cs typeface="+mn-cs"/>
         </a:defRPr>
       </a:lvl5pPr>
-      <a:lvl6pPr marL="1737360" indent="-210312" algn="l" rtl="0" eaLnBrk="1" latinLnBrk="0" hangingPunct="1">
+      <a:lvl6pPr marL="1885950" indent="-171450" algn="l" defTabSz="685800" rtl="0" eaLnBrk="1" latinLnBrk="0" hangingPunct="1">
+        <a:lnSpc>
+          <a:spcPct val="90000"/>
+        </a:lnSpc>
         <a:spcBef>
-          <a:spcPct val="20000"/>
+          <a:spcPts val="375"/>
         </a:spcBef>
-        <a:buClr>
-          <a:schemeClr val="accent5"/>
-        </a:buClr>
-        <a:buSzPct val="80000"/>
-        <a:buFont typeface="Wingdings 2"/>
-        <a:buChar char=""/>
-        <a:defRPr kumimoji="0" sz="1800" kern="1200">
+        <a:buFont typeface="Arial" panose="020B0604020202020204" pitchFamily="34" charset="0"/>
+        <a:buChar char="•"/>
+        <a:defRPr sz="1350" kern="1200">
           <a:solidFill>
             <a:schemeClr val="tx1"/>
           </a:solidFill>
@@ -3702,17 +3540,16 @@
           <a:cs typeface="+mn-cs"/>
         </a:defRPr>
       </a:lvl6pPr>
-      <a:lvl7pPr marL="1920240" indent="-182880" algn="l" rtl="0" eaLnBrk="1" latinLnBrk="0" hangingPunct="1">
+      <a:lvl7pPr marL="2228850" indent="-171450" algn="l" defTabSz="685800" rtl="0" eaLnBrk="1" latinLnBrk="0" hangingPunct="1">
+        <a:lnSpc>
+          <a:spcPct val="90000"/>
+        </a:lnSpc>
         <a:spcBef>
-          <a:spcPct val="20000"/>
+          <a:spcPts val="375"/>
         </a:spcBef>
-        <a:buClr>
-          <a:schemeClr val="accent6"/>
-        </a:buClr>
-        <a:buSzPct val="80000"/>
-        <a:buFont typeface="Wingdings 2"/>
-        <a:buChar char=""/>
-        <a:defRPr kumimoji="0" sz="1600" kern="1200" baseline="0">
+        <a:buFont typeface="Arial" panose="020B0604020202020204" pitchFamily="34" charset="0"/>
+        <a:buChar char="•"/>
+        <a:defRPr sz="1350" kern="1200">
           <a:solidFill>
             <a:schemeClr val="tx1"/>
           </a:solidFill>
@@ -3721,15 +3558,16 @@
           <a:cs typeface="+mn-cs"/>
         </a:defRPr>
       </a:lvl7pPr>
-      <a:lvl8pPr marL="2194560" indent="-182880" algn="l" rtl="0" eaLnBrk="1" latinLnBrk="0" hangingPunct="1">
+      <a:lvl8pPr marL="2571750" indent="-171450" algn="l" defTabSz="685800" rtl="0" eaLnBrk="1" latinLnBrk="0" hangingPunct="1">
+        <a:lnSpc>
+          <a:spcPct val="90000"/>
+        </a:lnSpc>
         <a:spcBef>
-          <a:spcPct val="20000"/>
+          <a:spcPts val="375"/>
         </a:spcBef>
-        <a:buClr>
-          <a:schemeClr val="tx2"/>
-        </a:buClr>
+        <a:buFont typeface="Arial" panose="020B0604020202020204" pitchFamily="34" charset="0"/>
         <a:buChar char="•"/>
-        <a:defRPr kumimoji="0" sz="1600" kern="1200">
+        <a:defRPr sz="1350" kern="1200">
           <a:solidFill>
             <a:schemeClr val="tx1"/>
           </a:solidFill>
@@ -3738,16 +3576,16 @@
           <a:cs typeface="+mn-cs"/>
         </a:defRPr>
       </a:lvl8pPr>
-      <a:lvl9pPr marL="2468880" indent="-182880" algn="l" rtl="0" eaLnBrk="1" latinLnBrk="0" hangingPunct="1">
+      <a:lvl9pPr marL="2914650" indent="-171450" algn="l" defTabSz="685800" rtl="0" eaLnBrk="1" latinLnBrk="0" hangingPunct="1">
+        <a:lnSpc>
+          <a:spcPct val="90000"/>
+        </a:lnSpc>
         <a:spcBef>
-          <a:spcPct val="20000"/>
+          <a:spcPts val="375"/>
         </a:spcBef>
-        <a:buClr>
-          <a:schemeClr val="tx2"/>
-        </a:buClr>
-        <a:buFontTx/>
+        <a:buFont typeface="Arial" panose="020B0604020202020204" pitchFamily="34" charset="0"/>
         <a:buChar char="•"/>
-        <a:defRPr kumimoji="0" sz="1400" kern="1200" baseline="0">
+        <a:defRPr sz="1350" kern="1200">
           <a:solidFill>
             <a:schemeClr val="tx1"/>
           </a:solidFill>
@@ -3758,8 +3596,11 @@
       </a:lvl9pPr>
     </p:bodyStyle>
     <p:otherStyle>
-      <a:lvl1pPr marL="0" algn="l" rtl="0" eaLnBrk="1" latinLnBrk="0" hangingPunct="1">
-        <a:defRPr kumimoji="0" kern="1200">
+      <a:defPPr>
+        <a:defRPr lang="en-US"/>
+      </a:defPPr>
+      <a:lvl1pPr marL="0" algn="l" defTabSz="685800" rtl="0" eaLnBrk="1" latinLnBrk="0" hangingPunct="1">
+        <a:defRPr sz="1350" kern="1200">
           <a:solidFill>
             <a:schemeClr val="tx1"/>
           </a:solidFill>
@@ -3768,8 +3609,8 @@
           <a:cs typeface="+mn-cs"/>
         </a:defRPr>
       </a:lvl1pPr>
-      <a:lvl2pPr marL="457200" algn="l" rtl="0" eaLnBrk="1" latinLnBrk="0" hangingPunct="1">
-        <a:defRPr kumimoji="0" kern="1200">
+      <a:lvl2pPr marL="342900" algn="l" defTabSz="685800" rtl="0" eaLnBrk="1" latinLnBrk="0" hangingPunct="1">
+        <a:defRPr sz="1350" kern="1200">
           <a:solidFill>
             <a:schemeClr val="tx1"/>
           </a:solidFill>
@@ -3778,8 +3619,8 @@
           <a:cs typeface="+mn-cs"/>
         </a:defRPr>
       </a:lvl2pPr>
-      <a:lvl3pPr marL="914400" algn="l" rtl="0" eaLnBrk="1" latinLnBrk="0" hangingPunct="1">
-        <a:defRPr kumimoji="0" kern="1200">
+      <a:lvl3pPr marL="685800" algn="l" defTabSz="685800" rtl="0" eaLnBrk="1" latinLnBrk="0" hangingPunct="1">
+        <a:defRPr sz="1350" kern="1200">
           <a:solidFill>
             <a:schemeClr val="tx1"/>
           </a:solidFill>
@@ -3788,8 +3629,8 @@
           <a:cs typeface="+mn-cs"/>
         </a:defRPr>
       </a:lvl3pPr>
-      <a:lvl4pPr marL="1371600" algn="l" rtl="0" eaLnBrk="1" latinLnBrk="0" hangingPunct="1">
-        <a:defRPr kumimoji="0" kern="1200">
+      <a:lvl4pPr marL="1028700" algn="l" defTabSz="685800" rtl="0" eaLnBrk="1" latinLnBrk="0" hangingPunct="1">
+        <a:defRPr sz="1350" kern="1200">
           <a:solidFill>
             <a:schemeClr val="tx1"/>
           </a:solidFill>
@@ -3798,8 +3639,8 @@
           <a:cs typeface="+mn-cs"/>
         </a:defRPr>
       </a:lvl4pPr>
-      <a:lvl5pPr marL="1828800" algn="l" rtl="0" eaLnBrk="1" latinLnBrk="0" hangingPunct="1">
-        <a:defRPr kumimoji="0" kern="1200">
+      <a:lvl5pPr marL="1371600" algn="l" defTabSz="685800" rtl="0" eaLnBrk="1" latinLnBrk="0" hangingPunct="1">
+        <a:defRPr sz="1350" kern="1200">
           <a:solidFill>
             <a:schemeClr val="tx1"/>
           </a:solidFill>
@@ -3808,8 +3649,8 @@
           <a:cs typeface="+mn-cs"/>
         </a:defRPr>
       </a:lvl5pPr>
-      <a:lvl6pPr marL="2286000" algn="l" rtl="0" eaLnBrk="1" latinLnBrk="0" hangingPunct="1">
-        <a:defRPr kumimoji="0" kern="1200">
+      <a:lvl6pPr marL="1714500" algn="l" defTabSz="685800" rtl="0" eaLnBrk="1" latinLnBrk="0" hangingPunct="1">
+        <a:defRPr sz="1350" kern="1200">
           <a:solidFill>
             <a:schemeClr val="tx1"/>
           </a:solidFill>
@@ -3818,8 +3659,8 @@
           <a:cs typeface="+mn-cs"/>
         </a:defRPr>
       </a:lvl6pPr>
-      <a:lvl7pPr marL="2743200" algn="l" rtl="0" eaLnBrk="1" latinLnBrk="0" hangingPunct="1">
-        <a:defRPr kumimoji="0" kern="1200">
+      <a:lvl7pPr marL="2057400" algn="l" defTabSz="685800" rtl="0" eaLnBrk="1" latinLnBrk="0" hangingPunct="1">
+        <a:defRPr sz="1350" kern="1200">
           <a:solidFill>
             <a:schemeClr val="tx1"/>
           </a:solidFill>
@@ -3828,8 +3669,8 @@
           <a:cs typeface="+mn-cs"/>
         </a:defRPr>
       </a:lvl7pPr>
-      <a:lvl8pPr marL="3200400" algn="l" rtl="0" eaLnBrk="1" latinLnBrk="0" hangingPunct="1">
-        <a:defRPr kumimoji="0" kern="1200">
+      <a:lvl8pPr marL="2400300" algn="l" defTabSz="685800" rtl="0" eaLnBrk="1" latinLnBrk="0" hangingPunct="1">
+        <a:defRPr sz="1350" kern="1200">
           <a:solidFill>
             <a:schemeClr val="tx1"/>
           </a:solidFill>
@@ -3838,8 +3679,8 @@
           <a:cs typeface="+mn-cs"/>
         </a:defRPr>
       </a:lvl8pPr>
-      <a:lvl9pPr marL="3657600" algn="l" rtl="0" eaLnBrk="1" latinLnBrk="0" hangingPunct="1">
-        <a:defRPr kumimoji="0" kern="1200">
+      <a:lvl9pPr marL="2743200" algn="l" defTabSz="685800" rtl="0" eaLnBrk="1" latinLnBrk="0" hangingPunct="1">
+        <a:defRPr sz="1350" kern="1200">
           <a:solidFill>
             <a:schemeClr val="tx1"/>
           </a:solidFill>
@@ -3892,29 +3733,16 @@
           </a:bodyPr>
           <a:lstStyle/>
           <a:p>
-            <a:r>
-              <a:rPr lang="en-US" dirty="0" smtClean="0">
-                <a:solidFill>
-                  <a:srgbClr val="FFFF00"/>
-                </a:solidFill>
-                <a:latin typeface="Arial Rounded MT Bold" pitchFamily="34" charset="0"/>
-              </a:rPr>
-              <a:t/>
-            </a:r>
             <a:br>
-              <a:rPr lang="en-US" dirty="0" smtClean="0">
+              <a:rPr lang="en-US" dirty="0">
                 <a:solidFill>
                   <a:srgbClr val="FFFF00"/>
                 </a:solidFill>
                 <a:latin typeface="Arial Rounded MT Bold" pitchFamily="34" charset="0"/>
               </a:rPr>
             </a:br>
-            <a:r>
-              <a:rPr lang="en-US" dirty="0" smtClean="0"/>
-              <a:t/>
-            </a:r>
             <a:br>
-              <a:rPr lang="en-US" dirty="0" smtClean="0"/>
+              <a:rPr lang="en-US" dirty="0"/>
             </a:br>
             <a:endParaRPr lang="en-US" dirty="0"/>
           </a:p>
@@ -3942,7 +3770,7 @@
           <a:p>
             <a:pPr algn="ctr"/>
             <a:r>
-              <a:rPr lang="en-US" b="1" dirty="0" smtClean="0">
+              <a:rPr lang="en-US" b="1" dirty="0">
                 <a:solidFill>
                   <a:srgbClr val="FFFF00"/>
                 </a:solidFill>
@@ -3953,14 +3781,14 @@
           <a:p>
             <a:pPr algn="l"/>
             <a:r>
-              <a:rPr lang="en-US" b="1" dirty="0" smtClean="0">
+              <a:rPr lang="en-US" b="1" dirty="0">
                 <a:solidFill>
                   <a:srgbClr val="FFC000"/>
                 </a:solidFill>
               </a:rPr>
               <a:t>MEANING OF PROJECT</a:t>
             </a:r>
-            <a:endParaRPr lang="en-US" dirty="0" smtClean="0">
+            <a:endParaRPr lang="en-US" dirty="0">
               <a:solidFill>
                 <a:srgbClr val="FFC000"/>
               </a:solidFill>
@@ -3969,13 +3797,43 @@
           <a:p>
             <a:pPr algn="just"/>
             <a:r>
-              <a:rPr lang="en-US" dirty="0" smtClean="0"/>
+              <a:rPr lang="en-US" dirty="0"/>
               <a:t>	An entrepreneur takes numerous decisions to convert his business idea into a running concern. His/her decision making process starts with project/product selection. The project selection is the first corner stone to be laid down in setting up an enterprise. The success or failure of an enterprise largely depends upon the project. The popular English proverb “well began is half done” applies to project selection also indicates the significant of good beginning.</a:t>
             </a:r>
           </a:p>
           <a:p>
             <a:pPr algn="ctr"/>
             <a:endParaRPr lang="en-US" dirty="0"/>
+          </a:p>
+        </p:txBody>
+      </p:sp>
+      <p:sp>
+        <p:nvSpPr>
+          <p:cNvPr id="3" name="Slide Number Placeholder 2">
+            <a:extLst>
+              <a:ext uri="{FF2B5EF4-FFF2-40B4-BE49-F238E27FC236}">
+                <a16:creationId xmlns:a16="http://schemas.microsoft.com/office/drawing/2014/main" id="{7C56CF27-4438-7F44-B757-7F46F48B7A91}"/>
+              </a:ext>
+            </a:extLst>
+          </p:cNvPr>
+          <p:cNvSpPr>
+            <a:spLocks noGrp="1"/>
+          </p:cNvSpPr>
+          <p:nvPr>
+            <p:ph type="sldNum" sz="quarter" idx="12"/>
+          </p:nvPr>
+        </p:nvSpPr>
+        <p:spPr/>
+        <p:txBody>
+          <a:bodyPr/>
+          <a:lstStyle/>
+          <a:p>
+            <a:fld id="{B6F15528-21DE-4FAA-801E-634DDDAF4B2B}" type="slidenum">
+              <a:rPr lang="en-US" smtClean="0"/>
+              <a:pPr/>
+              <a:t>1</a:t>
+            </a:fld>
+            <a:endParaRPr lang="en-US"/>
           </a:p>
         </p:txBody>
       </p:sp>
@@ -3984,13 +3842,6 @@
   <p:clrMapOvr>
     <a:masterClrMapping/>
   </p:clrMapOvr>
-  <p:timing>
-    <p:tnLst>
-      <p:par>
-        <p:cTn id="1" dur="indefinite" restart="never" nodeType="tmRoot"/>
-      </p:par>
-    </p:tnLst>
-  </p:timing>
 </p:sld>
 </file>
 
@@ -4029,7 +3880,7 @@
         </p:spPr>
         <p:txBody>
           <a:bodyPr>
-            <a:normAutofit fontScale="70000" lnSpcReduction="20000"/>
+            <a:normAutofit fontScale="92500" lnSpcReduction="20000"/>
           </a:bodyPr>
           <a:lstStyle/>
           <a:p>
@@ -4037,14 +3888,14 @@
               <a:buNone/>
             </a:pPr>
             <a:r>
-              <a:rPr lang="en-US" b="1" dirty="0" smtClean="0">
+              <a:rPr lang="en-US" b="1" dirty="0">
                 <a:solidFill>
                   <a:srgbClr val="FFC000"/>
                 </a:solidFill>
               </a:rPr>
               <a:t>IV. SOCIAL FEASIBILITY STUDY</a:t>
             </a:r>
-            <a:endParaRPr lang="en-US" dirty="0" smtClean="0">
+            <a:endParaRPr lang="en-US" dirty="0">
               <a:solidFill>
                 <a:srgbClr val="FFC000"/>
               </a:solidFill>
@@ -4055,7 +3906,7 @@
               <a:buNone/>
             </a:pPr>
             <a:r>
-              <a:rPr lang="en-US" dirty="0" smtClean="0"/>
+              <a:rPr lang="en-US" dirty="0"/>
               <a:t>It is not enough if a project is feasible from marketing, technical and financial point of views. A project should also be acceptable from the social point of view. In other words the social benefits and costs which can be often different from monetary benefits and costs have to be assessed. A social feasibility study is therefore carried out and tries to answer the follow relevant questions.</a:t>
             </a:r>
           </a:p>
@@ -4064,7 +3915,7 @@
               <a:buNone/>
             </a:pPr>
             <a:r>
-              <a:rPr lang="en-US" dirty="0" smtClean="0"/>
+              <a:rPr lang="en-US" dirty="0"/>
               <a:t>1. What natural resources of the- country is the project draining </a:t>
             </a:r>
           </a:p>
@@ -4073,7 +3924,7 @@
               <a:buNone/>
             </a:pPr>
             <a:r>
-              <a:rPr lang="en-US" dirty="0" smtClean="0"/>
+              <a:rPr lang="en-US" dirty="0"/>
               <a:t>2. What is the impact of the project on its immediate surroundings and the environment in general?</a:t>
             </a:r>
           </a:p>
@@ -4082,7 +3933,7 @@
               <a:buNone/>
             </a:pPr>
             <a:r>
-              <a:rPr lang="en-US" dirty="0" smtClean="0"/>
+              <a:rPr lang="en-US" dirty="0"/>
               <a:t>3. What would be the community reactions to a particular project product plant?</a:t>
             </a:r>
           </a:p>
@@ -4091,7 +3942,7 @@
               <a:buNone/>
             </a:pPr>
             <a:r>
-              <a:rPr lang="en-US" dirty="0" smtClean="0"/>
+              <a:rPr lang="en-US" dirty="0"/>
               <a:t>4. Does the project displace people? If so who? How many? What is the compensation paid '?</a:t>
             </a:r>
           </a:p>
@@ -4100,7 +3951,7 @@
               <a:buNone/>
             </a:pPr>
             <a:r>
-              <a:rPr lang="en-US" dirty="0" smtClean="0"/>
+              <a:rPr lang="en-US" dirty="0"/>
               <a:t>5. What is the cost involved in restoring damages done to the environment if it is in acceptable limits '?</a:t>
             </a:r>
           </a:p>
@@ -4109,7 +3960,7 @@
               <a:buNone/>
             </a:pPr>
             <a:r>
-              <a:rPr lang="en-US" dirty="0" smtClean="0"/>
+              <a:rPr lang="en-US" dirty="0"/>
               <a:t>6 What would be the contribution of the project towards achieving local employment self-sufficiency and social order?</a:t>
             </a:r>
           </a:p>
@@ -4118,18 +3969,18 @@
               <a:buNone/>
             </a:pPr>
             <a:r>
-              <a:rPr lang="en-US" b="1" dirty="0" smtClean="0"/>
+              <a:rPr lang="en-US" b="1" dirty="0"/>
               <a:t> </a:t>
             </a:r>
             <a:r>
-              <a:rPr lang="en-US" b="1" dirty="0" smtClean="0">
+              <a:rPr lang="en-US" b="1" dirty="0">
                 <a:solidFill>
                   <a:srgbClr val="92D050"/>
                 </a:solidFill>
               </a:rPr>
               <a:t>Management &amp; Entrepreneurship -----------------</a:t>
             </a:r>
-            <a:endParaRPr lang="en-US" dirty="0" smtClean="0">
+            <a:endParaRPr lang="en-US" dirty="0">
               <a:solidFill>
                 <a:srgbClr val="92D050"/>
               </a:solidFill>
@@ -4140,7 +3991,7 @@
               <a:buNone/>
             </a:pPr>
             <a:r>
-              <a:rPr lang="en-US" dirty="0" smtClean="0"/>
+              <a:rPr lang="en-US" dirty="0"/>
               <a:t>7. What would be the impact of the project on the level of savings and investment in the society?</a:t>
             </a:r>
           </a:p>
@@ -4149,13 +4000,43 @@
               <a:buNone/>
             </a:pPr>
             <a:r>
-              <a:rPr lang="en-US" dirty="0" smtClean="0"/>
+              <a:rPr lang="en-US" dirty="0"/>
               <a:t>8 What would be the impact of the project on the distribution of income in the society?</a:t>
             </a:r>
           </a:p>
           <a:p>
             <a:pPr algn="just"/>
             <a:endParaRPr lang="en-US" dirty="0"/>
+          </a:p>
+        </p:txBody>
+      </p:sp>
+      <p:sp>
+        <p:nvSpPr>
+          <p:cNvPr id="2" name="Slide Number Placeholder 1">
+            <a:extLst>
+              <a:ext uri="{FF2B5EF4-FFF2-40B4-BE49-F238E27FC236}">
+                <a16:creationId xmlns:a16="http://schemas.microsoft.com/office/drawing/2014/main" id="{CA4E08AE-9234-AB40-8AC9-5876065C0744}"/>
+              </a:ext>
+            </a:extLst>
+          </p:cNvPr>
+          <p:cNvSpPr>
+            <a:spLocks noGrp="1"/>
+          </p:cNvSpPr>
+          <p:nvPr>
+            <p:ph type="sldNum" sz="quarter" idx="12"/>
+          </p:nvPr>
+        </p:nvSpPr>
+        <p:spPr/>
+        <p:txBody>
+          <a:bodyPr/>
+          <a:lstStyle/>
+          <a:p>
+            <a:fld id="{B6F15528-21DE-4FAA-801E-634DDDAF4B2B}" type="slidenum">
+              <a:rPr lang="en-US" smtClean="0"/>
+              <a:pPr/>
+              <a:t>10</a:t>
+            </a:fld>
+            <a:endParaRPr lang="en-US"/>
           </a:p>
         </p:txBody>
       </p:sp>
@@ -4202,7 +4083,7 @@
         </p:spPr>
         <p:txBody>
           <a:bodyPr>
-            <a:normAutofit fontScale="92500" lnSpcReduction="10000"/>
+            <a:normAutofit/>
           </a:bodyPr>
           <a:lstStyle/>
           <a:p>
@@ -4210,18 +4091,18 @@
               <a:buNone/>
             </a:pPr>
             <a:r>
-              <a:rPr lang="en-US" b="1" dirty="0" smtClean="0"/>
+              <a:rPr lang="en-US" b="1" dirty="0"/>
               <a:t> </a:t>
             </a:r>
             <a:r>
-              <a:rPr lang="en-US" b="1" dirty="0" smtClean="0">
+              <a:rPr lang="en-US" b="1" dirty="0">
                 <a:solidFill>
                   <a:srgbClr val="FFC000"/>
                 </a:solidFill>
               </a:rPr>
               <a:t>MARKET FEASIBILITY STUDY</a:t>
             </a:r>
-            <a:endParaRPr lang="en-US" dirty="0" smtClean="0">
+            <a:endParaRPr lang="en-US" dirty="0">
               <a:solidFill>
                 <a:srgbClr val="FFC000"/>
               </a:solidFill>
@@ -4232,7 +4113,7 @@
               <a:buNone/>
             </a:pPr>
             <a:r>
-              <a:rPr lang="en-US" dirty="0" smtClean="0"/>
+              <a:rPr lang="en-US" dirty="0"/>
               <a:t>A market feasibility study is carried out to assess the market potential of a project.</a:t>
             </a:r>
           </a:p>
@@ -4241,7 +4122,7 @@
               <a:buNone/>
             </a:pPr>
             <a:r>
-              <a:rPr lang="en-US" dirty="0" smtClean="0"/>
+              <a:rPr lang="en-US" dirty="0"/>
               <a:t>The following questions need to be primarily answered during this</a:t>
             </a:r>
           </a:p>
@@ -4250,7 +4131,7 @@
               <a:buNone/>
             </a:pPr>
             <a:r>
-              <a:rPr lang="en-US" dirty="0" smtClean="0"/>
+              <a:rPr lang="en-US" dirty="0"/>
               <a:t>1. What would be the aggregate demand for products as well as for spare parts in the months and years to come?</a:t>
             </a:r>
           </a:p>
@@ -4259,7 +4140,7 @@
               <a:buNone/>
             </a:pPr>
             <a:r>
-              <a:rPr lang="en-US" dirty="0" smtClean="0"/>
+              <a:rPr lang="en-US" dirty="0"/>
               <a:t>2. What would be the target group (buyers) for the products?</a:t>
             </a:r>
           </a:p>
@@ -4268,7 +4149,7 @@
               <a:buNone/>
             </a:pPr>
             <a:r>
-              <a:rPr lang="en-US" dirty="0" smtClean="0"/>
+              <a:rPr lang="en-US" dirty="0"/>
               <a:t>3. What would be the company's market share?</a:t>
             </a:r>
           </a:p>
@@ -4277,7 +4158,7 @@
               <a:buNone/>
             </a:pPr>
             <a:r>
-              <a:rPr lang="en-US" dirty="0" smtClean="0"/>
+              <a:rPr lang="en-US" dirty="0"/>
               <a:t>4. How would competition affect the proposed company's market share?</a:t>
             </a:r>
           </a:p>
@@ -4286,7 +4167,7 @@
               <a:buNone/>
             </a:pPr>
             <a:r>
-              <a:rPr lang="en-US" dirty="0" smtClean="0"/>
+              <a:rPr lang="en-US" dirty="0"/>
               <a:t>To answer the above questions, a wide variety of information would be required to be collected as given below:</a:t>
             </a:r>
           </a:p>
@@ -4295,17 +4176,47 @@
               <a:buNone/>
             </a:pPr>
             <a:r>
-              <a:rPr lang="en-US" dirty="0" smtClean="0"/>
+              <a:rPr lang="en-US" dirty="0"/>
               <a:t>								</a:t>
             </a:r>
             <a:r>
-              <a:rPr lang="en-US" dirty="0" smtClean="0">
+              <a:rPr lang="en-US" dirty="0">
                 <a:solidFill>
                   <a:srgbClr val="92D050"/>
                 </a:solidFill>
               </a:rPr>
               <a:t> cont....</a:t>
             </a:r>
+          </a:p>
+        </p:txBody>
+      </p:sp>
+      <p:sp>
+        <p:nvSpPr>
+          <p:cNvPr id="2" name="Slide Number Placeholder 1">
+            <a:extLst>
+              <a:ext uri="{FF2B5EF4-FFF2-40B4-BE49-F238E27FC236}">
+                <a16:creationId xmlns:a16="http://schemas.microsoft.com/office/drawing/2014/main" id="{90252E55-1D2D-C04D-9D00-4EDCE8C13120}"/>
+              </a:ext>
+            </a:extLst>
+          </p:cNvPr>
+          <p:cNvSpPr>
+            <a:spLocks noGrp="1"/>
+          </p:cNvSpPr>
+          <p:nvPr>
+            <p:ph type="sldNum" sz="quarter" idx="12"/>
+          </p:nvPr>
+        </p:nvSpPr>
+        <p:spPr/>
+        <p:txBody>
+          <a:bodyPr/>
+          <a:lstStyle/>
+          <a:p>
+            <a:fld id="{B6F15528-21DE-4FAA-801E-634DDDAF4B2B}" type="slidenum">
+              <a:rPr lang="en-US" smtClean="0"/>
+              <a:pPr/>
+              <a:t>2</a:t>
+            </a:fld>
+            <a:endParaRPr lang="en-US"/>
           </a:p>
         </p:txBody>
       </p:sp>
@@ -4352,7 +4263,7 @@
         </p:spPr>
         <p:txBody>
           <a:bodyPr>
-            <a:normAutofit fontScale="92500" lnSpcReduction="10000"/>
+            <a:normAutofit/>
           </a:bodyPr>
           <a:lstStyle/>
           <a:p>
@@ -4360,7 +4271,7 @@
               <a:buNone/>
             </a:pPr>
             <a:r>
-              <a:rPr lang="en-US" dirty="0" smtClean="0">
+              <a:rPr lang="en-US" dirty="0">
                 <a:solidFill>
                   <a:srgbClr val="92D050"/>
                 </a:solidFill>
@@ -4373,7 +4284,7 @@
               <a:buNone/>
             </a:pPr>
             <a:r>
-              <a:rPr lang="en-US" dirty="0" smtClean="0"/>
+              <a:rPr lang="en-US" dirty="0"/>
               <a:t>1. Consumption trends in the past, present consumption  levels and consumption trends for the future.</a:t>
             </a:r>
           </a:p>
@@ -4382,7 +4293,7 @@
               <a:buNone/>
             </a:pPr>
             <a:r>
-              <a:rPr lang="en-US" dirty="0" smtClean="0"/>
+              <a:rPr lang="en-US" dirty="0"/>
               <a:t>2. General performance of the Industry to which the product belongs.</a:t>
             </a:r>
           </a:p>
@@ -4391,7 +4302,7 @@
               <a:buNone/>
             </a:pPr>
             <a:r>
-              <a:rPr lang="en-US" dirty="0" smtClean="0"/>
+              <a:rPr lang="en-US" dirty="0"/>
               <a:t>3. Past and Present supply position.</a:t>
             </a:r>
           </a:p>
@@ -4400,7 +4311,7 @@
               <a:buNone/>
             </a:pPr>
             <a:r>
-              <a:rPr lang="en-US" dirty="0" smtClean="0"/>
+              <a:rPr lang="en-US" dirty="0"/>
               <a:t>4. Production possibilities and its constraints</a:t>
             </a:r>
           </a:p>
@@ -4409,7 +4320,7 @@
               <a:buNone/>
             </a:pPr>
             <a:r>
-              <a:rPr lang="en-US" dirty="0" smtClean="0"/>
+              <a:rPr lang="en-US" dirty="0"/>
               <a:t>5. Structure of competition - national and international</a:t>
             </a:r>
           </a:p>
@@ -4418,7 +4329,7 @@
               <a:buNone/>
             </a:pPr>
             <a:r>
-              <a:rPr lang="en-US" dirty="0" smtClean="0"/>
+              <a:rPr lang="en-US" dirty="0"/>
               <a:t>6. Prices of competing products</a:t>
             </a:r>
           </a:p>
@@ -4427,7 +4338,7 @@
               <a:buNone/>
             </a:pPr>
             <a:r>
-              <a:rPr lang="en-US" dirty="0" smtClean="0"/>
+              <a:rPr lang="en-US" dirty="0"/>
               <a:t>7. Demand elasticity</a:t>
             </a:r>
           </a:p>
@@ -4436,7 +4347,7 @@
               <a:buNone/>
             </a:pPr>
             <a:r>
-              <a:rPr lang="en-US" dirty="0" smtClean="0"/>
+              <a:rPr lang="en-US" dirty="0"/>
               <a:t>8. Consumer behavior with respect to preferences attitudes, brand loyalty, religious beliefs, advertisements etc.</a:t>
             </a:r>
           </a:p>
@@ -4445,7 +4356,7 @@
               <a:buNone/>
             </a:pPr>
             <a:r>
-              <a:rPr lang="en-US" dirty="0" smtClean="0"/>
+              <a:rPr lang="en-US" dirty="0"/>
               <a:t>9. Distribution channels - available or proposed</a:t>
             </a:r>
           </a:p>
@@ -4454,7 +4365,7 @@
               <a:buNone/>
             </a:pPr>
             <a:r>
-              <a:rPr lang="en-US" dirty="0" smtClean="0"/>
+              <a:rPr lang="en-US" dirty="0"/>
               <a:t>10. Administrative, technical and legal constraints.</a:t>
             </a:r>
           </a:p>
@@ -4463,6 +4374,36 @@
               <a:buNone/>
             </a:pPr>
             <a:endParaRPr lang="en-US" dirty="0"/>
+          </a:p>
+        </p:txBody>
+      </p:sp>
+      <p:sp>
+        <p:nvSpPr>
+          <p:cNvPr id="2" name="Slide Number Placeholder 1">
+            <a:extLst>
+              <a:ext uri="{FF2B5EF4-FFF2-40B4-BE49-F238E27FC236}">
+                <a16:creationId xmlns:a16="http://schemas.microsoft.com/office/drawing/2014/main" id="{8CB36816-26A8-C94E-BB20-FCF4FB82C961}"/>
+              </a:ext>
+            </a:extLst>
+          </p:cNvPr>
+          <p:cNvSpPr>
+            <a:spLocks noGrp="1"/>
+          </p:cNvSpPr>
+          <p:nvPr>
+            <p:ph type="sldNum" sz="quarter" idx="12"/>
+          </p:nvPr>
+        </p:nvSpPr>
+        <p:spPr/>
+        <p:txBody>
+          <a:bodyPr/>
+          <a:lstStyle/>
+          <a:p>
+            <a:fld id="{B6F15528-21DE-4FAA-801E-634DDDAF4B2B}" type="slidenum">
+              <a:rPr lang="en-US" smtClean="0"/>
+              <a:pPr/>
+              <a:t>3</a:t>
+            </a:fld>
+            <a:endParaRPr lang="en-US"/>
           </a:p>
         </p:txBody>
       </p:sp>
@@ -4515,14 +4456,14 @@
               <a:buNone/>
             </a:pPr>
             <a:r>
-              <a:rPr lang="en-US" b="1" dirty="0" smtClean="0">
+              <a:rPr lang="en-US" b="1" dirty="0">
                 <a:solidFill>
                   <a:srgbClr val="FFC000"/>
                 </a:solidFill>
               </a:rPr>
               <a:t>1. Demand Forecasting Techniques</a:t>
             </a:r>
-            <a:endParaRPr lang="en-US" dirty="0" smtClean="0">
+            <a:endParaRPr lang="en-US" dirty="0">
               <a:solidFill>
                 <a:srgbClr val="FFC000"/>
               </a:solidFill>
@@ -4533,7 +4474,7 @@
               <a:buNone/>
             </a:pPr>
             <a:r>
-              <a:rPr lang="en-US" dirty="0" smtClean="0">
+              <a:rPr lang="en-US" dirty="0">
                 <a:solidFill>
                   <a:srgbClr val="92D050"/>
                 </a:solidFill>
@@ -4543,41 +4484,41 @@
           </a:p>
           <a:p>
             <a:r>
-              <a:rPr lang="en-US" dirty="0" smtClean="0"/>
+              <a:rPr lang="en-US" dirty="0"/>
               <a:t>(</a:t>
             </a:r>
             <a:r>
-              <a:rPr lang="en-US" dirty="0" err="1" smtClean="0"/>
+              <a:rPr lang="en-US" dirty="0" err="1"/>
               <a:t>i</a:t>
             </a:r>
             <a:r>
-              <a:rPr lang="en-US" dirty="0" smtClean="0"/>
+              <a:rPr lang="en-US" dirty="0"/>
               <a:t>) Opinion polls</a:t>
             </a:r>
           </a:p>
           <a:p>
             <a:r>
-              <a:rPr lang="en-US" dirty="0" smtClean="0"/>
+              <a:rPr lang="en-US" dirty="0"/>
               <a:t>(ii) Market Trials</a:t>
             </a:r>
           </a:p>
           <a:p>
             <a:r>
-              <a:rPr lang="en-US" i="1" dirty="0" smtClean="0"/>
+              <a:rPr lang="en-US" i="1" dirty="0"/>
               <a:t>(hi) </a:t>
             </a:r>
             <a:r>
-              <a:rPr lang="en-US" dirty="0" smtClean="0"/>
+              <a:rPr lang="en-US" dirty="0"/>
               <a:t>Delphi Technique</a:t>
             </a:r>
           </a:p>
           <a:p>
             <a:r>
-              <a:rPr lang="en-US" i="1" dirty="0" smtClean="0"/>
+              <a:rPr lang="en-US" i="1" dirty="0"/>
               <a:t>(iv) </a:t>
             </a:r>
             <a:r>
-              <a:rPr lang="en-US" dirty="0" smtClean="0"/>
+              <a:rPr lang="en-US" dirty="0"/>
               <a:t>Nominal Group Technique</a:t>
             </a:r>
           </a:p>
@@ -4586,7 +4527,7 @@
               <a:buNone/>
             </a:pPr>
             <a:r>
-              <a:rPr lang="en-US" dirty="0" smtClean="0">
+              <a:rPr lang="en-US" dirty="0">
                 <a:solidFill>
                   <a:srgbClr val="92D050"/>
                 </a:solidFill>
@@ -4596,31 +4537,31 @@
           </a:p>
           <a:p>
             <a:r>
-              <a:rPr lang="en-US" dirty="0" smtClean="0"/>
+              <a:rPr lang="en-US" dirty="0"/>
               <a:t>(</a:t>
             </a:r>
             <a:r>
-              <a:rPr lang="en-US" dirty="0" err="1" smtClean="0"/>
+              <a:rPr lang="en-US" dirty="0" err="1"/>
               <a:t>i</a:t>
             </a:r>
             <a:r>
-              <a:rPr lang="en-US" dirty="0" smtClean="0"/>
+              <a:rPr lang="en-US" dirty="0"/>
               <a:t>) Time series methods</a:t>
             </a:r>
           </a:p>
           <a:p>
             <a:r>
-              <a:rPr lang="en-US" i="1" dirty="0" smtClean="0"/>
+              <a:rPr lang="en-US" i="1" dirty="0"/>
               <a:t>(ii) </a:t>
             </a:r>
             <a:r>
-              <a:rPr lang="en-US" dirty="0" smtClean="0"/>
+              <a:rPr lang="en-US" dirty="0"/>
               <a:t>Exponential smoothing</a:t>
             </a:r>
           </a:p>
           <a:p>
             <a:r>
-              <a:rPr lang="en-US" dirty="0" smtClean="0"/>
+              <a:rPr lang="en-US" dirty="0"/>
               <a:t>(iii) Regression method</a:t>
             </a:r>
           </a:p>
@@ -4629,6 +4570,36 @@
               <a:buNone/>
             </a:pPr>
             <a:endParaRPr lang="en-US" dirty="0"/>
+          </a:p>
+        </p:txBody>
+      </p:sp>
+      <p:sp>
+        <p:nvSpPr>
+          <p:cNvPr id="2" name="Slide Number Placeholder 1">
+            <a:extLst>
+              <a:ext uri="{FF2B5EF4-FFF2-40B4-BE49-F238E27FC236}">
+                <a16:creationId xmlns:a16="http://schemas.microsoft.com/office/drawing/2014/main" id="{703990A3-8F1C-F34F-BE1B-A92496E19C47}"/>
+              </a:ext>
+            </a:extLst>
+          </p:cNvPr>
+          <p:cNvSpPr>
+            <a:spLocks noGrp="1"/>
+          </p:cNvSpPr>
+          <p:nvPr>
+            <p:ph type="sldNum" sz="quarter" idx="12"/>
+          </p:nvPr>
+        </p:nvSpPr>
+        <p:spPr/>
+        <p:txBody>
+          <a:bodyPr/>
+          <a:lstStyle/>
+          <a:p>
+            <a:fld id="{B6F15528-21DE-4FAA-801E-634DDDAF4B2B}" type="slidenum">
+              <a:rPr lang="en-US" smtClean="0"/>
+              <a:pPr/>
+              <a:t>4</a:t>
+            </a:fld>
+            <a:endParaRPr lang="en-US"/>
           </a:p>
         </p:txBody>
       </p:sp>
@@ -4675,7 +4646,7 @@
         </p:spPr>
         <p:txBody>
           <a:bodyPr>
-            <a:normAutofit fontScale="92500" lnSpcReduction="10000"/>
+            <a:normAutofit/>
           </a:bodyPr>
           <a:lstStyle/>
           <a:p>
@@ -4683,14 +4654,14 @@
               <a:buNone/>
             </a:pPr>
             <a:r>
-              <a:rPr lang="en-US" b="1" dirty="0" smtClean="0">
+              <a:rPr lang="en-US" b="1" dirty="0">
                 <a:solidFill>
                   <a:srgbClr val="FFC000"/>
                 </a:solidFill>
               </a:rPr>
               <a:t>2. Life Cycle Segmentation analysis</a:t>
             </a:r>
-            <a:endParaRPr lang="en-US" dirty="0" smtClean="0">
+            <a:endParaRPr lang="en-US" dirty="0">
               <a:solidFill>
                 <a:srgbClr val="FFC000"/>
               </a:solidFill>
@@ -4701,28 +4672,28 @@
               <a:buNone/>
             </a:pPr>
             <a:r>
-              <a:rPr lang="en-US" dirty="0" smtClean="0"/>
+              <a:rPr lang="en-US" dirty="0"/>
               <a:t>Every product has its own life span In fact. every product goes through the following stages before dying, although the duration for each stage may vary from product-to product.</a:t>
             </a:r>
           </a:p>
           <a:p>
-            <a:endParaRPr lang="en-US" dirty="0" smtClean="0"/>
+            <a:endParaRPr lang="en-US" dirty="0"/>
           </a:p>
           <a:p>
             <a:pPr>
               <a:buNone/>
             </a:pPr>
-            <a:endParaRPr lang="en-US" dirty="0" smtClean="0"/>
-          </a:p>
-          <a:p>
-            <a:endParaRPr lang="en-US" dirty="0" smtClean="0"/>
+            <a:endParaRPr lang="en-US" dirty="0"/>
+          </a:p>
+          <a:p>
+            <a:endParaRPr lang="en-US" dirty="0"/>
           </a:p>
           <a:p>
             <a:pPr>
               <a:buNone/>
             </a:pPr>
             <a:r>
-              <a:rPr lang="en-US" dirty="0" smtClean="0"/>
+              <a:rPr lang="en-US" dirty="0"/>
               <a:t>1. Introduction</a:t>
             </a:r>
           </a:p>
@@ -4731,7 +4702,7 @@
               <a:buNone/>
             </a:pPr>
             <a:r>
-              <a:rPr lang="en-US" dirty="0" smtClean="0"/>
+              <a:rPr lang="en-US" dirty="0"/>
               <a:t>2. Growth</a:t>
             </a:r>
           </a:p>
@@ -4740,7 +4711,7 @@
               <a:buNone/>
             </a:pPr>
             <a:r>
-              <a:rPr lang="en-US" dirty="0" smtClean="0"/>
+              <a:rPr lang="en-US" dirty="0"/>
               <a:t>3. Maturity</a:t>
             </a:r>
           </a:p>
@@ -4749,7 +4720,7 @@
               <a:buNone/>
             </a:pPr>
             <a:r>
-              <a:rPr lang="en-US" dirty="0" smtClean="0"/>
+              <a:rPr lang="en-US" dirty="0"/>
               <a:t>4. Saturation</a:t>
             </a:r>
           </a:p>
@@ -4758,7 +4729,7 @@
               <a:buNone/>
             </a:pPr>
             <a:r>
-              <a:rPr lang="en-US" dirty="0" smtClean="0"/>
+              <a:rPr lang="en-US" dirty="0"/>
               <a:t>5. Decline</a:t>
             </a:r>
           </a:p>
@@ -4767,7 +4738,7 @@
               <a:buNone/>
             </a:pPr>
             <a:r>
-              <a:rPr lang="en-US" dirty="0" smtClean="0"/>
+              <a:rPr lang="en-US" dirty="0"/>
               <a:t>When the product life cycle curve is estimated and drawn for a product, the sales at different stages can be anticipated.</a:t>
             </a:r>
           </a:p>
@@ -4803,6 +4774,36 @@
           </a:ln>
         </p:spPr>
       </p:pic>
+      <p:sp>
+        <p:nvSpPr>
+          <p:cNvPr id="2" name="Slide Number Placeholder 1">
+            <a:extLst>
+              <a:ext uri="{FF2B5EF4-FFF2-40B4-BE49-F238E27FC236}">
+                <a16:creationId xmlns:a16="http://schemas.microsoft.com/office/drawing/2014/main" id="{6E287A08-6D16-894F-BFBC-F93429AA545B}"/>
+              </a:ext>
+            </a:extLst>
+          </p:cNvPr>
+          <p:cNvSpPr>
+            <a:spLocks noGrp="1"/>
+          </p:cNvSpPr>
+          <p:nvPr>
+            <p:ph type="sldNum" sz="quarter" idx="12"/>
+          </p:nvPr>
+        </p:nvSpPr>
+        <p:spPr/>
+        <p:txBody>
+          <a:bodyPr/>
+          <a:lstStyle/>
+          <a:p>
+            <a:fld id="{B6F15528-21DE-4FAA-801E-634DDDAF4B2B}" type="slidenum">
+              <a:rPr lang="en-US" smtClean="0"/>
+              <a:pPr/>
+              <a:t>5</a:t>
+            </a:fld>
+            <a:endParaRPr lang="en-US"/>
+          </a:p>
+        </p:txBody>
+      </p:sp>
     </p:spTree>
   </p:cSld>
   <p:clrMapOvr>
@@ -4854,7 +4855,7 @@
               <a:buNone/>
             </a:pPr>
             <a:r>
-              <a:rPr lang="en-US" sz="5100" dirty="0" smtClean="0">
+              <a:rPr lang="en-US" sz="5100" dirty="0">
                 <a:solidFill>
                   <a:srgbClr val="92D050"/>
                 </a:solidFill>
@@ -4862,46 +4863,33 @@
               <a:t>A </a:t>
             </a:r>
             <a:r>
-              <a:rPr lang="en-US" sz="5100" dirty="0" smtClean="0">
+              <a:rPr lang="en-US" sz="5100" dirty="0">
                 <a:solidFill>
                   <a:srgbClr val="FFFF00"/>
                 </a:solidFill>
               </a:rPr>
               <a:t>Technical feasibility </a:t>
             </a:r>
-            <a:endParaRPr lang="en-US" sz="5100" dirty="0" smtClean="0">
-              <a:solidFill>
-                <a:srgbClr val="FFFF00"/>
-              </a:solidFill>
-            </a:endParaRPr>
-          </a:p>
-          <a:p>
-            <a:pPr algn="just">
-              <a:buNone/>
-            </a:pPr>
-            <a:r>
-              <a:rPr lang="en-US" sz="3800" dirty="0" smtClean="0">
+          </a:p>
+          <a:p>
+            <a:pPr algn="just">
+              <a:buNone/>
+            </a:pPr>
+            <a:r>
+              <a:rPr lang="en-US" sz="3800" dirty="0">
                 <a:solidFill>
                   <a:srgbClr val="92D050"/>
                 </a:solidFill>
               </a:rPr>
-              <a:t>study </a:t>
-            </a:r>
-            <a:r>
-              <a:rPr lang="en-US" sz="3800" dirty="0" smtClean="0">
-                <a:solidFill>
-                  <a:srgbClr val="92D050"/>
-                </a:solidFill>
-              </a:rPr>
-              <a:t>is carried out to assess the technical details of a project and their viability. The following questions need to be primarily answered during the course of this study.</a:t>
-            </a:r>
-          </a:p>
-          <a:p>
-            <a:pPr algn="just">
-              <a:buNone/>
-            </a:pPr>
-            <a:r>
-              <a:rPr lang="en-US" sz="3800" dirty="0" smtClean="0"/>
+              <a:t>study is carried out to assess the technical details of a project and their viability. The following questions need to be primarily answered during the course of this study.</a:t>
+            </a:r>
+          </a:p>
+          <a:p>
+            <a:pPr algn="just">
+              <a:buNone/>
+            </a:pPr>
+            <a:r>
+              <a:rPr lang="en-US" sz="3800" dirty="0"/>
               <a:t>1. Is the proposed layout of the site, buildings and plant sound?</a:t>
             </a:r>
           </a:p>
@@ -4910,7 +4898,7 @@
               <a:buNone/>
             </a:pPr>
             <a:r>
-              <a:rPr lang="en-US" sz="3800" dirty="0" smtClean="0"/>
+              <a:rPr lang="en-US" sz="3800" dirty="0"/>
               <a:t>2. Are the processes chosen for production suitable?</a:t>
             </a:r>
           </a:p>
@@ -4919,7 +4907,7 @@
               <a:buNone/>
             </a:pPr>
             <a:r>
-              <a:rPr lang="en-US" sz="3800" dirty="0" smtClean="0"/>
+              <a:rPr lang="en-US" sz="3800" dirty="0"/>
               <a:t>3 Are the equipment and machinery chosen appropriate?</a:t>
             </a:r>
           </a:p>
@@ -4928,7 +4916,7 @@
               <a:buNone/>
             </a:pPr>
             <a:r>
-              <a:rPr lang="en-US" sz="3800" dirty="0" smtClean="0"/>
+              <a:rPr lang="en-US" sz="3800" dirty="0"/>
               <a:t>4. Is the availability of raw materials, power and other inputs confirmed?</a:t>
             </a:r>
           </a:p>
@@ -4937,7 +4925,7 @@
               <a:buNone/>
             </a:pPr>
             <a:r>
-              <a:rPr lang="en-US" sz="3800" dirty="0" smtClean="0"/>
+              <a:rPr lang="en-US" sz="3800" dirty="0"/>
               <a:t>5. Are support services and auxiliary divisions in place?</a:t>
             </a:r>
           </a:p>
@@ -4946,7 +4934,7 @@
               <a:buNone/>
             </a:pPr>
             <a:r>
-              <a:rPr lang="en-US" sz="3800" dirty="0" smtClean="0"/>
+              <a:rPr lang="en-US" sz="3800" dirty="0"/>
               <a:t>6. Have work schedules been drawn up realistically?</a:t>
             </a:r>
           </a:p>
@@ -4955,7 +4943,7 @@
               <a:buNone/>
             </a:pPr>
             <a:r>
-              <a:rPr lang="en-US" sz="3800" dirty="0" smtClean="0"/>
+              <a:rPr lang="en-US" sz="3800" dirty="0"/>
               <a:t>7. Is the selected scale of operation optimal? Is the estimated capacity utilization realistic?</a:t>
             </a:r>
           </a:p>
@@ -4964,7 +4952,7 @@
               <a:buNone/>
             </a:pPr>
             <a:r>
-              <a:rPr lang="en-US" sz="3800" dirty="0" smtClean="0"/>
+              <a:rPr lang="en-US" sz="3800" dirty="0"/>
               <a:t>S. Has there been provision for treatment of effluents made?</a:t>
             </a:r>
           </a:p>
@@ -4973,7 +4961,7 @@
               <a:buNone/>
             </a:pPr>
             <a:r>
-              <a:rPr lang="en-US" sz="3800" dirty="0" smtClean="0"/>
+              <a:rPr lang="en-US" sz="3800" dirty="0"/>
               <a:t>9. Is the technology used acceptable from the social benefit point of view?</a:t>
             </a:r>
           </a:p>
@@ -4982,7 +4970,7 @@
               <a:buNone/>
             </a:pPr>
             <a:r>
-              <a:rPr lang="en-US" sz="3800" dirty="0" smtClean="0"/>
+              <a:rPr lang="en-US" sz="3800" dirty="0"/>
               <a:t>10. Are provision made for preliminary studies and prototype testing?</a:t>
             </a:r>
           </a:p>
@@ -4991,17 +4979,47 @@
               <a:buNone/>
             </a:pPr>
             <a:r>
-              <a:rPr lang="en-US" sz="3800" dirty="0" smtClean="0"/>
+              <a:rPr lang="en-US" sz="3800" dirty="0"/>
               <a:t>								</a:t>
             </a:r>
             <a:r>
-              <a:rPr lang="en-US" sz="3800" dirty="0" smtClean="0">
+              <a:rPr lang="en-US" sz="3800" dirty="0">
                 <a:solidFill>
                   <a:srgbClr val="92D050"/>
                 </a:solidFill>
               </a:rPr>
               <a:t>cont....</a:t>
             </a:r>
+          </a:p>
+        </p:txBody>
+      </p:sp>
+      <p:sp>
+        <p:nvSpPr>
+          <p:cNvPr id="2" name="Slide Number Placeholder 1">
+            <a:extLst>
+              <a:ext uri="{FF2B5EF4-FFF2-40B4-BE49-F238E27FC236}">
+                <a16:creationId xmlns:a16="http://schemas.microsoft.com/office/drawing/2014/main" id="{CD3E3EDF-139F-9349-87A7-35779042FFB1}"/>
+              </a:ext>
+            </a:extLst>
+          </p:cNvPr>
+          <p:cNvSpPr>
+            <a:spLocks noGrp="1"/>
+          </p:cNvSpPr>
+          <p:nvPr>
+            <p:ph type="sldNum" sz="quarter" idx="12"/>
+          </p:nvPr>
+        </p:nvSpPr>
+        <p:spPr/>
+        <p:txBody>
+          <a:bodyPr/>
+          <a:lstStyle/>
+          <a:p>
+            <a:fld id="{B6F15528-21DE-4FAA-801E-634DDDAF4B2B}" type="slidenum">
+              <a:rPr lang="en-US" smtClean="0"/>
+              <a:pPr/>
+              <a:t>6</a:t>
+            </a:fld>
+            <a:endParaRPr lang="en-US"/>
           </a:p>
         </p:txBody>
       </p:sp>
@@ -5048,7 +5066,7 @@
         </p:spPr>
         <p:txBody>
           <a:bodyPr>
-            <a:normAutofit fontScale="92500" lnSpcReduction="20000"/>
+            <a:normAutofit/>
           </a:bodyPr>
           <a:lstStyle/>
           <a:p>
@@ -5056,7 +5074,7 @@
               <a:buNone/>
             </a:pPr>
             <a:r>
-              <a:rPr lang="en-US" dirty="0" smtClean="0">
+              <a:rPr lang="en-US" dirty="0">
                 <a:solidFill>
                   <a:srgbClr val="92D050"/>
                 </a:solidFill>
@@ -5069,7 +5087,7 @@
               <a:buNone/>
             </a:pPr>
             <a:r>
-              <a:rPr lang="en-US" dirty="0" smtClean="0"/>
+              <a:rPr lang="en-US" dirty="0"/>
               <a:t>1. Identifying the technical specifications of the product with respect to its functional aspects, design, durability, reliability, safety and standardization.</a:t>
             </a:r>
           </a:p>
@@ -5078,7 +5096,7 @@
               <a:buNone/>
             </a:pPr>
             <a:r>
-              <a:rPr lang="en-US" dirty="0" smtClean="0"/>
+              <a:rPr lang="en-US" dirty="0"/>
               <a:t>2. Finding out the actual availability of various inputs to production with respect to both quality and quantity.</a:t>
             </a:r>
           </a:p>
@@ -5087,7 +5105,7 @@
               <a:buNone/>
             </a:pPr>
             <a:r>
-              <a:rPr lang="en-US" dirty="0" smtClean="0"/>
+              <a:rPr lang="en-US" dirty="0"/>
               <a:t>3. To check whether transportation facilities and other supporting services are available.</a:t>
             </a:r>
           </a:p>
@@ -5096,7 +5114,7 @@
               <a:buNone/>
             </a:pPr>
             <a:r>
-              <a:rPr lang="en-US" dirty="0" smtClean="0"/>
+              <a:rPr lang="en-US" dirty="0"/>
               <a:t>4. To check whether the manufacturing process proposed include flow process charts.</a:t>
             </a:r>
           </a:p>
@@ -5105,7 +5123,7 @@
               <a:buNone/>
             </a:pPr>
             <a:r>
-              <a:rPr lang="en-US" dirty="0" smtClean="0"/>
+              <a:rPr lang="en-US" dirty="0"/>
               <a:t>5. To check whether foreign technical knowhow IS required.</a:t>
             </a:r>
           </a:p>
@@ -5114,7 +5132,7 @@
               <a:buNone/>
             </a:pPr>
             <a:r>
-              <a:rPr lang="en-US" dirty="0" smtClean="0"/>
+              <a:rPr lang="en-US" dirty="0"/>
               <a:t>6. To check whether any patent laws or intellectual property rights are being violated.</a:t>
             </a:r>
           </a:p>
@@ -5123,12 +5141,42 @@
               <a:buNone/>
             </a:pPr>
             <a:r>
-              <a:rPr lang="en-US" dirty="0" smtClean="0"/>
+              <a:rPr lang="en-US" dirty="0"/>
               <a:t>7 To test the prototype or the product itself through various engineering studies.</a:t>
             </a:r>
           </a:p>
           <a:p>
             <a:endParaRPr lang="en-US" dirty="0"/>
+          </a:p>
+        </p:txBody>
+      </p:sp>
+      <p:sp>
+        <p:nvSpPr>
+          <p:cNvPr id="2" name="Slide Number Placeholder 1">
+            <a:extLst>
+              <a:ext uri="{FF2B5EF4-FFF2-40B4-BE49-F238E27FC236}">
+                <a16:creationId xmlns:a16="http://schemas.microsoft.com/office/drawing/2014/main" id="{08E6D080-DFFC-5A48-9147-4621BFDF33F5}"/>
+              </a:ext>
+            </a:extLst>
+          </p:cNvPr>
+          <p:cNvSpPr>
+            <a:spLocks noGrp="1"/>
+          </p:cNvSpPr>
+          <p:nvPr>
+            <p:ph type="sldNum" sz="quarter" idx="12"/>
+          </p:nvPr>
+        </p:nvSpPr>
+        <p:spPr/>
+        <p:txBody>
+          <a:bodyPr/>
+          <a:lstStyle/>
+          <a:p>
+            <a:fld id="{B6F15528-21DE-4FAA-801E-634DDDAF4B2B}" type="slidenum">
+              <a:rPr lang="en-US" smtClean="0"/>
+              <a:pPr/>
+              <a:t>7</a:t>
+            </a:fld>
+            <a:endParaRPr lang="en-US"/>
           </a:p>
         </p:txBody>
       </p:sp>
@@ -5175,7 +5223,7 @@
         </p:spPr>
         <p:txBody>
           <a:bodyPr>
-            <a:normAutofit lnSpcReduction="10000"/>
+            <a:normAutofit/>
           </a:bodyPr>
           <a:lstStyle/>
           <a:p>
@@ -5183,14 +5231,14 @@
               <a:buNone/>
             </a:pPr>
             <a:r>
-              <a:rPr lang="en-US" sz="2000" b="1" dirty="0" smtClean="0">
+              <a:rPr lang="en-US" sz="2000" b="1" dirty="0">
                 <a:solidFill>
                   <a:srgbClr val="FFC000"/>
                 </a:solidFill>
               </a:rPr>
               <a:t>III. FINANCIAL FEASIBILITY STUDY</a:t>
             </a:r>
-            <a:endParaRPr lang="en-US" sz="2000" dirty="0" smtClean="0">
+            <a:endParaRPr lang="en-US" sz="2000" dirty="0">
               <a:solidFill>
                 <a:srgbClr val="FFC000"/>
               </a:solidFill>
@@ -5201,7 +5249,7 @@
               <a:buNone/>
             </a:pPr>
             <a:r>
-              <a:rPr lang="en-US" sz="2000" dirty="0" smtClean="0"/>
+              <a:rPr lang="en-US" sz="2000" dirty="0"/>
               <a:t>Finance is the lifeblood of any organization. Without proper financial backing even the best of project ideas are of no use. Therefore financial feasibility study is an important study that helps to establish the financial viability of the project. This study helps in finding answers for the following type of questions:</a:t>
             </a:r>
           </a:p>
@@ -5210,7 +5258,7 @@
               <a:buNone/>
             </a:pPr>
             <a:r>
-              <a:rPr lang="en-US" sz="2000" dirty="0" smtClean="0"/>
+              <a:rPr lang="en-US" sz="2000" dirty="0"/>
               <a:t>1. What 1S the financial requirement of both, Fixed as well as Working capital?</a:t>
             </a:r>
           </a:p>
@@ -5219,7 +5267,7 @@
               <a:buNone/>
             </a:pPr>
             <a:r>
-              <a:rPr lang="en-US" sz="2000" dirty="0" smtClean="0"/>
+              <a:rPr lang="en-US" sz="2000" dirty="0"/>
               <a:t>2 Where does the money come from and what rate of interest? What are the risks involved?</a:t>
             </a:r>
           </a:p>
@@ -5228,7 +5276,7 @@
               <a:buNone/>
             </a:pPr>
             <a:r>
-              <a:rPr lang="en-US" sz="2000" dirty="0" smtClean="0"/>
+              <a:rPr lang="en-US" sz="2000" dirty="0"/>
               <a:t>3. Will the proposed project satisfy expectation with respect to returns to those who are providing the capital?</a:t>
             </a:r>
           </a:p>
@@ -5237,7 +5285,7 @@
               <a:buNone/>
             </a:pPr>
             <a:r>
-              <a:rPr lang="en-US" sz="2000" dirty="0" smtClean="0"/>
+              <a:rPr lang="en-US" sz="2000" dirty="0"/>
               <a:t>4. Is the entrepreneur responsible for the project capable of taking service debts and other financial burden?  Does he have enough backing?</a:t>
             </a:r>
           </a:p>
@@ -5246,7 +5294,7 @@
               <a:buNone/>
             </a:pPr>
             <a:r>
-              <a:rPr lang="en-US" sz="2000" dirty="0" smtClean="0"/>
+              <a:rPr lang="en-US" sz="2000" dirty="0"/>
               <a:t>5. What is the anticipated or estimated profitability projection in the course of finding answers for the above questions the following aspects have to be looked into during financial feasibility study? </a:t>
             </a:r>
           </a:p>
@@ -5255,11 +5303,11 @@
               <a:buNone/>
             </a:pPr>
             <a:r>
-              <a:rPr lang="en-US" sz="2000" dirty="0" smtClean="0"/>
+              <a:rPr lang="en-US" sz="2000" dirty="0"/>
               <a:t>								</a:t>
             </a:r>
             <a:r>
-              <a:rPr lang="en-US" sz="2000" dirty="0" smtClean="0">
+              <a:rPr lang="en-US" sz="2000" dirty="0">
                 <a:solidFill>
                   <a:srgbClr val="92D050"/>
                 </a:solidFill>
@@ -5270,6 +5318,36 @@
           <a:p>
             <a:pPr algn="just"/>
             <a:endParaRPr lang="en-US" sz="2800" dirty="0"/>
+          </a:p>
+        </p:txBody>
+      </p:sp>
+      <p:sp>
+        <p:nvSpPr>
+          <p:cNvPr id="2" name="Slide Number Placeholder 1">
+            <a:extLst>
+              <a:ext uri="{FF2B5EF4-FFF2-40B4-BE49-F238E27FC236}">
+                <a16:creationId xmlns:a16="http://schemas.microsoft.com/office/drawing/2014/main" id="{594A77AD-EC25-A740-B6A7-78629269A308}"/>
+              </a:ext>
+            </a:extLst>
+          </p:cNvPr>
+          <p:cNvSpPr>
+            <a:spLocks noGrp="1"/>
+          </p:cNvSpPr>
+          <p:nvPr>
+            <p:ph type="sldNum" sz="quarter" idx="12"/>
+          </p:nvPr>
+        </p:nvSpPr>
+        <p:spPr/>
+        <p:txBody>
+          <a:bodyPr/>
+          <a:lstStyle/>
+          <a:p>
+            <a:fld id="{B6F15528-21DE-4FAA-801E-634DDDAF4B2B}" type="slidenum">
+              <a:rPr lang="en-US" smtClean="0"/>
+              <a:pPr/>
+              <a:t>8</a:t>
+            </a:fld>
+            <a:endParaRPr lang="en-US"/>
           </a:p>
         </p:txBody>
       </p:sp>
@@ -5324,7 +5402,7 @@
               <a:buNone/>
             </a:pPr>
             <a:r>
-              <a:rPr lang="en-US" sz="2000" dirty="0" smtClean="0"/>
+              <a:rPr lang="en-US" sz="2000" dirty="0"/>
               <a:t>1. Investment outlay and costs involved in the project.</a:t>
             </a:r>
           </a:p>
@@ -5333,7 +5411,7 @@
               <a:buNone/>
             </a:pPr>
             <a:r>
-              <a:rPr lang="en-US" sz="2000" dirty="0" smtClean="0"/>
+              <a:rPr lang="en-US" sz="2000" dirty="0"/>
               <a:t>2. The debt-equity ratio. Debt-equity ratio gives an idea of how much the entrepreneur is borrowing (debt) and how much he is investing himself (equity).</a:t>
             </a:r>
           </a:p>
@@ -5342,7 +5420,7 @@
               <a:buNone/>
             </a:pPr>
             <a:r>
-              <a:rPr lang="en-US" sz="2000" dirty="0" smtClean="0"/>
+              <a:rPr lang="en-US" sz="2000" dirty="0"/>
               <a:t>3. Cash Flow diagrams of the project.</a:t>
             </a:r>
           </a:p>
@@ -5351,7 +5429,7 @@
               <a:buNone/>
             </a:pPr>
             <a:r>
-              <a:rPr lang="en-US" sz="2000" dirty="0" smtClean="0"/>
+              <a:rPr lang="en-US" sz="2000" dirty="0"/>
               <a:t>4. Projected future financial position.</a:t>
             </a:r>
           </a:p>
@@ -5360,7 +5438,7 @@
               <a:buNone/>
             </a:pPr>
             <a:r>
-              <a:rPr lang="en-US" sz="2000" dirty="0" smtClean="0"/>
+              <a:rPr lang="en-US" sz="2000" dirty="0"/>
               <a:t>5. Investment worthiness of the proposers</a:t>
             </a:r>
           </a:p>
@@ -5369,7 +5447,7 @@
               <a:buNone/>
             </a:pPr>
             <a:r>
-              <a:rPr lang="en-US" sz="2000" dirty="0" smtClean="0"/>
+              <a:rPr lang="en-US" sz="2000" dirty="0"/>
               <a:t>The following techniques are also used in the process of financial feasibility studies: Break-even analysis to find Break-even volume and costs.</a:t>
             </a:r>
           </a:p>
@@ -5378,15 +5456,15 @@
               <a:buNone/>
             </a:pPr>
             <a:r>
-              <a:rPr lang="en-US" sz="2000" dirty="0" smtClean="0"/>
+              <a:rPr lang="en-US" sz="2000" dirty="0"/>
               <a:t>2. Engineering Economy studies to find PW. AEWFW</a:t>
             </a:r>
             <a:r>
-              <a:rPr lang="en-US" sz="2000" i="1" dirty="0" smtClean="0"/>
+              <a:rPr lang="en-US" sz="2000" i="1" dirty="0"/>
               <a:t>, </a:t>
             </a:r>
             <a:r>
-              <a:rPr lang="en-US" sz="2000" dirty="0" smtClean="0"/>
+              <a:rPr lang="en-US" sz="2000" dirty="0"/>
               <a:t>IRR, Payback period etc</a:t>
             </a:r>
           </a:p>
@@ -5395,12 +5473,42 @@
               <a:buNone/>
             </a:pPr>
             <a:r>
-              <a:rPr lang="en-US" sz="2000" dirty="0" smtClean="0"/>
+              <a:rPr lang="en-US" sz="2000" dirty="0"/>
               <a:t>3. Financial Ratio analysis to find performance indicators.</a:t>
             </a:r>
           </a:p>
           <a:p>
             <a:endParaRPr lang="en-US" dirty="0"/>
+          </a:p>
+        </p:txBody>
+      </p:sp>
+      <p:sp>
+        <p:nvSpPr>
+          <p:cNvPr id="2" name="Slide Number Placeholder 1">
+            <a:extLst>
+              <a:ext uri="{FF2B5EF4-FFF2-40B4-BE49-F238E27FC236}">
+                <a16:creationId xmlns:a16="http://schemas.microsoft.com/office/drawing/2014/main" id="{7493DB0B-5BC5-294C-A7A7-9DCC262622B5}"/>
+              </a:ext>
+            </a:extLst>
+          </p:cNvPr>
+          <p:cNvSpPr>
+            <a:spLocks noGrp="1"/>
+          </p:cNvSpPr>
+          <p:nvPr>
+            <p:ph type="sldNum" sz="quarter" idx="12"/>
+          </p:nvPr>
+        </p:nvSpPr>
+        <p:spPr/>
+        <p:txBody>
+          <a:bodyPr/>
+          <a:lstStyle/>
+          <a:p>
+            <a:fld id="{B6F15528-21DE-4FAA-801E-634DDDAF4B2B}" type="slidenum">
+              <a:rPr lang="en-US" smtClean="0"/>
+              <a:pPr/>
+              <a:t>9</a:t>
+            </a:fld>
+            <a:endParaRPr lang="en-US"/>
           </a:p>
         </p:txBody>
       </p:sp>
@@ -5413,7 +5521,7 @@
 </file>
 
 <file path=ppt/theme/theme1.xml><?xml version="1.0" encoding="utf-8"?>
-<a:theme xmlns:a="http://schemas.openxmlformats.org/drawingml/2006/main" name="Flow">
+<a:theme xmlns:a="http://schemas.openxmlformats.org/drawingml/2006/main" name="Office Theme">
   <a:themeElements>
     <a:clrScheme name="Office">
       <a:dk1>
@@ -5423,46 +5531,98 @@
         <a:sysClr val="window" lastClr="FFFFFF"/>
       </a:lt1>
       <a:dk2>
-        <a:srgbClr val="1F497D"/>
+        <a:srgbClr val="44546A"/>
       </a:dk2>
       <a:lt2>
-        <a:srgbClr val="EEECE1"/>
+        <a:srgbClr val="E7E6E6"/>
       </a:lt2>
       <a:accent1>
-        <a:srgbClr val="4F81BD"/>
+        <a:srgbClr val="4472C4"/>
       </a:accent1>
       <a:accent2>
-        <a:srgbClr val="C0504D"/>
+        <a:srgbClr val="ED7D31"/>
       </a:accent2>
       <a:accent3>
-        <a:srgbClr val="9BBB59"/>
+        <a:srgbClr val="A5A5A5"/>
       </a:accent3>
       <a:accent4>
-        <a:srgbClr val="8064A2"/>
+        <a:srgbClr val="FFC000"/>
       </a:accent4>
       <a:accent5>
-        <a:srgbClr val="4BACC6"/>
+        <a:srgbClr val="5B9BD5"/>
       </a:accent5>
       <a:accent6>
-        <a:srgbClr val="F79646"/>
+        <a:srgbClr val="70AD47"/>
       </a:accent6>
       <a:hlink>
-        <a:srgbClr val="0000FF"/>
+        <a:srgbClr val="0563C1"/>
       </a:hlink>
       <a:folHlink>
-        <a:srgbClr val="800080"/>
+        <a:srgbClr val="954F72"/>
       </a:folHlink>
     </a:clrScheme>
-    <a:fontScheme name="Flow">
+    <a:fontScheme name="Office">
       <a:majorFont>
-        <a:latin typeface="Calibri"/>
+        <a:latin typeface="Calibri Light" panose="020F0302020204030204"/>
         <a:ea typeface=""/>
         <a:cs typeface=""/>
-        <a:font script="Jpan" typeface="ＭＳ Ｐゴシック"/>
-        <a:font script="Hang" typeface="HY중고딕"/>
-        <a:font script="Hans" typeface="隶书"/>
-        <a:font script="Hant" typeface="微軟正黑體"/>
-        <a:font script="Arab" typeface="Traditional Arabic"/>
+        <a:font script="Jpan" typeface="游ゴシック Light"/>
+        <a:font script="Hang" typeface="맑은 고딕"/>
+        <a:font script="Hans" typeface="等线 Light"/>
+        <a:font script="Hant" typeface="新細明體"/>
+        <a:font script="Arab" typeface="Times New Roman"/>
+        <a:font script="Hebr" typeface="Times New Roman"/>
+        <a:font script="Thai" typeface="Angsana New"/>
+        <a:font script="Ethi" typeface="Nyala"/>
+        <a:font script="Beng" typeface="Vrinda"/>
+        <a:font script="Gujr" typeface="Shruti"/>
+        <a:font script="Khmr" typeface="MoolBoran"/>
+        <a:font script="Knda" typeface="Tunga"/>
+        <a:font script="Guru" typeface="Raavi"/>
+        <a:font script="Cans" typeface="Euphemia"/>
+        <a:font script="Cher" typeface="Plantagenet Cherokee"/>
+        <a:font script="Yiii" typeface="Microsoft Yi Baiti"/>
+        <a:font script="Tibt" typeface="Microsoft Himalaya"/>
+        <a:font script="Thaa" typeface="MV Boli"/>
+        <a:font script="Deva" typeface="Mangal"/>
+        <a:font script="Telu" typeface="Gautami"/>
+        <a:font script="Taml" typeface="Latha"/>
+        <a:font script="Syrc" typeface="Estrangelo Edessa"/>
+        <a:font script="Orya" typeface="Kalinga"/>
+        <a:font script="Mlym" typeface="Kartika"/>
+        <a:font script="Laoo" typeface="DokChampa"/>
+        <a:font script="Sinh" typeface="Iskoola Pota"/>
+        <a:font script="Mong" typeface="Mongolian Baiti"/>
+        <a:font script="Viet" typeface="Times New Roman"/>
+        <a:font script="Uigh" typeface="Microsoft Uighur"/>
+        <a:font script="Geor" typeface="Sylfaen"/>
+        <a:font script="Armn" typeface="Arial"/>
+        <a:font script="Bugi" typeface="Leelawadee UI"/>
+        <a:font script="Bopo" typeface="Microsoft JhengHei"/>
+        <a:font script="Java" typeface="Javanese Text"/>
+        <a:font script="Lisu" typeface="Segoe UI"/>
+        <a:font script="Mymr" typeface="Myanmar Text"/>
+        <a:font script="Nkoo" typeface="Ebrima"/>
+        <a:font script="Olck" typeface="Nirmala UI"/>
+        <a:font script="Osma" typeface="Ebrima"/>
+        <a:font script="Phag" typeface="Phagspa"/>
+        <a:font script="Syrn" typeface="Estrangelo Edessa"/>
+        <a:font script="Syrj" typeface="Estrangelo Edessa"/>
+        <a:font script="Syre" typeface="Estrangelo Edessa"/>
+        <a:font script="Sora" typeface="Nirmala UI"/>
+        <a:font script="Tale" typeface="Microsoft Tai Le"/>
+        <a:font script="Talu" typeface="Microsoft New Tai Lue"/>
+        <a:font script="Tfng" typeface="Ebrima"/>
+      </a:majorFont>
+      <a:minorFont>
+        <a:latin typeface="Calibri" panose="020F0502020204030204"/>
+        <a:ea typeface=""/>
+        <a:cs typeface=""/>
+        <a:font script="Jpan" typeface="游ゴシック"/>
+        <a:font script="Hang" typeface="맑은 고딕"/>
+        <a:font script="Hans" typeface="等线"/>
+        <a:font script="Hant" typeface="新細明體"/>
+        <a:font script="Arab" typeface="Arial"/>
         <a:font script="Hebr" typeface="Arial"/>
         <a:font script="Thai" typeface="Cordia New"/>
         <a:font script="Ethi" typeface="Nyala"/>
@@ -5487,18 +5647,227 @@
         <a:font script="Mong" typeface="Mongolian Baiti"/>
         <a:font script="Viet" typeface="Arial"/>
         <a:font script="Uigh" typeface="Microsoft Uighur"/>
-      </a:majorFont>
-      <a:minorFont>
-        <a:latin typeface="Constantia"/>
+        <a:font script="Geor" typeface="Sylfaen"/>
+        <a:font script="Armn" typeface="Arial"/>
+        <a:font script="Bugi" typeface="Leelawadee UI"/>
+        <a:font script="Bopo" typeface="Microsoft JhengHei"/>
+        <a:font script="Java" typeface="Javanese Text"/>
+        <a:font script="Lisu" typeface="Segoe UI"/>
+        <a:font script="Mymr" typeface="Myanmar Text"/>
+        <a:font script="Nkoo" typeface="Ebrima"/>
+        <a:font script="Olck" typeface="Nirmala UI"/>
+        <a:font script="Osma" typeface="Ebrima"/>
+        <a:font script="Phag" typeface="Phagspa"/>
+        <a:font script="Syrn" typeface="Estrangelo Edessa"/>
+        <a:font script="Syrj" typeface="Estrangelo Edessa"/>
+        <a:font script="Syre" typeface="Estrangelo Edessa"/>
+        <a:font script="Sora" typeface="Nirmala UI"/>
+        <a:font script="Tale" typeface="Microsoft Tai Le"/>
+        <a:font script="Talu" typeface="Microsoft New Tai Lue"/>
+        <a:font script="Tfng" typeface="Ebrima"/>
+      </a:minorFont>
+    </a:fontScheme>
+    <a:fmtScheme name="Office">
+      <a:fillStyleLst>
+        <a:solidFill>
+          <a:schemeClr val="phClr"/>
+        </a:solidFill>
+        <a:gradFill rotWithShape="1">
+          <a:gsLst>
+            <a:gs pos="0">
+              <a:schemeClr val="phClr">
+                <a:lumMod val="110000"/>
+                <a:satMod val="105000"/>
+                <a:tint val="67000"/>
+              </a:schemeClr>
+            </a:gs>
+            <a:gs pos="50000">
+              <a:schemeClr val="phClr">
+                <a:lumMod val="105000"/>
+                <a:satMod val="103000"/>
+                <a:tint val="73000"/>
+              </a:schemeClr>
+            </a:gs>
+            <a:gs pos="100000">
+              <a:schemeClr val="phClr">
+                <a:lumMod val="105000"/>
+                <a:satMod val="109000"/>
+                <a:tint val="81000"/>
+              </a:schemeClr>
+            </a:gs>
+          </a:gsLst>
+          <a:lin ang="5400000" scaled="0"/>
+        </a:gradFill>
+        <a:gradFill rotWithShape="1">
+          <a:gsLst>
+            <a:gs pos="0">
+              <a:schemeClr val="phClr">
+                <a:satMod val="103000"/>
+                <a:lumMod val="102000"/>
+                <a:tint val="94000"/>
+              </a:schemeClr>
+            </a:gs>
+            <a:gs pos="50000">
+              <a:schemeClr val="phClr">
+                <a:satMod val="110000"/>
+                <a:lumMod val="100000"/>
+                <a:shade val="100000"/>
+              </a:schemeClr>
+            </a:gs>
+            <a:gs pos="100000">
+              <a:schemeClr val="phClr">
+                <a:lumMod val="99000"/>
+                <a:satMod val="120000"/>
+                <a:shade val="78000"/>
+              </a:schemeClr>
+            </a:gs>
+          </a:gsLst>
+          <a:lin ang="5400000" scaled="0"/>
+        </a:gradFill>
+      </a:fillStyleLst>
+      <a:lnStyleLst>
+        <a:ln w="6350" cap="flat" cmpd="sng" algn="ctr">
+          <a:solidFill>
+            <a:schemeClr val="phClr"/>
+          </a:solidFill>
+          <a:prstDash val="solid"/>
+          <a:miter lim="800000"/>
+        </a:ln>
+        <a:ln w="12700" cap="flat" cmpd="sng" algn="ctr">
+          <a:solidFill>
+            <a:schemeClr val="phClr"/>
+          </a:solidFill>
+          <a:prstDash val="solid"/>
+          <a:miter lim="800000"/>
+        </a:ln>
+        <a:ln w="19050" cap="flat" cmpd="sng" algn="ctr">
+          <a:solidFill>
+            <a:schemeClr val="phClr"/>
+          </a:solidFill>
+          <a:prstDash val="solid"/>
+          <a:miter lim="800000"/>
+        </a:ln>
+      </a:lnStyleLst>
+      <a:effectStyleLst>
+        <a:effectStyle>
+          <a:effectLst/>
+        </a:effectStyle>
+        <a:effectStyle>
+          <a:effectLst/>
+        </a:effectStyle>
+        <a:effectStyle>
+          <a:effectLst>
+            <a:outerShdw blurRad="57150" dist="19050" dir="5400000" algn="ctr" rotWithShape="0">
+              <a:srgbClr val="000000">
+                <a:alpha val="63000"/>
+              </a:srgbClr>
+            </a:outerShdw>
+          </a:effectLst>
+        </a:effectStyle>
+      </a:effectStyleLst>
+      <a:bgFillStyleLst>
+        <a:solidFill>
+          <a:schemeClr val="phClr"/>
+        </a:solidFill>
+        <a:solidFill>
+          <a:schemeClr val="phClr">
+            <a:tint val="95000"/>
+            <a:satMod val="170000"/>
+          </a:schemeClr>
+        </a:solidFill>
+        <a:gradFill rotWithShape="1">
+          <a:gsLst>
+            <a:gs pos="0">
+              <a:schemeClr val="phClr">
+                <a:tint val="93000"/>
+                <a:satMod val="150000"/>
+                <a:shade val="98000"/>
+                <a:lumMod val="102000"/>
+              </a:schemeClr>
+            </a:gs>
+            <a:gs pos="50000">
+              <a:schemeClr val="phClr">
+                <a:tint val="98000"/>
+                <a:satMod val="130000"/>
+                <a:shade val="90000"/>
+                <a:lumMod val="103000"/>
+              </a:schemeClr>
+            </a:gs>
+            <a:gs pos="100000">
+              <a:schemeClr val="phClr">
+                <a:shade val="63000"/>
+                <a:satMod val="120000"/>
+              </a:schemeClr>
+            </a:gs>
+          </a:gsLst>
+          <a:lin ang="5400000" scaled="0"/>
+        </a:gradFill>
+      </a:bgFillStyleLst>
+    </a:fmtScheme>
+  </a:themeElements>
+  <a:objectDefaults/>
+  <a:extraClrSchemeLst/>
+  <a:extLst>
+    <a:ext uri="{05A4C25C-085E-4340-85A3-A5531E510DB2}">
+      <thm15:themeFamily xmlns:thm15="http://schemas.microsoft.com/office/thememl/2012/main" name="Office Theme" id="{62F939B6-93AF-4DB8-9C6B-D6C7DFDC589F}" vid="{4A3C46E8-61CC-4603-A589-7422A47A8E4A}"/>
+    </a:ext>
+  </a:extLst>
+</a:theme>
+</file>
+
+<file path=ppt/theme/theme2.xml><?xml version="1.0" encoding="utf-8"?>
+<a:theme xmlns:a="http://schemas.openxmlformats.org/drawingml/2006/main" name="Office Theme">
+  <a:themeElements>
+    <a:clrScheme name="Office">
+      <a:dk1>
+        <a:sysClr val="windowText" lastClr="000000"/>
+      </a:dk1>
+      <a:lt1>
+        <a:sysClr val="window" lastClr="FFFFFF"/>
+      </a:lt1>
+      <a:dk2>
+        <a:srgbClr val="44546A"/>
+      </a:dk2>
+      <a:lt2>
+        <a:srgbClr val="E7E6E6"/>
+      </a:lt2>
+      <a:accent1>
+        <a:srgbClr val="4472C4"/>
+      </a:accent1>
+      <a:accent2>
+        <a:srgbClr val="ED7D31"/>
+      </a:accent2>
+      <a:accent3>
+        <a:srgbClr val="A5A5A5"/>
+      </a:accent3>
+      <a:accent4>
+        <a:srgbClr val="FFC000"/>
+      </a:accent4>
+      <a:accent5>
+        <a:srgbClr val="5B9BD5"/>
+      </a:accent5>
+      <a:accent6>
+        <a:srgbClr val="70AD47"/>
+      </a:accent6>
+      <a:hlink>
+        <a:srgbClr val="0563C1"/>
+      </a:hlink>
+      <a:folHlink>
+        <a:srgbClr val="954F72"/>
+      </a:folHlink>
+    </a:clrScheme>
+    <a:fontScheme name="Office">
+      <a:majorFont>
+        <a:latin typeface="Calibri Light" panose="020F0302020204030204"/>
         <a:ea typeface=""/>
         <a:cs typeface=""/>
-        <a:font script="Jpan" typeface="HGP明朝E"/>
-        <a:font script="Hang" typeface="HY신명조"/>
-        <a:font script="Hans" typeface="宋体"/>
+        <a:font script="Jpan" typeface="游ゴシック Light"/>
+        <a:font script="Hang" typeface="맑은 고딕"/>
+        <a:font script="Hans" typeface="等线 Light"/>
         <a:font script="Hant" typeface="新細明體"/>
-        <a:font script="Arab" typeface="Majalla UI"/>
-        <a:font script="Hebr" typeface="David"/>
-        <a:font script="Thai" typeface="Browallia New"/>
+        <a:font script="Arab" typeface="Times New Roman"/>
+        <a:font script="Hebr" typeface="Times New Roman"/>
+        <a:font script="Thai" typeface="Angsana New"/>
         <a:font script="Ethi" typeface="Nyala"/>
         <a:font script="Beng" typeface="Vrinda"/>
         <a:font script="Gujr" typeface="Shruti"/>
@@ -5521,9 +5890,79 @@
         <a:font script="Mong" typeface="Mongolian Baiti"/>
         <a:font script="Viet" typeface="Times New Roman"/>
         <a:font script="Uigh" typeface="Microsoft Uighur"/>
+        <a:font script="Geor" typeface="Sylfaen"/>
+        <a:font script="Armn" typeface="Arial"/>
+        <a:font script="Bugi" typeface="Leelawadee UI"/>
+        <a:font script="Bopo" typeface="Microsoft JhengHei"/>
+        <a:font script="Java" typeface="Javanese Text"/>
+        <a:font script="Lisu" typeface="Segoe UI"/>
+        <a:font script="Mymr" typeface="Myanmar Text"/>
+        <a:font script="Nkoo" typeface="Ebrima"/>
+        <a:font script="Olck" typeface="Nirmala UI"/>
+        <a:font script="Osma" typeface="Ebrima"/>
+        <a:font script="Phag" typeface="Phagspa"/>
+        <a:font script="Syrn" typeface="Estrangelo Edessa"/>
+        <a:font script="Syrj" typeface="Estrangelo Edessa"/>
+        <a:font script="Syre" typeface="Estrangelo Edessa"/>
+        <a:font script="Sora" typeface="Nirmala UI"/>
+        <a:font script="Tale" typeface="Microsoft Tai Le"/>
+        <a:font script="Talu" typeface="Microsoft New Tai Lue"/>
+        <a:font script="Tfng" typeface="Ebrima"/>
+      </a:majorFont>
+      <a:minorFont>
+        <a:latin typeface="Calibri" panose="020F0502020204030204"/>
+        <a:ea typeface=""/>
+        <a:cs typeface=""/>
+        <a:font script="Jpan" typeface="游ゴシック"/>
+        <a:font script="Hang" typeface="맑은 고딕"/>
+        <a:font script="Hans" typeface="等线"/>
+        <a:font script="Hant" typeface="新細明體"/>
+        <a:font script="Arab" typeface="Arial"/>
+        <a:font script="Hebr" typeface="Arial"/>
+        <a:font script="Thai" typeface="Cordia New"/>
+        <a:font script="Ethi" typeface="Nyala"/>
+        <a:font script="Beng" typeface="Vrinda"/>
+        <a:font script="Gujr" typeface="Shruti"/>
+        <a:font script="Khmr" typeface="DaunPenh"/>
+        <a:font script="Knda" typeface="Tunga"/>
+        <a:font script="Guru" typeface="Raavi"/>
+        <a:font script="Cans" typeface="Euphemia"/>
+        <a:font script="Cher" typeface="Plantagenet Cherokee"/>
+        <a:font script="Yiii" typeface="Microsoft Yi Baiti"/>
+        <a:font script="Tibt" typeface="Microsoft Himalaya"/>
+        <a:font script="Thaa" typeface="MV Boli"/>
+        <a:font script="Deva" typeface="Mangal"/>
+        <a:font script="Telu" typeface="Gautami"/>
+        <a:font script="Taml" typeface="Latha"/>
+        <a:font script="Syrc" typeface="Estrangelo Edessa"/>
+        <a:font script="Orya" typeface="Kalinga"/>
+        <a:font script="Mlym" typeface="Kartika"/>
+        <a:font script="Laoo" typeface="DokChampa"/>
+        <a:font script="Sinh" typeface="Iskoola Pota"/>
+        <a:font script="Mong" typeface="Mongolian Baiti"/>
+        <a:font script="Viet" typeface="Arial"/>
+        <a:font script="Uigh" typeface="Microsoft Uighur"/>
+        <a:font script="Geor" typeface="Sylfaen"/>
+        <a:font script="Armn" typeface="Arial"/>
+        <a:font script="Bugi" typeface="Leelawadee UI"/>
+        <a:font script="Bopo" typeface="Microsoft JhengHei"/>
+        <a:font script="Java" typeface="Javanese Text"/>
+        <a:font script="Lisu" typeface="Segoe UI"/>
+        <a:font script="Mymr" typeface="Myanmar Text"/>
+        <a:font script="Nkoo" typeface="Ebrima"/>
+        <a:font script="Olck" typeface="Nirmala UI"/>
+        <a:font script="Osma" typeface="Ebrima"/>
+        <a:font script="Phag" typeface="Phagspa"/>
+        <a:font script="Syrn" typeface="Estrangelo Edessa"/>
+        <a:font script="Syrj" typeface="Estrangelo Edessa"/>
+        <a:font script="Syre" typeface="Estrangelo Edessa"/>
+        <a:font script="Sora" typeface="Nirmala UI"/>
+        <a:font script="Tale" typeface="Microsoft Tai Le"/>
+        <a:font script="Talu" typeface="Microsoft New Tai Lue"/>
+        <a:font script="Tfng" typeface="Ebrima"/>
       </a:minorFont>
     </a:fontScheme>
-    <a:fmtScheme name="Flow">
+    <a:fmtScheme name="Office">
       <a:fillStyleLst>
         <a:solidFill>
           <a:schemeClr val="phClr"/>
@@ -5532,177 +5971,141 @@
           <a:gsLst>
             <a:gs pos="0">
               <a:schemeClr val="phClr">
-                <a:tint val="70000"/>
-                <a:satMod val="130000"/>
+                <a:lumMod val="110000"/>
+                <a:satMod val="105000"/>
+                <a:tint val="67000"/>
               </a:schemeClr>
             </a:gs>
-            <a:gs pos="43000">
+            <a:gs pos="50000">
               <a:schemeClr val="phClr">
-                <a:tint val="44000"/>
-                <a:satMod val="165000"/>
-              </a:schemeClr>
-            </a:gs>
-            <a:gs pos="93000">
-              <a:schemeClr val="phClr">
-                <a:tint val="15000"/>
-                <a:satMod val="165000"/>
+                <a:lumMod val="105000"/>
+                <a:satMod val="103000"/>
+                <a:tint val="73000"/>
               </a:schemeClr>
             </a:gs>
             <a:gs pos="100000">
               <a:schemeClr val="phClr">
-                <a:tint val="5000"/>
-                <a:satMod val="250000"/>
+                <a:lumMod val="105000"/>
+                <a:satMod val="109000"/>
+                <a:tint val="81000"/>
               </a:schemeClr>
             </a:gs>
           </a:gsLst>
-          <a:path path="circle">
-            <a:fillToRect l="50000" t="130000" r="50000" b="-30000"/>
-          </a:path>
+          <a:lin ang="5400000" scaled="0"/>
         </a:gradFill>
         <a:gradFill rotWithShape="1">
           <a:gsLst>
             <a:gs pos="0">
               <a:schemeClr val="phClr">
-                <a:tint val="98000"/>
-                <a:shade val="25000"/>
-                <a:satMod val="250000"/>
+                <a:satMod val="103000"/>
+                <a:lumMod val="102000"/>
+                <a:tint val="94000"/>
               </a:schemeClr>
             </a:gs>
-            <a:gs pos="68000">
+            <a:gs pos="50000">
               <a:schemeClr val="phClr">
-                <a:tint val="86000"/>
-                <a:satMod val="115000"/>
+                <a:satMod val="110000"/>
+                <a:lumMod val="100000"/>
+                <a:shade val="100000"/>
               </a:schemeClr>
             </a:gs>
             <a:gs pos="100000">
               <a:schemeClr val="phClr">
-                <a:tint val="50000"/>
-                <a:satMod val="150000"/>
+                <a:lumMod val="99000"/>
+                <a:satMod val="120000"/>
+                <a:shade val="78000"/>
               </a:schemeClr>
             </a:gs>
           </a:gsLst>
-          <a:path path="circle">
-            <a:fillToRect l="50000" t="130000" r="50000" b="-30000"/>
-          </a:path>
+          <a:lin ang="5400000" scaled="0"/>
         </a:gradFill>
       </a:fillStyleLst>
       <a:lnStyleLst>
-        <a:ln w="9525" cap="flat" cmpd="sng" algn="ctr">
-          <a:solidFill>
-            <a:schemeClr val="phClr">
-              <a:shade val="50000"/>
-              <a:satMod val="103000"/>
-            </a:schemeClr>
-          </a:solidFill>
-          <a:prstDash val="solid"/>
-        </a:ln>
-        <a:ln w="25400" cap="flat" cmpd="sng" algn="ctr">
+        <a:ln w="6350" cap="flat" cmpd="sng" algn="ctr">
           <a:solidFill>
             <a:schemeClr val="phClr"/>
           </a:solidFill>
           <a:prstDash val="solid"/>
+          <a:miter lim="800000"/>
         </a:ln>
-        <a:ln w="38100" cap="flat" cmpd="sng" algn="ctr">
+        <a:ln w="12700" cap="flat" cmpd="sng" algn="ctr">
           <a:solidFill>
             <a:schemeClr val="phClr"/>
           </a:solidFill>
           <a:prstDash val="solid"/>
+          <a:miter lim="800000"/>
+        </a:ln>
+        <a:ln w="19050" cap="flat" cmpd="sng" algn="ctr">
+          <a:solidFill>
+            <a:schemeClr val="phClr"/>
+          </a:solidFill>
+          <a:prstDash val="solid"/>
+          <a:miter lim="800000"/>
         </a:ln>
       </a:lnStyleLst>
       <a:effectStyleLst>
         <a:effectStyle>
-          <a:effectLst>
-            <a:outerShdw blurRad="57150" dist="38100" dir="5400000" algn="ctr" rotWithShape="0">
-              <a:schemeClr val="phClr">
-                <a:shade val="9000"/>
-                <a:satMod val="105000"/>
-                <a:alpha val="48000"/>
-              </a:schemeClr>
-            </a:outerShdw>
-          </a:effectLst>
+          <a:effectLst/>
+        </a:effectStyle>
+        <a:effectStyle>
+          <a:effectLst/>
         </a:effectStyle>
         <a:effectStyle>
           <a:effectLst>
-            <a:outerShdw blurRad="57150" dist="38100" dir="5400000" algn="ctr" rotWithShape="0">
-              <a:schemeClr val="phClr">
-                <a:shade val="9000"/>
-                <a:satMod val="105000"/>
-                <a:alpha val="48000"/>
-              </a:schemeClr>
+            <a:outerShdw blurRad="57150" dist="19050" dir="5400000" algn="ctr" rotWithShape="0">
+              <a:srgbClr val="000000">
+                <a:alpha val="63000"/>
+              </a:srgbClr>
             </a:outerShdw>
           </a:effectLst>
-        </a:effectStyle>
-        <a:effectStyle>
-          <a:effectLst>
-            <a:outerShdw blurRad="57150" dist="38100" dir="5400000" algn="ctr" rotWithShape="0">
-              <a:schemeClr val="phClr">
-                <a:shade val="9000"/>
-                <a:satMod val="105000"/>
-                <a:alpha val="48000"/>
-              </a:schemeClr>
-            </a:outerShdw>
-          </a:effectLst>
-          <a:scene3d>
-            <a:camera prst="orthographicFront" fov="0">
-              <a:rot lat="0" lon="0" rev="0"/>
-            </a:camera>
-            <a:lightRig rig="glow" dir="tl">
-              <a:rot lat="0" lon="0" rev="900000"/>
-            </a:lightRig>
-          </a:scene3d>
-          <a:sp3d prstMaterial="powder">
-            <a:bevelT w="25400" h="38100"/>
-          </a:sp3d>
         </a:effectStyle>
       </a:effectStyleLst>
       <a:bgFillStyleLst>
         <a:solidFill>
           <a:schemeClr val="phClr"/>
         </a:solidFill>
+        <a:solidFill>
+          <a:schemeClr val="phClr">
+            <a:tint val="95000"/>
+            <a:satMod val="170000"/>
+          </a:schemeClr>
+        </a:solidFill>
         <a:gradFill rotWithShape="1">
           <a:gsLst>
             <a:gs pos="0">
               <a:schemeClr val="phClr">
-                <a:tint val="80000"/>
-                <a:satMod val="400000"/>
+                <a:tint val="93000"/>
+                <a:satMod val="150000"/>
+                <a:shade val="98000"/>
+                <a:lumMod val="102000"/>
               </a:schemeClr>
             </a:gs>
-            <a:gs pos="25000">
+            <a:gs pos="50000">
               <a:schemeClr val="phClr">
-                <a:tint val="83000"/>
-                <a:satMod val="320000"/>
+                <a:tint val="98000"/>
+                <a:satMod val="130000"/>
+                <a:shade val="90000"/>
+                <a:lumMod val="103000"/>
               </a:schemeClr>
             </a:gs>
             <a:gs pos="100000">
               <a:schemeClr val="phClr">
-                <a:shade val="15000"/>
-                <a:satMod val="320000"/>
+                <a:shade val="63000"/>
+                <a:satMod val="120000"/>
               </a:schemeClr>
             </a:gs>
           </a:gsLst>
-          <a:path path="circle">
-            <a:fillToRect l="10000" t="110000" r="10000" b="100000"/>
-          </a:path>
+          <a:lin ang="5400000" scaled="0"/>
         </a:gradFill>
-        <a:blipFill>
-          <a:blip xmlns:r="http://schemas.openxmlformats.org/officeDocument/2006/relationships" r:embed="rId1">
-            <a:duotone>
-              <a:schemeClr val="phClr">
-                <a:shade val="90000"/>
-                <a:satMod val="150000"/>
-              </a:schemeClr>
-              <a:schemeClr val="phClr">
-                <a:tint val="88000"/>
-                <a:satMod val="150000"/>
-              </a:schemeClr>
-            </a:duotone>
-          </a:blip>
-          <a:tile tx="0" ty="0" sx="65000" sy="65000" flip="none" algn="tl"/>
-        </a:blipFill>
       </a:bgFillStyleLst>
     </a:fmtScheme>
   </a:themeElements>
   <a:objectDefaults/>
   <a:extraClrSchemeLst/>
+  <a:extLst>
+    <a:ext uri="{05A4C25C-085E-4340-85A3-A5531E510DB2}">
+      <thm15:themeFamily xmlns:thm15="http://schemas.microsoft.com/office/thememl/2012/main" name="Office Theme" id="{62F939B6-93AF-4DB8-9C6B-D6C7DFDC589F}" vid="{4A3C46E8-61CC-4603-A589-7422A47A8E4A}"/>
+    </a:ext>
+  </a:extLst>
 </a:theme>
 </file>